--- a/AutomationCamp-Cypress.pptx
+++ b/AutomationCamp-Cypress.pptx
@@ -5,7 +5,7 @@
     <p:sldMasterId id="2147483659" r:id="rId1"/>
   </p:sldMasterIdLst>
   <p:notesMasterIdLst>
-    <p:notesMasterId r:id="rId16"/>
+    <p:notesMasterId r:id="rId22"/>
   </p:notesMasterIdLst>
   <p:sldIdLst>
     <p:sldId id="256" r:id="rId2"/>
@@ -22,23 +22,29 @@
     <p:sldId id="271" r:id="rId13"/>
     <p:sldId id="273" r:id="rId14"/>
     <p:sldId id="270" r:id="rId15"/>
+    <p:sldId id="274" r:id="rId16"/>
+    <p:sldId id="275" r:id="rId17"/>
+    <p:sldId id="277" r:id="rId18"/>
+    <p:sldId id="278" r:id="rId19"/>
+    <p:sldId id="279" r:id="rId20"/>
+    <p:sldId id="280" r:id="rId21"/>
   </p:sldIdLst>
   <p:sldSz cx="9144000" cy="5143500" type="screen16x9"/>
   <p:notesSz cx="6858000" cy="9144000"/>
   <p:embeddedFontLst>
     <p:embeddedFont>
       <p:font typeface="Lato" panose="020F0502020204030203" pitchFamily="34" charset="0"/>
-      <p:regular r:id="rId17"/>
-      <p:bold r:id="rId18"/>
-      <p:italic r:id="rId19"/>
-      <p:boldItalic r:id="rId20"/>
+      <p:regular r:id="rId23"/>
+      <p:bold r:id="rId24"/>
+      <p:italic r:id="rId25"/>
+      <p:boldItalic r:id="rId26"/>
     </p:embeddedFont>
     <p:embeddedFont>
       <p:font typeface="Montserrat" panose="00000500000000000000" pitchFamily="2" charset="0"/>
-      <p:regular r:id="rId21"/>
-      <p:bold r:id="rId22"/>
-      <p:italic r:id="rId23"/>
-      <p:boldItalic r:id="rId24"/>
+      <p:regular r:id="rId27"/>
+      <p:bold r:id="rId28"/>
+      <p:italic r:id="rId29"/>
+      <p:boldItalic r:id="rId30"/>
     </p:embeddedFont>
   </p:embeddedFontLst>
   <p:defaultTextStyle>
@@ -1379,6 +1385,551 @@
 </p:notes>
 </file>
 
+<file path=ppt/notesSlides/notesSlide15.xml><?xml version="1.0" encoding="utf-8"?>
+<p:notes xmlns:a="http://schemas.openxmlformats.org/drawingml/2006/main" xmlns:r="http://schemas.openxmlformats.org/officeDocument/2006/relationships" xmlns:p="http://schemas.openxmlformats.org/presentationml/2006/main" showMasterSp="0" showMasterPhAnim="0">
+  <p:cSld>
+    <p:spTree>
+      <p:nvGrpSpPr>
+        <p:cNvPr id="1" name="Shape 130"/>
+        <p:cNvGrpSpPr/>
+        <p:nvPr/>
+      </p:nvGrpSpPr>
+      <p:grpSpPr>
+        <a:xfrm>
+          <a:off x="0" y="0"/>
+          <a:ext cx="0" cy="0"/>
+          <a:chOff x="0" y="0"/>
+          <a:chExt cx="0" cy="0"/>
+        </a:xfrm>
+      </p:grpSpPr>
+      <p:sp>
+        <p:nvSpPr>
+          <p:cNvPr id="131" name="Google Shape;131;p:notes"/>
+          <p:cNvSpPr>
+            <a:spLocks noGrp="1" noRot="1" noChangeAspect="1"/>
+          </p:cNvSpPr>
+          <p:nvPr>
+            <p:ph type="sldImg" idx="2"/>
+          </p:nvPr>
+        </p:nvSpPr>
+        <p:spPr>
+          <a:xfrm>
+            <a:off x="381000" y="685800"/>
+            <a:ext cx="6096000" cy="3429000"/>
+          </a:xfrm>
+          <a:custGeom>
+            <a:avLst/>
+            <a:gdLst/>
+            <a:ahLst/>
+            <a:cxnLst/>
+            <a:rect l="l" t="t" r="r" b="b"/>
+            <a:pathLst>
+              <a:path w="120000" h="120000" extrusionOk="0">
+                <a:moveTo>
+                  <a:pt x="0" y="0"/>
+                </a:moveTo>
+                <a:lnTo>
+                  <a:pt x="120000" y="0"/>
+                </a:lnTo>
+                <a:lnTo>
+                  <a:pt x="120000" y="120000"/>
+                </a:lnTo>
+                <a:lnTo>
+                  <a:pt x="0" y="120000"/>
+                </a:lnTo>
+                <a:close/>
+              </a:path>
+            </a:pathLst>
+          </a:custGeom>
+        </p:spPr>
+      </p:sp>
+      <p:sp>
+        <p:nvSpPr>
+          <p:cNvPr id="132" name="Google Shape;132;p:notes"/>
+          <p:cNvSpPr txBox="1">
+            <a:spLocks noGrp="1"/>
+          </p:cNvSpPr>
+          <p:nvPr>
+            <p:ph type="body" idx="1"/>
+          </p:nvPr>
+        </p:nvSpPr>
+        <p:spPr>
+          <a:xfrm>
+            <a:off x="685800" y="4343400"/>
+            <a:ext cx="5486400" cy="4114800"/>
+          </a:xfrm>
+          <a:prstGeom prst="rect">
+            <a:avLst/>
+          </a:prstGeom>
+        </p:spPr>
+        <p:txBody>
+          <a:bodyPr spcFirstLastPara="1" wrap="square" lIns="91425" tIns="91425" rIns="91425" bIns="91425" anchor="t" anchorCtr="0">
+            <a:noAutofit/>
+          </a:bodyPr>
+          <a:lstStyle/>
+          <a:p>
+            <a:pPr marL="0" lvl="0" indent="0" algn="l" rtl="0">
+              <a:spcBef>
+                <a:spcPts val="0"/>
+              </a:spcBef>
+              <a:spcAft>
+                <a:spcPts val="0"/>
+              </a:spcAft>
+              <a:buNone/>
+            </a:pPr>
+            <a:endParaRPr dirty="0"/>
+          </a:p>
+        </p:txBody>
+      </p:sp>
+    </p:spTree>
+    <p:extLst>
+      <p:ext uri="{BB962C8B-B14F-4D97-AF65-F5344CB8AC3E}">
+        <p14:creationId xmlns:p14="http://schemas.microsoft.com/office/powerpoint/2010/main" val="309598657"/>
+      </p:ext>
+    </p:extLst>
+  </p:cSld>
+  <p:clrMapOvr>
+    <a:masterClrMapping/>
+  </p:clrMapOvr>
+</p:notes>
+</file>
+
+<file path=ppt/notesSlides/notesSlide16.xml><?xml version="1.0" encoding="utf-8"?>
+<p:notes xmlns:a="http://schemas.openxmlformats.org/drawingml/2006/main" xmlns:r="http://schemas.openxmlformats.org/officeDocument/2006/relationships" xmlns:p="http://schemas.openxmlformats.org/presentationml/2006/main" showMasterSp="0" showMasterPhAnim="0">
+  <p:cSld>
+    <p:spTree>
+      <p:nvGrpSpPr>
+        <p:cNvPr id="1" name="Shape 136"/>
+        <p:cNvGrpSpPr/>
+        <p:nvPr/>
+      </p:nvGrpSpPr>
+      <p:grpSpPr>
+        <a:xfrm>
+          <a:off x="0" y="0"/>
+          <a:ext cx="0" cy="0"/>
+          <a:chOff x="0" y="0"/>
+          <a:chExt cx="0" cy="0"/>
+        </a:xfrm>
+      </p:grpSpPr>
+      <p:sp>
+        <p:nvSpPr>
+          <p:cNvPr id="137" name="Google Shape;137;g120e7518a27_1_0:notes"/>
+          <p:cNvSpPr>
+            <a:spLocks noGrp="1" noRot="1" noChangeAspect="1"/>
+          </p:cNvSpPr>
+          <p:nvPr>
+            <p:ph type="sldImg" idx="2"/>
+          </p:nvPr>
+        </p:nvSpPr>
+        <p:spPr>
+          <a:xfrm>
+            <a:off x="381000" y="685800"/>
+            <a:ext cx="6096000" cy="3429000"/>
+          </a:xfrm>
+          <a:custGeom>
+            <a:avLst/>
+            <a:gdLst/>
+            <a:ahLst/>
+            <a:cxnLst/>
+            <a:rect l="l" t="t" r="r" b="b"/>
+            <a:pathLst>
+              <a:path w="120000" h="120000" extrusionOk="0">
+                <a:moveTo>
+                  <a:pt x="0" y="0"/>
+                </a:moveTo>
+                <a:lnTo>
+                  <a:pt x="120000" y="0"/>
+                </a:lnTo>
+                <a:lnTo>
+                  <a:pt x="120000" y="120000"/>
+                </a:lnTo>
+                <a:lnTo>
+                  <a:pt x="0" y="120000"/>
+                </a:lnTo>
+                <a:close/>
+              </a:path>
+            </a:pathLst>
+          </a:custGeom>
+        </p:spPr>
+      </p:sp>
+      <p:sp>
+        <p:nvSpPr>
+          <p:cNvPr id="138" name="Google Shape;138;g120e7518a27_1_0:notes"/>
+          <p:cNvSpPr txBox="1">
+            <a:spLocks noGrp="1"/>
+          </p:cNvSpPr>
+          <p:nvPr>
+            <p:ph type="body" idx="1"/>
+          </p:nvPr>
+        </p:nvSpPr>
+        <p:spPr>
+          <a:xfrm>
+            <a:off x="685800" y="4343400"/>
+            <a:ext cx="5486400" cy="4114800"/>
+          </a:xfrm>
+          <a:prstGeom prst="rect">
+            <a:avLst/>
+          </a:prstGeom>
+        </p:spPr>
+        <p:txBody>
+          <a:bodyPr spcFirstLastPara="1" wrap="square" lIns="91425" tIns="91425" rIns="91425" bIns="91425" anchor="t" anchorCtr="0">
+            <a:noAutofit/>
+          </a:bodyPr>
+          <a:lstStyle/>
+          <a:p>
+            <a:pPr marL="0" lvl="0" indent="0" algn="l" rtl="0">
+              <a:spcBef>
+                <a:spcPts val="0"/>
+              </a:spcBef>
+              <a:spcAft>
+                <a:spcPts val="0"/>
+              </a:spcAft>
+              <a:buNone/>
+            </a:pPr>
+            <a:endParaRPr/>
+          </a:p>
+        </p:txBody>
+      </p:sp>
+    </p:spTree>
+    <p:extLst>
+      <p:ext uri="{BB962C8B-B14F-4D97-AF65-F5344CB8AC3E}">
+        <p14:creationId xmlns:p14="http://schemas.microsoft.com/office/powerpoint/2010/main" val="3818711533"/>
+      </p:ext>
+    </p:extLst>
+  </p:cSld>
+  <p:clrMapOvr>
+    <a:masterClrMapping/>
+  </p:clrMapOvr>
+</p:notes>
+</file>
+
+<file path=ppt/notesSlides/notesSlide17.xml><?xml version="1.0" encoding="utf-8"?>
+<p:notes xmlns:a="http://schemas.openxmlformats.org/drawingml/2006/main" xmlns:r="http://schemas.openxmlformats.org/officeDocument/2006/relationships" xmlns:p="http://schemas.openxmlformats.org/presentationml/2006/main" showMasterSp="0" showMasterPhAnim="0">
+  <p:cSld>
+    <p:spTree>
+      <p:nvGrpSpPr>
+        <p:cNvPr id="1" name="Shape 136"/>
+        <p:cNvGrpSpPr/>
+        <p:nvPr/>
+      </p:nvGrpSpPr>
+      <p:grpSpPr>
+        <a:xfrm>
+          <a:off x="0" y="0"/>
+          <a:ext cx="0" cy="0"/>
+          <a:chOff x="0" y="0"/>
+          <a:chExt cx="0" cy="0"/>
+        </a:xfrm>
+      </p:grpSpPr>
+      <p:sp>
+        <p:nvSpPr>
+          <p:cNvPr id="137" name="Google Shape;137;g120e7518a27_1_0:notes"/>
+          <p:cNvSpPr>
+            <a:spLocks noGrp="1" noRot="1" noChangeAspect="1"/>
+          </p:cNvSpPr>
+          <p:nvPr>
+            <p:ph type="sldImg" idx="2"/>
+          </p:nvPr>
+        </p:nvSpPr>
+        <p:spPr>
+          <a:xfrm>
+            <a:off x="381000" y="685800"/>
+            <a:ext cx="6096000" cy="3429000"/>
+          </a:xfrm>
+          <a:custGeom>
+            <a:avLst/>
+            <a:gdLst/>
+            <a:ahLst/>
+            <a:cxnLst/>
+            <a:rect l="l" t="t" r="r" b="b"/>
+            <a:pathLst>
+              <a:path w="120000" h="120000" extrusionOk="0">
+                <a:moveTo>
+                  <a:pt x="0" y="0"/>
+                </a:moveTo>
+                <a:lnTo>
+                  <a:pt x="120000" y="0"/>
+                </a:lnTo>
+                <a:lnTo>
+                  <a:pt x="120000" y="120000"/>
+                </a:lnTo>
+                <a:lnTo>
+                  <a:pt x="0" y="120000"/>
+                </a:lnTo>
+                <a:close/>
+              </a:path>
+            </a:pathLst>
+          </a:custGeom>
+        </p:spPr>
+      </p:sp>
+      <p:sp>
+        <p:nvSpPr>
+          <p:cNvPr id="138" name="Google Shape;138;g120e7518a27_1_0:notes"/>
+          <p:cNvSpPr txBox="1">
+            <a:spLocks noGrp="1"/>
+          </p:cNvSpPr>
+          <p:nvPr>
+            <p:ph type="body" idx="1"/>
+          </p:nvPr>
+        </p:nvSpPr>
+        <p:spPr>
+          <a:xfrm>
+            <a:off x="685800" y="4343400"/>
+            <a:ext cx="5486400" cy="4114800"/>
+          </a:xfrm>
+          <a:prstGeom prst="rect">
+            <a:avLst/>
+          </a:prstGeom>
+        </p:spPr>
+        <p:txBody>
+          <a:bodyPr spcFirstLastPara="1" wrap="square" lIns="91425" tIns="91425" rIns="91425" bIns="91425" anchor="t" anchorCtr="0">
+            <a:noAutofit/>
+          </a:bodyPr>
+          <a:lstStyle/>
+          <a:p>
+            <a:pPr marL="0" lvl="0" indent="0" algn="l" rtl="0">
+              <a:spcBef>
+                <a:spcPts val="0"/>
+              </a:spcBef>
+              <a:spcAft>
+                <a:spcPts val="0"/>
+              </a:spcAft>
+              <a:buNone/>
+            </a:pPr>
+            <a:endParaRPr/>
+          </a:p>
+        </p:txBody>
+      </p:sp>
+    </p:spTree>
+    <p:extLst>
+      <p:ext uri="{BB962C8B-B14F-4D97-AF65-F5344CB8AC3E}">
+        <p14:creationId xmlns:p14="http://schemas.microsoft.com/office/powerpoint/2010/main" val="941771180"/>
+      </p:ext>
+    </p:extLst>
+  </p:cSld>
+  <p:clrMapOvr>
+    <a:masterClrMapping/>
+  </p:clrMapOvr>
+</p:notes>
+</file>
+
+<file path=ppt/notesSlides/notesSlide18.xml><?xml version="1.0" encoding="utf-8"?>
+<p:notes xmlns:a="http://schemas.openxmlformats.org/drawingml/2006/main" xmlns:r="http://schemas.openxmlformats.org/officeDocument/2006/relationships" xmlns:p="http://schemas.openxmlformats.org/presentationml/2006/main" showMasterSp="0" showMasterPhAnim="0">
+  <p:cSld>
+    <p:spTree>
+      <p:nvGrpSpPr>
+        <p:cNvPr id="1" name="Shape 136"/>
+        <p:cNvGrpSpPr/>
+        <p:nvPr/>
+      </p:nvGrpSpPr>
+      <p:grpSpPr>
+        <a:xfrm>
+          <a:off x="0" y="0"/>
+          <a:ext cx="0" cy="0"/>
+          <a:chOff x="0" y="0"/>
+          <a:chExt cx="0" cy="0"/>
+        </a:xfrm>
+      </p:grpSpPr>
+      <p:sp>
+        <p:nvSpPr>
+          <p:cNvPr id="137" name="Google Shape;137;g120e7518a27_1_0:notes"/>
+          <p:cNvSpPr>
+            <a:spLocks noGrp="1" noRot="1" noChangeAspect="1"/>
+          </p:cNvSpPr>
+          <p:nvPr>
+            <p:ph type="sldImg" idx="2"/>
+          </p:nvPr>
+        </p:nvSpPr>
+        <p:spPr>
+          <a:xfrm>
+            <a:off x="381000" y="685800"/>
+            <a:ext cx="6096000" cy="3429000"/>
+          </a:xfrm>
+          <a:custGeom>
+            <a:avLst/>
+            <a:gdLst/>
+            <a:ahLst/>
+            <a:cxnLst/>
+            <a:rect l="l" t="t" r="r" b="b"/>
+            <a:pathLst>
+              <a:path w="120000" h="120000" extrusionOk="0">
+                <a:moveTo>
+                  <a:pt x="0" y="0"/>
+                </a:moveTo>
+                <a:lnTo>
+                  <a:pt x="120000" y="0"/>
+                </a:lnTo>
+                <a:lnTo>
+                  <a:pt x="120000" y="120000"/>
+                </a:lnTo>
+                <a:lnTo>
+                  <a:pt x="0" y="120000"/>
+                </a:lnTo>
+                <a:close/>
+              </a:path>
+            </a:pathLst>
+          </a:custGeom>
+        </p:spPr>
+      </p:sp>
+      <p:sp>
+        <p:nvSpPr>
+          <p:cNvPr id="138" name="Google Shape;138;g120e7518a27_1_0:notes"/>
+          <p:cNvSpPr txBox="1">
+            <a:spLocks noGrp="1"/>
+          </p:cNvSpPr>
+          <p:nvPr>
+            <p:ph type="body" idx="1"/>
+          </p:nvPr>
+        </p:nvSpPr>
+        <p:spPr>
+          <a:xfrm>
+            <a:off x="685800" y="4343400"/>
+            <a:ext cx="5486400" cy="4114800"/>
+          </a:xfrm>
+          <a:prstGeom prst="rect">
+            <a:avLst/>
+          </a:prstGeom>
+        </p:spPr>
+        <p:txBody>
+          <a:bodyPr spcFirstLastPara="1" wrap="square" lIns="91425" tIns="91425" rIns="91425" bIns="91425" anchor="t" anchorCtr="0">
+            <a:noAutofit/>
+          </a:bodyPr>
+          <a:lstStyle/>
+          <a:p>
+            <a:pPr marL="0" lvl="0" indent="0" algn="l" rtl="0">
+              <a:spcBef>
+                <a:spcPts val="0"/>
+              </a:spcBef>
+              <a:spcAft>
+                <a:spcPts val="0"/>
+              </a:spcAft>
+              <a:buNone/>
+            </a:pPr>
+            <a:endParaRPr/>
+          </a:p>
+        </p:txBody>
+      </p:sp>
+    </p:spTree>
+    <p:extLst>
+      <p:ext uri="{BB962C8B-B14F-4D97-AF65-F5344CB8AC3E}">
+        <p14:creationId xmlns:p14="http://schemas.microsoft.com/office/powerpoint/2010/main" val="1112754078"/>
+      </p:ext>
+    </p:extLst>
+  </p:cSld>
+  <p:clrMapOvr>
+    <a:masterClrMapping/>
+  </p:clrMapOvr>
+</p:notes>
+</file>
+
+<file path=ppt/notesSlides/notesSlide19.xml><?xml version="1.0" encoding="utf-8"?>
+<p:notes xmlns:a="http://schemas.openxmlformats.org/drawingml/2006/main" xmlns:r="http://schemas.openxmlformats.org/officeDocument/2006/relationships" xmlns:p="http://schemas.openxmlformats.org/presentationml/2006/main" showMasterSp="0" showMasterPhAnim="0">
+  <p:cSld>
+    <p:spTree>
+      <p:nvGrpSpPr>
+        <p:cNvPr id="1" name="Shape 136"/>
+        <p:cNvGrpSpPr/>
+        <p:nvPr/>
+      </p:nvGrpSpPr>
+      <p:grpSpPr>
+        <a:xfrm>
+          <a:off x="0" y="0"/>
+          <a:ext cx="0" cy="0"/>
+          <a:chOff x="0" y="0"/>
+          <a:chExt cx="0" cy="0"/>
+        </a:xfrm>
+      </p:grpSpPr>
+      <p:sp>
+        <p:nvSpPr>
+          <p:cNvPr id="137" name="Google Shape;137;g120e7518a27_1_0:notes"/>
+          <p:cNvSpPr>
+            <a:spLocks noGrp="1" noRot="1" noChangeAspect="1"/>
+          </p:cNvSpPr>
+          <p:nvPr>
+            <p:ph type="sldImg" idx="2"/>
+          </p:nvPr>
+        </p:nvSpPr>
+        <p:spPr>
+          <a:xfrm>
+            <a:off x="381000" y="685800"/>
+            <a:ext cx="6096000" cy="3429000"/>
+          </a:xfrm>
+          <a:custGeom>
+            <a:avLst/>
+            <a:gdLst/>
+            <a:ahLst/>
+            <a:cxnLst/>
+            <a:rect l="l" t="t" r="r" b="b"/>
+            <a:pathLst>
+              <a:path w="120000" h="120000" extrusionOk="0">
+                <a:moveTo>
+                  <a:pt x="0" y="0"/>
+                </a:moveTo>
+                <a:lnTo>
+                  <a:pt x="120000" y="0"/>
+                </a:lnTo>
+                <a:lnTo>
+                  <a:pt x="120000" y="120000"/>
+                </a:lnTo>
+                <a:lnTo>
+                  <a:pt x="0" y="120000"/>
+                </a:lnTo>
+                <a:close/>
+              </a:path>
+            </a:pathLst>
+          </a:custGeom>
+        </p:spPr>
+      </p:sp>
+      <p:sp>
+        <p:nvSpPr>
+          <p:cNvPr id="138" name="Google Shape;138;g120e7518a27_1_0:notes"/>
+          <p:cNvSpPr txBox="1">
+            <a:spLocks noGrp="1"/>
+          </p:cNvSpPr>
+          <p:nvPr>
+            <p:ph type="body" idx="1"/>
+          </p:nvPr>
+        </p:nvSpPr>
+        <p:spPr>
+          <a:xfrm>
+            <a:off x="685800" y="4343400"/>
+            <a:ext cx="5486400" cy="4114800"/>
+          </a:xfrm>
+          <a:prstGeom prst="rect">
+            <a:avLst/>
+          </a:prstGeom>
+        </p:spPr>
+        <p:txBody>
+          <a:bodyPr spcFirstLastPara="1" wrap="square" lIns="91425" tIns="91425" rIns="91425" bIns="91425" anchor="t" anchorCtr="0">
+            <a:noAutofit/>
+          </a:bodyPr>
+          <a:lstStyle/>
+          <a:p>
+            <a:pPr marL="0" lvl="0" indent="0" algn="l" rtl="0">
+              <a:spcBef>
+                <a:spcPts val="0"/>
+              </a:spcBef>
+              <a:spcAft>
+                <a:spcPts val="0"/>
+              </a:spcAft>
+              <a:buNone/>
+            </a:pPr>
+            <a:endParaRPr/>
+          </a:p>
+        </p:txBody>
+      </p:sp>
+    </p:spTree>
+    <p:extLst>
+      <p:ext uri="{BB962C8B-B14F-4D97-AF65-F5344CB8AC3E}">
+        <p14:creationId xmlns:p14="http://schemas.microsoft.com/office/powerpoint/2010/main" val="1184497044"/>
+      </p:ext>
+    </p:extLst>
+  </p:cSld>
+  <p:clrMapOvr>
+    <a:masterClrMapping/>
+  </p:clrMapOvr>
+</p:notes>
+</file>
+
 <file path=ppt/notesSlides/notesSlide2.xml><?xml version="1.0" encoding="utf-8"?>
 <p:notes xmlns:a="http://schemas.openxmlformats.org/drawingml/2006/main" xmlns:r="http://schemas.openxmlformats.org/officeDocument/2006/relationships" xmlns:p="http://schemas.openxmlformats.org/presentationml/2006/main" showMasterSp="0" showMasterPhAnim="0">
   <p:cSld>
@@ -1476,6 +2027,115 @@
         </p:txBody>
       </p:sp>
     </p:spTree>
+  </p:cSld>
+  <p:clrMapOvr>
+    <a:masterClrMapping/>
+  </p:clrMapOvr>
+</p:notes>
+</file>
+
+<file path=ppt/notesSlides/notesSlide20.xml><?xml version="1.0" encoding="utf-8"?>
+<p:notes xmlns:a="http://schemas.openxmlformats.org/drawingml/2006/main" xmlns:r="http://schemas.openxmlformats.org/officeDocument/2006/relationships" xmlns:p="http://schemas.openxmlformats.org/presentationml/2006/main" showMasterSp="0" showMasterPhAnim="0">
+  <p:cSld>
+    <p:spTree>
+      <p:nvGrpSpPr>
+        <p:cNvPr id="1" name="Shape 136"/>
+        <p:cNvGrpSpPr/>
+        <p:nvPr/>
+      </p:nvGrpSpPr>
+      <p:grpSpPr>
+        <a:xfrm>
+          <a:off x="0" y="0"/>
+          <a:ext cx="0" cy="0"/>
+          <a:chOff x="0" y="0"/>
+          <a:chExt cx="0" cy="0"/>
+        </a:xfrm>
+      </p:grpSpPr>
+      <p:sp>
+        <p:nvSpPr>
+          <p:cNvPr id="137" name="Google Shape;137;g120e7518a27_1_0:notes"/>
+          <p:cNvSpPr>
+            <a:spLocks noGrp="1" noRot="1" noChangeAspect="1"/>
+          </p:cNvSpPr>
+          <p:nvPr>
+            <p:ph type="sldImg" idx="2"/>
+          </p:nvPr>
+        </p:nvSpPr>
+        <p:spPr>
+          <a:xfrm>
+            <a:off x="381000" y="685800"/>
+            <a:ext cx="6096000" cy="3429000"/>
+          </a:xfrm>
+          <a:custGeom>
+            <a:avLst/>
+            <a:gdLst/>
+            <a:ahLst/>
+            <a:cxnLst/>
+            <a:rect l="l" t="t" r="r" b="b"/>
+            <a:pathLst>
+              <a:path w="120000" h="120000" extrusionOk="0">
+                <a:moveTo>
+                  <a:pt x="0" y="0"/>
+                </a:moveTo>
+                <a:lnTo>
+                  <a:pt x="120000" y="0"/>
+                </a:lnTo>
+                <a:lnTo>
+                  <a:pt x="120000" y="120000"/>
+                </a:lnTo>
+                <a:lnTo>
+                  <a:pt x="0" y="120000"/>
+                </a:lnTo>
+                <a:close/>
+              </a:path>
+            </a:pathLst>
+          </a:custGeom>
+        </p:spPr>
+      </p:sp>
+      <p:sp>
+        <p:nvSpPr>
+          <p:cNvPr id="138" name="Google Shape;138;g120e7518a27_1_0:notes"/>
+          <p:cNvSpPr txBox="1">
+            <a:spLocks noGrp="1"/>
+          </p:cNvSpPr>
+          <p:nvPr>
+            <p:ph type="body" idx="1"/>
+          </p:nvPr>
+        </p:nvSpPr>
+        <p:spPr>
+          <a:xfrm>
+            <a:off x="685800" y="4343400"/>
+            <a:ext cx="5486400" cy="4114800"/>
+          </a:xfrm>
+          <a:prstGeom prst="rect">
+            <a:avLst/>
+          </a:prstGeom>
+        </p:spPr>
+        <p:txBody>
+          <a:bodyPr spcFirstLastPara="1" wrap="square" lIns="91425" tIns="91425" rIns="91425" bIns="91425" anchor="t" anchorCtr="0">
+            <a:noAutofit/>
+          </a:bodyPr>
+          <a:lstStyle/>
+          <a:p>
+            <a:pPr marL="0" lvl="0" indent="0" algn="l" rtl="0">
+              <a:spcBef>
+                <a:spcPts val="0"/>
+              </a:spcBef>
+              <a:spcAft>
+                <a:spcPts val="0"/>
+              </a:spcAft>
+              <a:buNone/>
+            </a:pPr>
+            <a:endParaRPr/>
+          </a:p>
+        </p:txBody>
+      </p:sp>
+    </p:spTree>
+    <p:extLst>
+      <p:ext uri="{BB962C8B-B14F-4D97-AF65-F5344CB8AC3E}">
+        <p14:creationId xmlns:p14="http://schemas.microsoft.com/office/powerpoint/2010/main" val="327001506"/>
+      </p:ext>
+    </p:extLst>
   </p:cSld>
   <p:clrMapOvr>
     <a:masterClrMapping/>
@@ -17251,6 +17911,4423 @@
 </p:sld>
 </file>
 
+<file path=ppt/slides/slide15.xml><?xml version="1.0" encoding="utf-8"?>
+<p:sld xmlns:a="http://schemas.openxmlformats.org/drawingml/2006/main" xmlns:r="http://schemas.openxmlformats.org/officeDocument/2006/relationships" xmlns:p="http://schemas.openxmlformats.org/presentationml/2006/main">
+  <p:cSld>
+    <p:spTree>
+      <p:nvGrpSpPr>
+        <p:cNvPr id="1" name="Shape 133"/>
+        <p:cNvGrpSpPr/>
+        <p:nvPr/>
+      </p:nvGrpSpPr>
+      <p:grpSpPr>
+        <a:xfrm>
+          <a:off x="0" y="0"/>
+          <a:ext cx="0" cy="0"/>
+          <a:chOff x="0" y="0"/>
+          <a:chExt cx="0" cy="0"/>
+        </a:xfrm>
+      </p:grpSpPr>
+      <p:sp>
+        <p:nvSpPr>
+          <p:cNvPr id="134" name="Google Shape;134;p13"/>
+          <p:cNvSpPr txBox="1">
+            <a:spLocks noGrp="1"/>
+          </p:cNvSpPr>
+          <p:nvPr>
+            <p:ph type="ctrTitle"/>
+          </p:nvPr>
+        </p:nvSpPr>
+        <p:spPr>
+          <a:xfrm>
+            <a:off x="3202152" y="976701"/>
+            <a:ext cx="5941848" cy="1821792"/>
+          </a:xfrm>
+          <a:prstGeom prst="rect">
+            <a:avLst/>
+          </a:prstGeom>
+        </p:spPr>
+        <p:txBody>
+          <a:bodyPr spcFirstLastPara="1" wrap="square" lIns="91425" tIns="91425" rIns="91425" bIns="91425" anchor="t" anchorCtr="0">
+            <a:normAutofit fontScale="90000"/>
+          </a:bodyPr>
+          <a:lstStyle/>
+          <a:p>
+            <a:pPr marL="0" lvl="0" indent="0" algn="l" rtl="0">
+              <a:spcBef>
+                <a:spcPts val="0"/>
+              </a:spcBef>
+              <a:spcAft>
+                <a:spcPts val="0"/>
+              </a:spcAft>
+              <a:buNone/>
+            </a:pPr>
+            <a:r>
+              <a:rPr lang="en-US" sz="2000" dirty="0"/>
+              <a:t>Cypress Tutorial S03: </a:t>
+            </a:r>
+            <a:br>
+              <a:rPr lang="en-US" sz="2400" dirty="0"/>
+            </a:br>
+            <a:br>
+              <a:rPr lang="en-US" sz="3400" dirty="0"/>
+            </a:br>
+            <a:r>
+              <a:rPr lang="en-US" sz="3400" dirty="0"/>
+              <a:t>Mouse &amp; Keyboard Actions</a:t>
+            </a:r>
+            <a:endParaRPr sz="3400" dirty="0"/>
+          </a:p>
+        </p:txBody>
+      </p:sp>
+    </p:spTree>
+    <p:extLst>
+      <p:ext uri="{BB962C8B-B14F-4D97-AF65-F5344CB8AC3E}">
+        <p14:creationId xmlns:p14="http://schemas.microsoft.com/office/powerpoint/2010/main" val="2080677227"/>
+      </p:ext>
+    </p:extLst>
+  </p:cSld>
+  <p:clrMapOvr>
+    <a:masterClrMapping/>
+  </p:clrMapOvr>
+</p:sld>
+</file>
+
+<file path=ppt/slides/slide16.xml><?xml version="1.0" encoding="utf-8"?>
+<p:sld xmlns:a="http://schemas.openxmlformats.org/drawingml/2006/main" xmlns:r="http://schemas.openxmlformats.org/officeDocument/2006/relationships" xmlns:p="http://schemas.openxmlformats.org/presentationml/2006/main">
+  <p:cSld>
+    <p:spTree>
+      <p:nvGrpSpPr>
+        <p:cNvPr id="1" name="Shape 139"/>
+        <p:cNvGrpSpPr/>
+        <p:nvPr/>
+      </p:nvGrpSpPr>
+      <p:grpSpPr>
+        <a:xfrm>
+          <a:off x="0" y="0"/>
+          <a:ext cx="0" cy="0"/>
+          <a:chOff x="0" y="0"/>
+          <a:chExt cx="0" cy="0"/>
+        </a:xfrm>
+      </p:grpSpPr>
+      <p:sp>
+        <p:nvSpPr>
+          <p:cNvPr id="140" name="Google Shape;140;p14"/>
+          <p:cNvSpPr txBox="1">
+            <a:spLocks noGrp="1"/>
+          </p:cNvSpPr>
+          <p:nvPr>
+            <p:ph type="title"/>
+          </p:nvPr>
+        </p:nvSpPr>
+        <p:spPr>
+          <a:xfrm>
+            <a:off x="1153702" y="568961"/>
+            <a:ext cx="7038900" cy="914100"/>
+          </a:xfrm>
+          <a:prstGeom prst="rect">
+            <a:avLst/>
+          </a:prstGeom>
+        </p:spPr>
+        <p:txBody>
+          <a:bodyPr spcFirstLastPara="1" wrap="square" lIns="91425" tIns="91425" rIns="91425" bIns="91425" anchor="t" anchorCtr="0">
+            <a:normAutofit/>
+          </a:bodyPr>
+          <a:lstStyle/>
+          <a:p>
+            <a:pPr marL="0" lvl="0" indent="0" algn="l" rtl="0">
+              <a:spcBef>
+                <a:spcPts val="0"/>
+              </a:spcBef>
+              <a:spcAft>
+                <a:spcPts val="0"/>
+              </a:spcAft>
+              <a:buNone/>
+            </a:pPr>
+            <a:r>
+              <a:rPr lang="en-US" sz="3600" dirty="0">
+                <a:solidFill>
+                  <a:schemeClr val="bg1"/>
+                </a:solidFill>
+              </a:rPr>
+              <a:t>Keyboard Actions:</a:t>
+            </a:r>
+          </a:p>
+        </p:txBody>
+      </p:sp>
+      <p:sp>
+        <p:nvSpPr>
+          <p:cNvPr id="2" name="Slide Number Placeholder 1">
+            <a:extLst>
+              <a:ext uri="{FF2B5EF4-FFF2-40B4-BE49-F238E27FC236}">
+                <a16:creationId xmlns:a16="http://schemas.microsoft.com/office/drawing/2014/main" id="{E210FEB3-249A-48B7-B381-C0C9B9BD4725}"/>
+              </a:ext>
+            </a:extLst>
+          </p:cNvPr>
+          <p:cNvSpPr>
+            <a:spLocks noGrp="1"/>
+          </p:cNvSpPr>
+          <p:nvPr>
+            <p:ph type="sldNum" idx="12"/>
+          </p:nvPr>
+        </p:nvSpPr>
+        <p:spPr>
+          <a:xfrm>
+            <a:off x="8571849" y="4527382"/>
+            <a:ext cx="548700" cy="393600"/>
+          </a:xfrm>
+        </p:spPr>
+        <p:txBody>
+          <a:bodyPr/>
+          <a:lstStyle/>
+          <a:p>
+            <a:pPr marL="0" lvl="0" indent="0" algn="r" rtl="0">
+              <a:spcBef>
+                <a:spcPts val="0"/>
+              </a:spcBef>
+              <a:spcAft>
+                <a:spcPts val="0"/>
+              </a:spcAft>
+              <a:buNone/>
+            </a:pPr>
+            <a:fld id="{00000000-1234-1234-1234-123412341234}" type="slidenum">
+              <a:rPr lang="en" smtClean="0"/>
+              <a:t>16</a:t>
+            </a:fld>
+            <a:endParaRPr lang="en"/>
+          </a:p>
+        </p:txBody>
+      </p:sp>
+      <p:sp>
+        <p:nvSpPr>
+          <p:cNvPr id="11" name="Google Shape;141;p14">
+            <a:extLst>
+              <a:ext uri="{FF2B5EF4-FFF2-40B4-BE49-F238E27FC236}">
+                <a16:creationId xmlns:a16="http://schemas.microsoft.com/office/drawing/2014/main" id="{0E031760-E77B-4213-A6DF-274D9208E79A}"/>
+              </a:ext>
+            </a:extLst>
+          </p:cNvPr>
+          <p:cNvSpPr txBox="1">
+            <a:spLocks/>
+          </p:cNvSpPr>
+          <p:nvPr/>
+        </p:nvSpPr>
+        <p:spPr>
+          <a:xfrm>
+            <a:off x="1683442" y="2611289"/>
+            <a:ext cx="5081793" cy="2112893"/>
+          </a:xfrm>
+          <a:prstGeom prst="rect">
+            <a:avLst/>
+          </a:prstGeom>
+          <a:noFill/>
+          <a:ln>
+            <a:noFill/>
+          </a:ln>
+        </p:spPr>
+        <p:txBody>
+          <a:bodyPr spcFirstLastPara="1" wrap="square" lIns="91425" tIns="91425" rIns="91425" bIns="91425" numCol="1" anchor="t" anchorCtr="0">
+            <a:normAutofit/>
+          </a:bodyPr>
+          <a:lstStyle>
+            <a:defPPr marR="0" lvl="0" algn="l" rtl="0">
+              <a:lnSpc>
+                <a:spcPct val="100000"/>
+              </a:lnSpc>
+              <a:spcBef>
+                <a:spcPts val="0"/>
+              </a:spcBef>
+              <a:spcAft>
+                <a:spcPts val="0"/>
+              </a:spcAft>
+            </a:defPPr>
+            <a:lvl1pPr marL="457200" marR="0" lvl="0" indent="-311150" algn="l" rtl="0">
+              <a:lnSpc>
+                <a:spcPct val="115000"/>
+              </a:lnSpc>
+              <a:spcBef>
+                <a:spcPts val="0"/>
+              </a:spcBef>
+              <a:spcAft>
+                <a:spcPts val="0"/>
+              </a:spcAft>
+              <a:buClr>
+                <a:schemeClr val="lt1"/>
+              </a:buClr>
+              <a:buSzPts val="1300"/>
+              <a:buFont typeface="Lato"/>
+              <a:buChar char="●"/>
+              <a:defRPr sz="1300" b="0" i="0" u="none" strike="noStrike" cap="none">
+                <a:solidFill>
+                  <a:schemeClr val="lt1"/>
+                </a:solidFill>
+                <a:latin typeface="Lato"/>
+                <a:ea typeface="Lato"/>
+                <a:cs typeface="Lato"/>
+                <a:sym typeface="Lato"/>
+              </a:defRPr>
+            </a:lvl1pPr>
+            <a:lvl2pPr marL="914400" marR="0" lvl="1" indent="-298450" algn="l" rtl="0">
+              <a:lnSpc>
+                <a:spcPct val="115000"/>
+              </a:lnSpc>
+              <a:spcBef>
+                <a:spcPts val="0"/>
+              </a:spcBef>
+              <a:spcAft>
+                <a:spcPts val="0"/>
+              </a:spcAft>
+              <a:buClr>
+                <a:schemeClr val="lt1"/>
+              </a:buClr>
+              <a:buSzPts val="1100"/>
+              <a:buFont typeface="Lato"/>
+              <a:buChar char="○"/>
+              <a:defRPr sz="1100" b="0" i="0" u="none" strike="noStrike" cap="none">
+                <a:solidFill>
+                  <a:schemeClr val="lt1"/>
+                </a:solidFill>
+                <a:latin typeface="Lato"/>
+                <a:ea typeface="Lato"/>
+                <a:cs typeface="Lato"/>
+                <a:sym typeface="Lato"/>
+              </a:defRPr>
+            </a:lvl2pPr>
+            <a:lvl3pPr marL="1371600" marR="0" lvl="2" indent="-298450" algn="l" rtl="0">
+              <a:lnSpc>
+                <a:spcPct val="115000"/>
+              </a:lnSpc>
+              <a:spcBef>
+                <a:spcPts val="0"/>
+              </a:spcBef>
+              <a:spcAft>
+                <a:spcPts val="0"/>
+              </a:spcAft>
+              <a:buClr>
+                <a:schemeClr val="lt1"/>
+              </a:buClr>
+              <a:buSzPts val="1100"/>
+              <a:buFont typeface="Lato"/>
+              <a:buChar char="■"/>
+              <a:defRPr sz="1100" b="0" i="0" u="none" strike="noStrike" cap="none">
+                <a:solidFill>
+                  <a:schemeClr val="lt1"/>
+                </a:solidFill>
+                <a:latin typeface="Lato"/>
+                <a:ea typeface="Lato"/>
+                <a:cs typeface="Lato"/>
+                <a:sym typeface="Lato"/>
+              </a:defRPr>
+            </a:lvl3pPr>
+            <a:lvl4pPr marL="1828800" marR="0" lvl="3" indent="-298450" algn="l" rtl="0">
+              <a:lnSpc>
+                <a:spcPct val="115000"/>
+              </a:lnSpc>
+              <a:spcBef>
+                <a:spcPts val="0"/>
+              </a:spcBef>
+              <a:spcAft>
+                <a:spcPts val="0"/>
+              </a:spcAft>
+              <a:buClr>
+                <a:schemeClr val="lt1"/>
+              </a:buClr>
+              <a:buSzPts val="1100"/>
+              <a:buFont typeface="Lato"/>
+              <a:buChar char="●"/>
+              <a:defRPr sz="1100" b="0" i="0" u="none" strike="noStrike" cap="none">
+                <a:solidFill>
+                  <a:schemeClr val="lt1"/>
+                </a:solidFill>
+                <a:latin typeface="Lato"/>
+                <a:ea typeface="Lato"/>
+                <a:cs typeface="Lato"/>
+                <a:sym typeface="Lato"/>
+              </a:defRPr>
+            </a:lvl4pPr>
+            <a:lvl5pPr marL="2286000" marR="0" lvl="4" indent="-298450" algn="l" rtl="0">
+              <a:lnSpc>
+                <a:spcPct val="115000"/>
+              </a:lnSpc>
+              <a:spcBef>
+                <a:spcPts val="0"/>
+              </a:spcBef>
+              <a:spcAft>
+                <a:spcPts val="0"/>
+              </a:spcAft>
+              <a:buClr>
+                <a:schemeClr val="lt1"/>
+              </a:buClr>
+              <a:buSzPts val="1100"/>
+              <a:buFont typeface="Lato"/>
+              <a:buChar char="○"/>
+              <a:defRPr sz="1100" b="0" i="0" u="none" strike="noStrike" cap="none">
+                <a:solidFill>
+                  <a:schemeClr val="lt1"/>
+                </a:solidFill>
+                <a:latin typeface="Lato"/>
+                <a:ea typeface="Lato"/>
+                <a:cs typeface="Lato"/>
+                <a:sym typeface="Lato"/>
+              </a:defRPr>
+            </a:lvl5pPr>
+            <a:lvl6pPr marL="2743200" marR="0" lvl="5" indent="-298450" algn="l" rtl="0">
+              <a:lnSpc>
+                <a:spcPct val="115000"/>
+              </a:lnSpc>
+              <a:spcBef>
+                <a:spcPts val="0"/>
+              </a:spcBef>
+              <a:spcAft>
+                <a:spcPts val="0"/>
+              </a:spcAft>
+              <a:buClr>
+                <a:schemeClr val="lt1"/>
+              </a:buClr>
+              <a:buSzPts val="1100"/>
+              <a:buFont typeface="Lato"/>
+              <a:buChar char="■"/>
+              <a:defRPr sz="1100" b="0" i="0" u="none" strike="noStrike" cap="none">
+                <a:solidFill>
+                  <a:schemeClr val="lt1"/>
+                </a:solidFill>
+                <a:latin typeface="Lato"/>
+                <a:ea typeface="Lato"/>
+                <a:cs typeface="Lato"/>
+                <a:sym typeface="Lato"/>
+              </a:defRPr>
+            </a:lvl6pPr>
+            <a:lvl7pPr marL="3200400" marR="0" lvl="6" indent="-298450" algn="l" rtl="0">
+              <a:lnSpc>
+                <a:spcPct val="115000"/>
+              </a:lnSpc>
+              <a:spcBef>
+                <a:spcPts val="0"/>
+              </a:spcBef>
+              <a:spcAft>
+                <a:spcPts val="0"/>
+              </a:spcAft>
+              <a:buClr>
+                <a:schemeClr val="lt1"/>
+              </a:buClr>
+              <a:buSzPts val="1100"/>
+              <a:buFont typeface="Lato"/>
+              <a:buChar char="●"/>
+              <a:defRPr sz="1100" b="0" i="0" u="none" strike="noStrike" cap="none">
+                <a:solidFill>
+                  <a:schemeClr val="lt1"/>
+                </a:solidFill>
+                <a:latin typeface="Lato"/>
+                <a:ea typeface="Lato"/>
+                <a:cs typeface="Lato"/>
+                <a:sym typeface="Lato"/>
+              </a:defRPr>
+            </a:lvl7pPr>
+            <a:lvl8pPr marL="3657600" marR="0" lvl="7" indent="-298450" algn="l" rtl="0">
+              <a:lnSpc>
+                <a:spcPct val="115000"/>
+              </a:lnSpc>
+              <a:spcBef>
+                <a:spcPts val="0"/>
+              </a:spcBef>
+              <a:spcAft>
+                <a:spcPts val="0"/>
+              </a:spcAft>
+              <a:buClr>
+                <a:schemeClr val="lt1"/>
+              </a:buClr>
+              <a:buSzPts val="1100"/>
+              <a:buFont typeface="Lato"/>
+              <a:buChar char="○"/>
+              <a:defRPr sz="1100" b="0" i="0" u="none" strike="noStrike" cap="none">
+                <a:solidFill>
+                  <a:schemeClr val="lt1"/>
+                </a:solidFill>
+                <a:latin typeface="Lato"/>
+                <a:ea typeface="Lato"/>
+                <a:cs typeface="Lato"/>
+                <a:sym typeface="Lato"/>
+              </a:defRPr>
+            </a:lvl8pPr>
+            <a:lvl9pPr marL="4114800" marR="0" lvl="8" indent="-298450" algn="l" rtl="0">
+              <a:lnSpc>
+                <a:spcPct val="115000"/>
+              </a:lnSpc>
+              <a:spcBef>
+                <a:spcPts val="0"/>
+              </a:spcBef>
+              <a:spcAft>
+                <a:spcPts val="0"/>
+              </a:spcAft>
+              <a:buClr>
+                <a:schemeClr val="lt1"/>
+              </a:buClr>
+              <a:buSzPts val="1100"/>
+              <a:buFont typeface="Lato"/>
+              <a:buChar char="■"/>
+              <a:defRPr sz="1100" b="0" i="0" u="none" strike="noStrike" cap="none">
+                <a:solidFill>
+                  <a:schemeClr val="lt1"/>
+                </a:solidFill>
+                <a:latin typeface="Lato"/>
+                <a:ea typeface="Lato"/>
+                <a:cs typeface="Lato"/>
+                <a:sym typeface="Lato"/>
+              </a:defRPr>
+            </a:lvl9pPr>
+          </a:lstStyle>
+          <a:p>
+            <a:pPr marL="0" indent="0">
+              <a:spcAft>
+                <a:spcPts val="1200"/>
+              </a:spcAft>
+              <a:buFont typeface="Lato"/>
+              <a:buNone/>
+            </a:pPr>
+            <a:r>
+              <a:rPr lang="en-US" sz="2800" dirty="0" err="1"/>
+              <a:t>cy.</a:t>
+            </a:r>
+            <a:r>
+              <a:rPr lang="en-US" sz="2800" dirty="0" err="1">
+                <a:solidFill>
+                  <a:schemeClr val="tx2">
+                    <a:lumMod val="75000"/>
+                  </a:schemeClr>
+                </a:solidFill>
+              </a:rPr>
+              <a:t>get</a:t>
+            </a:r>
+            <a:r>
+              <a:rPr lang="en-US" sz="2800" dirty="0"/>
+              <a:t>(</a:t>
+            </a:r>
+            <a:r>
+              <a:rPr lang="en-US" sz="2800" dirty="0">
+                <a:solidFill>
+                  <a:schemeClr val="accent1">
+                    <a:lumMod val="40000"/>
+                    <a:lumOff val="60000"/>
+                  </a:schemeClr>
+                </a:solidFill>
+              </a:rPr>
+              <a:t>selector</a:t>
+            </a:r>
+            <a:r>
+              <a:rPr lang="en-US" sz="2800" dirty="0"/>
+              <a:t>).</a:t>
+            </a:r>
+            <a:r>
+              <a:rPr lang="en-US" sz="2800" dirty="0">
+                <a:solidFill>
+                  <a:srgbClr val="FFFF00"/>
+                </a:solidFill>
+              </a:rPr>
+              <a:t>type(“</a:t>
+            </a:r>
+            <a:r>
+              <a:rPr lang="en-US" sz="2800" dirty="0">
+                <a:solidFill>
+                  <a:schemeClr val="accent1">
+                    <a:lumMod val="40000"/>
+                    <a:lumOff val="60000"/>
+                  </a:schemeClr>
+                </a:solidFill>
+              </a:rPr>
+              <a:t>TEXT</a:t>
+            </a:r>
+            <a:r>
+              <a:rPr lang="en-US" sz="2800" dirty="0">
+                <a:solidFill>
+                  <a:srgbClr val="FFFF00"/>
+                </a:solidFill>
+              </a:rPr>
+              <a:t>”)</a:t>
+            </a:r>
+          </a:p>
+        </p:txBody>
+      </p:sp>
+      <p:sp>
+        <p:nvSpPr>
+          <p:cNvPr id="14" name="Google Shape;141;p14">
+            <a:extLst>
+              <a:ext uri="{FF2B5EF4-FFF2-40B4-BE49-F238E27FC236}">
+                <a16:creationId xmlns:a16="http://schemas.microsoft.com/office/drawing/2014/main" id="{E4A9282C-A9C1-40B4-82A6-92C2A75FA29E}"/>
+              </a:ext>
+            </a:extLst>
+          </p:cNvPr>
+          <p:cNvSpPr txBox="1">
+            <a:spLocks/>
+          </p:cNvSpPr>
+          <p:nvPr/>
+        </p:nvSpPr>
+        <p:spPr>
+          <a:xfrm>
+            <a:off x="521151" y="1629753"/>
+            <a:ext cx="8503953" cy="945931"/>
+          </a:xfrm>
+          <a:prstGeom prst="rect">
+            <a:avLst/>
+          </a:prstGeom>
+          <a:noFill/>
+          <a:ln>
+            <a:noFill/>
+          </a:ln>
+        </p:spPr>
+        <p:txBody>
+          <a:bodyPr spcFirstLastPara="1" wrap="square" lIns="91425" tIns="91425" rIns="91425" bIns="91425" numCol="1" anchor="t" anchorCtr="0">
+            <a:normAutofit/>
+          </a:bodyPr>
+          <a:lstStyle>
+            <a:defPPr marR="0" lvl="0" algn="l" rtl="0">
+              <a:lnSpc>
+                <a:spcPct val="100000"/>
+              </a:lnSpc>
+              <a:spcBef>
+                <a:spcPts val="0"/>
+              </a:spcBef>
+              <a:spcAft>
+                <a:spcPts val="0"/>
+              </a:spcAft>
+            </a:defPPr>
+            <a:lvl1pPr marL="457200" marR="0" lvl="0" indent="-311150" algn="l" rtl="0">
+              <a:lnSpc>
+                <a:spcPct val="115000"/>
+              </a:lnSpc>
+              <a:spcBef>
+                <a:spcPts val="0"/>
+              </a:spcBef>
+              <a:spcAft>
+                <a:spcPts val="0"/>
+              </a:spcAft>
+              <a:buClr>
+                <a:schemeClr val="lt1"/>
+              </a:buClr>
+              <a:buSzPts val="1300"/>
+              <a:buFont typeface="Lato"/>
+              <a:buChar char="●"/>
+              <a:defRPr sz="1300" b="0" i="0" u="none" strike="noStrike" cap="none">
+                <a:solidFill>
+                  <a:schemeClr val="lt1"/>
+                </a:solidFill>
+                <a:latin typeface="Lato"/>
+                <a:ea typeface="Lato"/>
+                <a:cs typeface="Lato"/>
+                <a:sym typeface="Lato"/>
+              </a:defRPr>
+            </a:lvl1pPr>
+            <a:lvl2pPr marL="914400" marR="0" lvl="1" indent="-298450" algn="l" rtl="0">
+              <a:lnSpc>
+                <a:spcPct val="115000"/>
+              </a:lnSpc>
+              <a:spcBef>
+                <a:spcPts val="0"/>
+              </a:spcBef>
+              <a:spcAft>
+                <a:spcPts val="0"/>
+              </a:spcAft>
+              <a:buClr>
+                <a:schemeClr val="lt1"/>
+              </a:buClr>
+              <a:buSzPts val="1100"/>
+              <a:buFont typeface="Lato"/>
+              <a:buChar char="○"/>
+              <a:defRPr sz="1100" b="0" i="0" u="none" strike="noStrike" cap="none">
+                <a:solidFill>
+                  <a:schemeClr val="lt1"/>
+                </a:solidFill>
+                <a:latin typeface="Lato"/>
+                <a:ea typeface="Lato"/>
+                <a:cs typeface="Lato"/>
+                <a:sym typeface="Lato"/>
+              </a:defRPr>
+            </a:lvl2pPr>
+            <a:lvl3pPr marL="1371600" marR="0" lvl="2" indent="-298450" algn="l" rtl="0">
+              <a:lnSpc>
+                <a:spcPct val="115000"/>
+              </a:lnSpc>
+              <a:spcBef>
+                <a:spcPts val="0"/>
+              </a:spcBef>
+              <a:spcAft>
+                <a:spcPts val="0"/>
+              </a:spcAft>
+              <a:buClr>
+                <a:schemeClr val="lt1"/>
+              </a:buClr>
+              <a:buSzPts val="1100"/>
+              <a:buFont typeface="Lato"/>
+              <a:buChar char="■"/>
+              <a:defRPr sz="1100" b="0" i="0" u="none" strike="noStrike" cap="none">
+                <a:solidFill>
+                  <a:schemeClr val="lt1"/>
+                </a:solidFill>
+                <a:latin typeface="Lato"/>
+                <a:ea typeface="Lato"/>
+                <a:cs typeface="Lato"/>
+                <a:sym typeface="Lato"/>
+              </a:defRPr>
+            </a:lvl3pPr>
+            <a:lvl4pPr marL="1828800" marR="0" lvl="3" indent="-298450" algn="l" rtl="0">
+              <a:lnSpc>
+                <a:spcPct val="115000"/>
+              </a:lnSpc>
+              <a:spcBef>
+                <a:spcPts val="0"/>
+              </a:spcBef>
+              <a:spcAft>
+                <a:spcPts val="0"/>
+              </a:spcAft>
+              <a:buClr>
+                <a:schemeClr val="lt1"/>
+              </a:buClr>
+              <a:buSzPts val="1100"/>
+              <a:buFont typeface="Lato"/>
+              <a:buChar char="●"/>
+              <a:defRPr sz="1100" b="0" i="0" u="none" strike="noStrike" cap="none">
+                <a:solidFill>
+                  <a:schemeClr val="lt1"/>
+                </a:solidFill>
+                <a:latin typeface="Lato"/>
+                <a:ea typeface="Lato"/>
+                <a:cs typeface="Lato"/>
+                <a:sym typeface="Lato"/>
+              </a:defRPr>
+            </a:lvl4pPr>
+            <a:lvl5pPr marL="2286000" marR="0" lvl="4" indent="-298450" algn="l" rtl="0">
+              <a:lnSpc>
+                <a:spcPct val="115000"/>
+              </a:lnSpc>
+              <a:spcBef>
+                <a:spcPts val="0"/>
+              </a:spcBef>
+              <a:spcAft>
+                <a:spcPts val="0"/>
+              </a:spcAft>
+              <a:buClr>
+                <a:schemeClr val="lt1"/>
+              </a:buClr>
+              <a:buSzPts val="1100"/>
+              <a:buFont typeface="Lato"/>
+              <a:buChar char="○"/>
+              <a:defRPr sz="1100" b="0" i="0" u="none" strike="noStrike" cap="none">
+                <a:solidFill>
+                  <a:schemeClr val="lt1"/>
+                </a:solidFill>
+                <a:latin typeface="Lato"/>
+                <a:ea typeface="Lato"/>
+                <a:cs typeface="Lato"/>
+                <a:sym typeface="Lato"/>
+              </a:defRPr>
+            </a:lvl5pPr>
+            <a:lvl6pPr marL="2743200" marR="0" lvl="5" indent="-298450" algn="l" rtl="0">
+              <a:lnSpc>
+                <a:spcPct val="115000"/>
+              </a:lnSpc>
+              <a:spcBef>
+                <a:spcPts val="0"/>
+              </a:spcBef>
+              <a:spcAft>
+                <a:spcPts val="0"/>
+              </a:spcAft>
+              <a:buClr>
+                <a:schemeClr val="lt1"/>
+              </a:buClr>
+              <a:buSzPts val="1100"/>
+              <a:buFont typeface="Lato"/>
+              <a:buChar char="■"/>
+              <a:defRPr sz="1100" b="0" i="0" u="none" strike="noStrike" cap="none">
+                <a:solidFill>
+                  <a:schemeClr val="lt1"/>
+                </a:solidFill>
+                <a:latin typeface="Lato"/>
+                <a:ea typeface="Lato"/>
+                <a:cs typeface="Lato"/>
+                <a:sym typeface="Lato"/>
+              </a:defRPr>
+            </a:lvl6pPr>
+            <a:lvl7pPr marL="3200400" marR="0" lvl="6" indent="-298450" algn="l" rtl="0">
+              <a:lnSpc>
+                <a:spcPct val="115000"/>
+              </a:lnSpc>
+              <a:spcBef>
+                <a:spcPts val="0"/>
+              </a:spcBef>
+              <a:spcAft>
+                <a:spcPts val="0"/>
+              </a:spcAft>
+              <a:buClr>
+                <a:schemeClr val="lt1"/>
+              </a:buClr>
+              <a:buSzPts val="1100"/>
+              <a:buFont typeface="Lato"/>
+              <a:buChar char="●"/>
+              <a:defRPr sz="1100" b="0" i="0" u="none" strike="noStrike" cap="none">
+                <a:solidFill>
+                  <a:schemeClr val="lt1"/>
+                </a:solidFill>
+                <a:latin typeface="Lato"/>
+                <a:ea typeface="Lato"/>
+                <a:cs typeface="Lato"/>
+                <a:sym typeface="Lato"/>
+              </a:defRPr>
+            </a:lvl7pPr>
+            <a:lvl8pPr marL="3657600" marR="0" lvl="7" indent="-298450" algn="l" rtl="0">
+              <a:lnSpc>
+                <a:spcPct val="115000"/>
+              </a:lnSpc>
+              <a:spcBef>
+                <a:spcPts val="0"/>
+              </a:spcBef>
+              <a:spcAft>
+                <a:spcPts val="0"/>
+              </a:spcAft>
+              <a:buClr>
+                <a:schemeClr val="lt1"/>
+              </a:buClr>
+              <a:buSzPts val="1100"/>
+              <a:buFont typeface="Lato"/>
+              <a:buChar char="○"/>
+              <a:defRPr sz="1100" b="0" i="0" u="none" strike="noStrike" cap="none">
+                <a:solidFill>
+                  <a:schemeClr val="lt1"/>
+                </a:solidFill>
+                <a:latin typeface="Lato"/>
+                <a:ea typeface="Lato"/>
+                <a:cs typeface="Lato"/>
+                <a:sym typeface="Lato"/>
+              </a:defRPr>
+            </a:lvl8pPr>
+            <a:lvl9pPr marL="4114800" marR="0" lvl="8" indent="-298450" algn="l" rtl="0">
+              <a:lnSpc>
+                <a:spcPct val="115000"/>
+              </a:lnSpc>
+              <a:spcBef>
+                <a:spcPts val="0"/>
+              </a:spcBef>
+              <a:spcAft>
+                <a:spcPts val="0"/>
+              </a:spcAft>
+              <a:buClr>
+                <a:schemeClr val="lt1"/>
+              </a:buClr>
+              <a:buSzPts val="1100"/>
+              <a:buFont typeface="Lato"/>
+              <a:buChar char="■"/>
+              <a:defRPr sz="1100" b="0" i="0" u="none" strike="noStrike" cap="none">
+                <a:solidFill>
+                  <a:schemeClr val="lt1"/>
+                </a:solidFill>
+                <a:latin typeface="Lato"/>
+                <a:ea typeface="Lato"/>
+                <a:cs typeface="Lato"/>
+                <a:sym typeface="Lato"/>
+              </a:defRPr>
+            </a:lvl9pPr>
+          </a:lstStyle>
+          <a:p>
+            <a:pPr marL="0" indent="0">
+              <a:spcAft>
+                <a:spcPts val="1200"/>
+              </a:spcAft>
+              <a:buFont typeface="Lato"/>
+              <a:buNone/>
+            </a:pPr>
+            <a:r>
+              <a:rPr lang="en-US" sz="2400" b="1" dirty="0">
+                <a:solidFill>
+                  <a:schemeClr val="bg1"/>
+                </a:solidFill>
+              </a:rPr>
+              <a:t>Basic Syntax:</a:t>
+            </a:r>
+          </a:p>
+          <a:p>
+            <a:pPr marL="0" indent="0">
+              <a:spcAft>
+                <a:spcPts val="1200"/>
+              </a:spcAft>
+              <a:buFont typeface="Lato"/>
+              <a:buNone/>
+            </a:pPr>
+            <a:endParaRPr lang="en-US" sz="2400" dirty="0"/>
+          </a:p>
+        </p:txBody>
+      </p:sp>
+    </p:spTree>
+    <p:extLst>
+      <p:ext uri="{BB962C8B-B14F-4D97-AF65-F5344CB8AC3E}">
+        <p14:creationId xmlns:p14="http://schemas.microsoft.com/office/powerpoint/2010/main" val="2264462668"/>
+      </p:ext>
+    </p:extLst>
+  </p:cSld>
+  <p:clrMapOvr>
+    <a:masterClrMapping/>
+  </p:clrMapOvr>
+</p:sld>
+</file>
+
+<file path=ppt/slides/slide17.xml><?xml version="1.0" encoding="utf-8"?>
+<p:sld xmlns:a="http://schemas.openxmlformats.org/drawingml/2006/main" xmlns:r="http://schemas.openxmlformats.org/officeDocument/2006/relationships" xmlns:p="http://schemas.openxmlformats.org/presentationml/2006/main">
+  <p:cSld>
+    <p:spTree>
+      <p:nvGrpSpPr>
+        <p:cNvPr id="1" name="Shape 139"/>
+        <p:cNvGrpSpPr/>
+        <p:nvPr/>
+      </p:nvGrpSpPr>
+      <p:grpSpPr>
+        <a:xfrm>
+          <a:off x="0" y="0"/>
+          <a:ext cx="0" cy="0"/>
+          <a:chOff x="0" y="0"/>
+          <a:chExt cx="0" cy="0"/>
+        </a:xfrm>
+      </p:grpSpPr>
+      <p:sp>
+        <p:nvSpPr>
+          <p:cNvPr id="140" name="Google Shape;140;p14"/>
+          <p:cNvSpPr txBox="1">
+            <a:spLocks noGrp="1"/>
+          </p:cNvSpPr>
+          <p:nvPr>
+            <p:ph type="title"/>
+          </p:nvPr>
+        </p:nvSpPr>
+        <p:spPr>
+          <a:xfrm>
+            <a:off x="1153702" y="568961"/>
+            <a:ext cx="7038900" cy="914100"/>
+          </a:xfrm>
+          <a:prstGeom prst="rect">
+            <a:avLst/>
+          </a:prstGeom>
+        </p:spPr>
+        <p:txBody>
+          <a:bodyPr spcFirstLastPara="1" wrap="square" lIns="91425" tIns="91425" rIns="91425" bIns="91425" anchor="t" anchorCtr="0">
+            <a:normAutofit/>
+          </a:bodyPr>
+          <a:lstStyle/>
+          <a:p>
+            <a:pPr marL="0" lvl="0" indent="0" algn="l" rtl="0">
+              <a:spcBef>
+                <a:spcPts val="0"/>
+              </a:spcBef>
+              <a:spcAft>
+                <a:spcPts val="0"/>
+              </a:spcAft>
+              <a:buNone/>
+            </a:pPr>
+            <a:r>
+              <a:rPr lang="en-US" sz="3600" dirty="0">
+                <a:solidFill>
+                  <a:schemeClr val="bg1"/>
+                </a:solidFill>
+              </a:rPr>
+              <a:t>Keyboard Actions:</a:t>
+            </a:r>
+          </a:p>
+        </p:txBody>
+      </p:sp>
+      <p:sp>
+        <p:nvSpPr>
+          <p:cNvPr id="2" name="Slide Number Placeholder 1">
+            <a:extLst>
+              <a:ext uri="{FF2B5EF4-FFF2-40B4-BE49-F238E27FC236}">
+                <a16:creationId xmlns:a16="http://schemas.microsoft.com/office/drawing/2014/main" id="{E210FEB3-249A-48B7-B381-C0C9B9BD4725}"/>
+              </a:ext>
+            </a:extLst>
+          </p:cNvPr>
+          <p:cNvSpPr>
+            <a:spLocks noGrp="1"/>
+          </p:cNvSpPr>
+          <p:nvPr>
+            <p:ph type="sldNum" idx="12"/>
+          </p:nvPr>
+        </p:nvSpPr>
+        <p:spPr>
+          <a:xfrm>
+            <a:off x="8571849" y="4527382"/>
+            <a:ext cx="548700" cy="393600"/>
+          </a:xfrm>
+        </p:spPr>
+        <p:txBody>
+          <a:bodyPr/>
+          <a:lstStyle/>
+          <a:p>
+            <a:pPr marL="0" lvl="0" indent="0" algn="r" rtl="0">
+              <a:spcBef>
+                <a:spcPts val="0"/>
+              </a:spcBef>
+              <a:spcAft>
+                <a:spcPts val="0"/>
+              </a:spcAft>
+              <a:buNone/>
+            </a:pPr>
+            <a:fld id="{00000000-1234-1234-1234-123412341234}" type="slidenum">
+              <a:rPr lang="en" smtClean="0"/>
+              <a:t>17</a:t>
+            </a:fld>
+            <a:endParaRPr lang="en"/>
+          </a:p>
+        </p:txBody>
+      </p:sp>
+      <p:sp>
+        <p:nvSpPr>
+          <p:cNvPr id="11" name="Google Shape;141;p14">
+            <a:extLst>
+              <a:ext uri="{FF2B5EF4-FFF2-40B4-BE49-F238E27FC236}">
+                <a16:creationId xmlns:a16="http://schemas.microsoft.com/office/drawing/2014/main" id="{0E031760-E77B-4213-A6DF-274D9208E79A}"/>
+              </a:ext>
+            </a:extLst>
+          </p:cNvPr>
+          <p:cNvSpPr txBox="1">
+            <a:spLocks/>
+          </p:cNvSpPr>
+          <p:nvPr/>
+        </p:nvSpPr>
+        <p:spPr>
+          <a:xfrm>
+            <a:off x="1229139" y="2521227"/>
+            <a:ext cx="7172739" cy="2202956"/>
+          </a:xfrm>
+          <a:prstGeom prst="rect">
+            <a:avLst/>
+          </a:prstGeom>
+          <a:noFill/>
+          <a:ln>
+            <a:noFill/>
+          </a:ln>
+        </p:spPr>
+        <p:txBody>
+          <a:bodyPr spcFirstLastPara="1" wrap="square" lIns="91425" tIns="91425" rIns="91425" bIns="91425" numCol="1" anchor="t" anchorCtr="0">
+            <a:normAutofit fontScale="85000" lnSpcReduction="20000"/>
+          </a:bodyPr>
+          <a:lstStyle>
+            <a:defPPr marR="0" lvl="0" algn="l" rtl="0">
+              <a:lnSpc>
+                <a:spcPct val="100000"/>
+              </a:lnSpc>
+              <a:spcBef>
+                <a:spcPts val="0"/>
+              </a:spcBef>
+              <a:spcAft>
+                <a:spcPts val="0"/>
+              </a:spcAft>
+            </a:defPPr>
+            <a:lvl1pPr marL="457200" marR="0" lvl="0" indent="-311150" algn="l" rtl="0">
+              <a:lnSpc>
+                <a:spcPct val="115000"/>
+              </a:lnSpc>
+              <a:spcBef>
+                <a:spcPts val="0"/>
+              </a:spcBef>
+              <a:spcAft>
+                <a:spcPts val="0"/>
+              </a:spcAft>
+              <a:buClr>
+                <a:schemeClr val="lt1"/>
+              </a:buClr>
+              <a:buSzPts val="1300"/>
+              <a:buFont typeface="Lato"/>
+              <a:buChar char="●"/>
+              <a:defRPr sz="1300" b="0" i="0" u="none" strike="noStrike" cap="none">
+                <a:solidFill>
+                  <a:schemeClr val="lt1"/>
+                </a:solidFill>
+                <a:latin typeface="Lato"/>
+                <a:ea typeface="Lato"/>
+                <a:cs typeface="Lato"/>
+                <a:sym typeface="Lato"/>
+              </a:defRPr>
+            </a:lvl1pPr>
+            <a:lvl2pPr marL="914400" marR="0" lvl="1" indent="-298450" algn="l" rtl="0">
+              <a:lnSpc>
+                <a:spcPct val="115000"/>
+              </a:lnSpc>
+              <a:spcBef>
+                <a:spcPts val="0"/>
+              </a:spcBef>
+              <a:spcAft>
+                <a:spcPts val="0"/>
+              </a:spcAft>
+              <a:buClr>
+                <a:schemeClr val="lt1"/>
+              </a:buClr>
+              <a:buSzPts val="1100"/>
+              <a:buFont typeface="Lato"/>
+              <a:buChar char="○"/>
+              <a:defRPr sz="1100" b="0" i="0" u="none" strike="noStrike" cap="none">
+                <a:solidFill>
+                  <a:schemeClr val="lt1"/>
+                </a:solidFill>
+                <a:latin typeface="Lato"/>
+                <a:ea typeface="Lato"/>
+                <a:cs typeface="Lato"/>
+                <a:sym typeface="Lato"/>
+              </a:defRPr>
+            </a:lvl2pPr>
+            <a:lvl3pPr marL="1371600" marR="0" lvl="2" indent="-298450" algn="l" rtl="0">
+              <a:lnSpc>
+                <a:spcPct val="115000"/>
+              </a:lnSpc>
+              <a:spcBef>
+                <a:spcPts val="0"/>
+              </a:spcBef>
+              <a:spcAft>
+                <a:spcPts val="0"/>
+              </a:spcAft>
+              <a:buClr>
+                <a:schemeClr val="lt1"/>
+              </a:buClr>
+              <a:buSzPts val="1100"/>
+              <a:buFont typeface="Lato"/>
+              <a:buChar char="■"/>
+              <a:defRPr sz="1100" b="0" i="0" u="none" strike="noStrike" cap="none">
+                <a:solidFill>
+                  <a:schemeClr val="lt1"/>
+                </a:solidFill>
+                <a:latin typeface="Lato"/>
+                <a:ea typeface="Lato"/>
+                <a:cs typeface="Lato"/>
+                <a:sym typeface="Lato"/>
+              </a:defRPr>
+            </a:lvl3pPr>
+            <a:lvl4pPr marL="1828800" marR="0" lvl="3" indent="-298450" algn="l" rtl="0">
+              <a:lnSpc>
+                <a:spcPct val="115000"/>
+              </a:lnSpc>
+              <a:spcBef>
+                <a:spcPts val="0"/>
+              </a:spcBef>
+              <a:spcAft>
+                <a:spcPts val="0"/>
+              </a:spcAft>
+              <a:buClr>
+                <a:schemeClr val="lt1"/>
+              </a:buClr>
+              <a:buSzPts val="1100"/>
+              <a:buFont typeface="Lato"/>
+              <a:buChar char="●"/>
+              <a:defRPr sz="1100" b="0" i="0" u="none" strike="noStrike" cap="none">
+                <a:solidFill>
+                  <a:schemeClr val="lt1"/>
+                </a:solidFill>
+                <a:latin typeface="Lato"/>
+                <a:ea typeface="Lato"/>
+                <a:cs typeface="Lato"/>
+                <a:sym typeface="Lato"/>
+              </a:defRPr>
+            </a:lvl4pPr>
+            <a:lvl5pPr marL="2286000" marR="0" lvl="4" indent="-298450" algn="l" rtl="0">
+              <a:lnSpc>
+                <a:spcPct val="115000"/>
+              </a:lnSpc>
+              <a:spcBef>
+                <a:spcPts val="0"/>
+              </a:spcBef>
+              <a:spcAft>
+                <a:spcPts val="0"/>
+              </a:spcAft>
+              <a:buClr>
+                <a:schemeClr val="lt1"/>
+              </a:buClr>
+              <a:buSzPts val="1100"/>
+              <a:buFont typeface="Lato"/>
+              <a:buChar char="○"/>
+              <a:defRPr sz="1100" b="0" i="0" u="none" strike="noStrike" cap="none">
+                <a:solidFill>
+                  <a:schemeClr val="lt1"/>
+                </a:solidFill>
+                <a:latin typeface="Lato"/>
+                <a:ea typeface="Lato"/>
+                <a:cs typeface="Lato"/>
+                <a:sym typeface="Lato"/>
+              </a:defRPr>
+            </a:lvl5pPr>
+            <a:lvl6pPr marL="2743200" marR="0" lvl="5" indent="-298450" algn="l" rtl="0">
+              <a:lnSpc>
+                <a:spcPct val="115000"/>
+              </a:lnSpc>
+              <a:spcBef>
+                <a:spcPts val="0"/>
+              </a:spcBef>
+              <a:spcAft>
+                <a:spcPts val="0"/>
+              </a:spcAft>
+              <a:buClr>
+                <a:schemeClr val="lt1"/>
+              </a:buClr>
+              <a:buSzPts val="1100"/>
+              <a:buFont typeface="Lato"/>
+              <a:buChar char="■"/>
+              <a:defRPr sz="1100" b="0" i="0" u="none" strike="noStrike" cap="none">
+                <a:solidFill>
+                  <a:schemeClr val="lt1"/>
+                </a:solidFill>
+                <a:latin typeface="Lato"/>
+                <a:ea typeface="Lato"/>
+                <a:cs typeface="Lato"/>
+                <a:sym typeface="Lato"/>
+              </a:defRPr>
+            </a:lvl6pPr>
+            <a:lvl7pPr marL="3200400" marR="0" lvl="6" indent="-298450" algn="l" rtl="0">
+              <a:lnSpc>
+                <a:spcPct val="115000"/>
+              </a:lnSpc>
+              <a:spcBef>
+                <a:spcPts val="0"/>
+              </a:spcBef>
+              <a:spcAft>
+                <a:spcPts val="0"/>
+              </a:spcAft>
+              <a:buClr>
+                <a:schemeClr val="lt1"/>
+              </a:buClr>
+              <a:buSzPts val="1100"/>
+              <a:buFont typeface="Lato"/>
+              <a:buChar char="●"/>
+              <a:defRPr sz="1100" b="0" i="0" u="none" strike="noStrike" cap="none">
+                <a:solidFill>
+                  <a:schemeClr val="lt1"/>
+                </a:solidFill>
+                <a:latin typeface="Lato"/>
+                <a:ea typeface="Lato"/>
+                <a:cs typeface="Lato"/>
+                <a:sym typeface="Lato"/>
+              </a:defRPr>
+            </a:lvl7pPr>
+            <a:lvl8pPr marL="3657600" marR="0" lvl="7" indent="-298450" algn="l" rtl="0">
+              <a:lnSpc>
+                <a:spcPct val="115000"/>
+              </a:lnSpc>
+              <a:spcBef>
+                <a:spcPts val="0"/>
+              </a:spcBef>
+              <a:spcAft>
+                <a:spcPts val="0"/>
+              </a:spcAft>
+              <a:buClr>
+                <a:schemeClr val="lt1"/>
+              </a:buClr>
+              <a:buSzPts val="1100"/>
+              <a:buFont typeface="Lato"/>
+              <a:buChar char="○"/>
+              <a:defRPr sz="1100" b="0" i="0" u="none" strike="noStrike" cap="none">
+                <a:solidFill>
+                  <a:schemeClr val="lt1"/>
+                </a:solidFill>
+                <a:latin typeface="Lato"/>
+                <a:ea typeface="Lato"/>
+                <a:cs typeface="Lato"/>
+                <a:sym typeface="Lato"/>
+              </a:defRPr>
+            </a:lvl8pPr>
+            <a:lvl9pPr marL="4114800" marR="0" lvl="8" indent="-298450" algn="l" rtl="0">
+              <a:lnSpc>
+                <a:spcPct val="115000"/>
+              </a:lnSpc>
+              <a:spcBef>
+                <a:spcPts val="0"/>
+              </a:spcBef>
+              <a:spcAft>
+                <a:spcPts val="0"/>
+              </a:spcAft>
+              <a:buClr>
+                <a:schemeClr val="lt1"/>
+              </a:buClr>
+              <a:buSzPts val="1100"/>
+              <a:buFont typeface="Lato"/>
+              <a:buChar char="■"/>
+              <a:defRPr sz="1100" b="0" i="0" u="none" strike="noStrike" cap="none">
+                <a:solidFill>
+                  <a:schemeClr val="lt1"/>
+                </a:solidFill>
+                <a:latin typeface="Lato"/>
+                <a:ea typeface="Lato"/>
+                <a:cs typeface="Lato"/>
+                <a:sym typeface="Lato"/>
+              </a:defRPr>
+            </a:lvl9pPr>
+          </a:lstStyle>
+          <a:p>
+            <a:pPr marL="0" indent="0">
+              <a:spcAft>
+                <a:spcPts val="1200"/>
+              </a:spcAft>
+              <a:buFont typeface="Lato"/>
+              <a:buNone/>
+            </a:pPr>
+            <a:r>
+              <a:rPr lang="en-US" sz="2800" dirty="0" err="1"/>
+              <a:t>cy.</a:t>
+            </a:r>
+            <a:r>
+              <a:rPr lang="en-US" sz="2800" dirty="0" err="1">
+                <a:solidFill>
+                  <a:schemeClr val="tx2">
+                    <a:lumMod val="75000"/>
+                  </a:schemeClr>
+                </a:solidFill>
+              </a:rPr>
+              <a:t>get</a:t>
+            </a:r>
+            <a:r>
+              <a:rPr lang="en-US" sz="2800" dirty="0"/>
+              <a:t>(</a:t>
+            </a:r>
+            <a:r>
+              <a:rPr lang="en-US" sz="2800" dirty="0">
+                <a:solidFill>
+                  <a:schemeClr val="accent1">
+                    <a:lumMod val="40000"/>
+                    <a:lumOff val="60000"/>
+                  </a:schemeClr>
+                </a:solidFill>
+              </a:rPr>
+              <a:t>selector</a:t>
+            </a:r>
+            <a:r>
+              <a:rPr lang="en-US" sz="2800" dirty="0"/>
+              <a:t>).</a:t>
+            </a:r>
+            <a:r>
+              <a:rPr lang="en-US" sz="2800" dirty="0">
+                <a:solidFill>
+                  <a:srgbClr val="FFFF00"/>
+                </a:solidFill>
+              </a:rPr>
+              <a:t>type(“</a:t>
+            </a:r>
+            <a:r>
+              <a:rPr lang="en-US" sz="2800" dirty="0">
+                <a:solidFill>
+                  <a:schemeClr val="accent1">
+                    <a:lumMod val="40000"/>
+                    <a:lumOff val="60000"/>
+                  </a:schemeClr>
+                </a:solidFill>
+              </a:rPr>
+              <a:t>TEXT{enter}</a:t>
+            </a:r>
+            <a:r>
+              <a:rPr lang="en-US" sz="2800" dirty="0">
+                <a:solidFill>
+                  <a:srgbClr val="FFFF00"/>
+                </a:solidFill>
+              </a:rPr>
+              <a:t>”)</a:t>
+            </a:r>
+          </a:p>
+          <a:p>
+            <a:pPr marL="0" indent="0">
+              <a:spcAft>
+                <a:spcPts val="1200"/>
+              </a:spcAft>
+              <a:buNone/>
+            </a:pPr>
+            <a:r>
+              <a:rPr lang="en-US" sz="2800" dirty="0" err="1"/>
+              <a:t>cy.</a:t>
+            </a:r>
+            <a:r>
+              <a:rPr lang="en-US" sz="2800" dirty="0" err="1">
+                <a:solidFill>
+                  <a:schemeClr val="tx2">
+                    <a:lumMod val="75000"/>
+                  </a:schemeClr>
+                </a:solidFill>
+              </a:rPr>
+              <a:t>get</a:t>
+            </a:r>
+            <a:r>
+              <a:rPr lang="en-US" sz="2800" dirty="0"/>
+              <a:t>(</a:t>
+            </a:r>
+            <a:r>
+              <a:rPr lang="en-US" sz="2800" dirty="0">
+                <a:solidFill>
+                  <a:schemeClr val="accent1">
+                    <a:lumMod val="40000"/>
+                    <a:lumOff val="60000"/>
+                  </a:schemeClr>
+                </a:solidFill>
+              </a:rPr>
+              <a:t>selector</a:t>
+            </a:r>
+            <a:r>
+              <a:rPr lang="en-US" sz="2800" dirty="0"/>
+              <a:t>).</a:t>
+            </a:r>
+            <a:r>
+              <a:rPr lang="en-US" sz="2800" dirty="0">
+                <a:solidFill>
+                  <a:srgbClr val="FFFF00"/>
+                </a:solidFill>
+              </a:rPr>
+              <a:t>type(“</a:t>
+            </a:r>
+            <a:r>
+              <a:rPr lang="en-US" sz="2800" dirty="0">
+                <a:solidFill>
+                  <a:schemeClr val="accent1">
+                    <a:lumMod val="40000"/>
+                    <a:lumOff val="60000"/>
+                  </a:schemeClr>
+                </a:solidFill>
+              </a:rPr>
+              <a:t>{shift}TEXT</a:t>
+            </a:r>
+            <a:r>
+              <a:rPr lang="en-US" sz="2800" dirty="0">
+                <a:solidFill>
+                  <a:srgbClr val="FFFF00"/>
+                </a:solidFill>
+              </a:rPr>
+              <a:t>”)</a:t>
+            </a:r>
+          </a:p>
+          <a:p>
+            <a:pPr marL="0" indent="0">
+              <a:spcAft>
+                <a:spcPts val="1200"/>
+              </a:spcAft>
+              <a:buNone/>
+            </a:pPr>
+            <a:r>
+              <a:rPr lang="en-US" sz="2800" dirty="0" err="1"/>
+              <a:t>cy.</a:t>
+            </a:r>
+            <a:r>
+              <a:rPr lang="en-US" sz="2800" dirty="0" err="1">
+                <a:solidFill>
+                  <a:schemeClr val="tx2">
+                    <a:lumMod val="75000"/>
+                  </a:schemeClr>
+                </a:solidFill>
+              </a:rPr>
+              <a:t>get</a:t>
+            </a:r>
+            <a:r>
+              <a:rPr lang="en-US" sz="2800" dirty="0"/>
+              <a:t>(</a:t>
+            </a:r>
+            <a:r>
+              <a:rPr lang="en-US" sz="2800" dirty="0">
+                <a:solidFill>
+                  <a:schemeClr val="accent1">
+                    <a:lumMod val="40000"/>
+                    <a:lumOff val="60000"/>
+                  </a:schemeClr>
+                </a:solidFill>
+              </a:rPr>
+              <a:t>selector</a:t>
+            </a:r>
+            <a:r>
+              <a:rPr lang="en-US" sz="2800" dirty="0"/>
+              <a:t>).</a:t>
+            </a:r>
+            <a:r>
+              <a:rPr lang="en-US" sz="2800" dirty="0">
+                <a:solidFill>
+                  <a:srgbClr val="FFFF00"/>
+                </a:solidFill>
+              </a:rPr>
+              <a:t>type</a:t>
+            </a:r>
+            <a:r>
+              <a:rPr lang="en-US" sz="2800" dirty="0">
+                <a:solidFill>
+                  <a:schemeClr val="accent1">
+                    <a:lumMod val="40000"/>
+                    <a:lumOff val="60000"/>
+                  </a:schemeClr>
+                </a:solidFill>
+              </a:rPr>
+              <a:t>(“{backspace}{home}{del}</a:t>
+            </a:r>
+            <a:r>
+              <a:rPr lang="en-US" sz="2800" dirty="0">
+                <a:solidFill>
+                  <a:srgbClr val="FFFF00"/>
+                </a:solidFill>
+              </a:rPr>
+              <a:t>”)</a:t>
+            </a:r>
+          </a:p>
+          <a:p>
+            <a:pPr marL="0" indent="0">
+              <a:spcAft>
+                <a:spcPts val="1200"/>
+              </a:spcAft>
+              <a:buNone/>
+            </a:pPr>
+            <a:r>
+              <a:rPr lang="en-US" sz="2800" dirty="0" err="1"/>
+              <a:t>cy.</a:t>
+            </a:r>
+            <a:r>
+              <a:rPr lang="en-US" sz="2800" dirty="0" err="1">
+                <a:solidFill>
+                  <a:schemeClr val="tx2">
+                    <a:lumMod val="75000"/>
+                  </a:schemeClr>
+                </a:solidFill>
+              </a:rPr>
+              <a:t>get</a:t>
+            </a:r>
+            <a:r>
+              <a:rPr lang="en-US" sz="2800" dirty="0"/>
+              <a:t>(</a:t>
+            </a:r>
+            <a:r>
+              <a:rPr lang="en-US" sz="2800" dirty="0">
+                <a:solidFill>
+                  <a:schemeClr val="accent1">
+                    <a:lumMod val="40000"/>
+                    <a:lumOff val="60000"/>
+                  </a:schemeClr>
+                </a:solidFill>
+              </a:rPr>
+              <a:t>selector</a:t>
+            </a:r>
+            <a:r>
+              <a:rPr lang="en-US" sz="2800" dirty="0"/>
+              <a:t>).</a:t>
+            </a:r>
+            <a:r>
+              <a:rPr lang="en-US" sz="2800" dirty="0" err="1">
+                <a:solidFill>
+                  <a:srgbClr val="FFFF00"/>
+                </a:solidFill>
+              </a:rPr>
+              <a:t>realPress</a:t>
+            </a:r>
+            <a:r>
+              <a:rPr lang="en-US" sz="2800" dirty="0">
+                <a:solidFill>
+                  <a:schemeClr val="accent1">
+                    <a:lumMod val="40000"/>
+                    <a:lumOff val="60000"/>
+                  </a:schemeClr>
+                </a:solidFill>
+              </a:rPr>
+              <a:t>(“[‘Control’, ‘A’, ‘Del’]</a:t>
+            </a:r>
+            <a:r>
+              <a:rPr lang="en-US" sz="2800" dirty="0">
+                <a:solidFill>
+                  <a:srgbClr val="FFFF00"/>
+                </a:solidFill>
+              </a:rPr>
+              <a:t>”)</a:t>
+            </a:r>
+          </a:p>
+          <a:p>
+            <a:pPr marL="0" indent="0">
+              <a:spcAft>
+                <a:spcPts val="1200"/>
+              </a:spcAft>
+              <a:buNone/>
+            </a:pPr>
+            <a:endParaRPr lang="en-US" sz="2800" dirty="0">
+              <a:solidFill>
+                <a:srgbClr val="FFFF00"/>
+              </a:solidFill>
+            </a:endParaRPr>
+          </a:p>
+          <a:p>
+            <a:pPr marL="0" indent="0">
+              <a:spcAft>
+                <a:spcPts val="1200"/>
+              </a:spcAft>
+              <a:buNone/>
+            </a:pPr>
+            <a:endParaRPr lang="en-US" sz="2800" dirty="0">
+              <a:solidFill>
+                <a:schemeClr val="bg1">
+                  <a:lumMod val="65000"/>
+                </a:schemeClr>
+              </a:solidFill>
+            </a:endParaRPr>
+          </a:p>
+          <a:p>
+            <a:pPr marL="0" indent="0">
+              <a:spcAft>
+                <a:spcPts val="1200"/>
+              </a:spcAft>
+              <a:buFont typeface="Lato"/>
+              <a:buNone/>
+            </a:pPr>
+            <a:endParaRPr lang="en-US" sz="2800" dirty="0">
+              <a:solidFill>
+                <a:srgbClr val="FFFF00"/>
+              </a:solidFill>
+            </a:endParaRPr>
+          </a:p>
+        </p:txBody>
+      </p:sp>
+      <p:sp>
+        <p:nvSpPr>
+          <p:cNvPr id="14" name="Google Shape;141;p14">
+            <a:extLst>
+              <a:ext uri="{FF2B5EF4-FFF2-40B4-BE49-F238E27FC236}">
+                <a16:creationId xmlns:a16="http://schemas.microsoft.com/office/drawing/2014/main" id="{E4A9282C-A9C1-40B4-82A6-92C2A75FA29E}"/>
+              </a:ext>
+            </a:extLst>
+          </p:cNvPr>
+          <p:cNvSpPr txBox="1">
+            <a:spLocks/>
+          </p:cNvSpPr>
+          <p:nvPr/>
+        </p:nvSpPr>
+        <p:spPr>
+          <a:xfrm>
+            <a:off x="521151" y="1629753"/>
+            <a:ext cx="8503953" cy="945931"/>
+          </a:xfrm>
+          <a:prstGeom prst="rect">
+            <a:avLst/>
+          </a:prstGeom>
+          <a:noFill/>
+          <a:ln>
+            <a:noFill/>
+          </a:ln>
+        </p:spPr>
+        <p:txBody>
+          <a:bodyPr spcFirstLastPara="1" wrap="square" lIns="91425" tIns="91425" rIns="91425" bIns="91425" numCol="1" anchor="t" anchorCtr="0">
+            <a:normAutofit/>
+          </a:bodyPr>
+          <a:lstStyle>
+            <a:defPPr marR="0" lvl="0" algn="l" rtl="0">
+              <a:lnSpc>
+                <a:spcPct val="100000"/>
+              </a:lnSpc>
+              <a:spcBef>
+                <a:spcPts val="0"/>
+              </a:spcBef>
+              <a:spcAft>
+                <a:spcPts val="0"/>
+              </a:spcAft>
+            </a:defPPr>
+            <a:lvl1pPr marL="457200" marR="0" lvl="0" indent="-311150" algn="l" rtl="0">
+              <a:lnSpc>
+                <a:spcPct val="115000"/>
+              </a:lnSpc>
+              <a:spcBef>
+                <a:spcPts val="0"/>
+              </a:spcBef>
+              <a:spcAft>
+                <a:spcPts val="0"/>
+              </a:spcAft>
+              <a:buClr>
+                <a:schemeClr val="lt1"/>
+              </a:buClr>
+              <a:buSzPts val="1300"/>
+              <a:buFont typeface="Lato"/>
+              <a:buChar char="●"/>
+              <a:defRPr sz="1300" b="0" i="0" u="none" strike="noStrike" cap="none">
+                <a:solidFill>
+                  <a:schemeClr val="lt1"/>
+                </a:solidFill>
+                <a:latin typeface="Lato"/>
+                <a:ea typeface="Lato"/>
+                <a:cs typeface="Lato"/>
+                <a:sym typeface="Lato"/>
+              </a:defRPr>
+            </a:lvl1pPr>
+            <a:lvl2pPr marL="914400" marR="0" lvl="1" indent="-298450" algn="l" rtl="0">
+              <a:lnSpc>
+                <a:spcPct val="115000"/>
+              </a:lnSpc>
+              <a:spcBef>
+                <a:spcPts val="0"/>
+              </a:spcBef>
+              <a:spcAft>
+                <a:spcPts val="0"/>
+              </a:spcAft>
+              <a:buClr>
+                <a:schemeClr val="lt1"/>
+              </a:buClr>
+              <a:buSzPts val="1100"/>
+              <a:buFont typeface="Lato"/>
+              <a:buChar char="○"/>
+              <a:defRPr sz="1100" b="0" i="0" u="none" strike="noStrike" cap="none">
+                <a:solidFill>
+                  <a:schemeClr val="lt1"/>
+                </a:solidFill>
+                <a:latin typeface="Lato"/>
+                <a:ea typeface="Lato"/>
+                <a:cs typeface="Lato"/>
+                <a:sym typeface="Lato"/>
+              </a:defRPr>
+            </a:lvl2pPr>
+            <a:lvl3pPr marL="1371600" marR="0" lvl="2" indent="-298450" algn="l" rtl="0">
+              <a:lnSpc>
+                <a:spcPct val="115000"/>
+              </a:lnSpc>
+              <a:spcBef>
+                <a:spcPts val="0"/>
+              </a:spcBef>
+              <a:spcAft>
+                <a:spcPts val="0"/>
+              </a:spcAft>
+              <a:buClr>
+                <a:schemeClr val="lt1"/>
+              </a:buClr>
+              <a:buSzPts val="1100"/>
+              <a:buFont typeface="Lato"/>
+              <a:buChar char="■"/>
+              <a:defRPr sz="1100" b="0" i="0" u="none" strike="noStrike" cap="none">
+                <a:solidFill>
+                  <a:schemeClr val="lt1"/>
+                </a:solidFill>
+                <a:latin typeface="Lato"/>
+                <a:ea typeface="Lato"/>
+                <a:cs typeface="Lato"/>
+                <a:sym typeface="Lato"/>
+              </a:defRPr>
+            </a:lvl3pPr>
+            <a:lvl4pPr marL="1828800" marR="0" lvl="3" indent="-298450" algn="l" rtl="0">
+              <a:lnSpc>
+                <a:spcPct val="115000"/>
+              </a:lnSpc>
+              <a:spcBef>
+                <a:spcPts val="0"/>
+              </a:spcBef>
+              <a:spcAft>
+                <a:spcPts val="0"/>
+              </a:spcAft>
+              <a:buClr>
+                <a:schemeClr val="lt1"/>
+              </a:buClr>
+              <a:buSzPts val="1100"/>
+              <a:buFont typeface="Lato"/>
+              <a:buChar char="●"/>
+              <a:defRPr sz="1100" b="0" i="0" u="none" strike="noStrike" cap="none">
+                <a:solidFill>
+                  <a:schemeClr val="lt1"/>
+                </a:solidFill>
+                <a:latin typeface="Lato"/>
+                <a:ea typeface="Lato"/>
+                <a:cs typeface="Lato"/>
+                <a:sym typeface="Lato"/>
+              </a:defRPr>
+            </a:lvl4pPr>
+            <a:lvl5pPr marL="2286000" marR="0" lvl="4" indent="-298450" algn="l" rtl="0">
+              <a:lnSpc>
+                <a:spcPct val="115000"/>
+              </a:lnSpc>
+              <a:spcBef>
+                <a:spcPts val="0"/>
+              </a:spcBef>
+              <a:spcAft>
+                <a:spcPts val="0"/>
+              </a:spcAft>
+              <a:buClr>
+                <a:schemeClr val="lt1"/>
+              </a:buClr>
+              <a:buSzPts val="1100"/>
+              <a:buFont typeface="Lato"/>
+              <a:buChar char="○"/>
+              <a:defRPr sz="1100" b="0" i="0" u="none" strike="noStrike" cap="none">
+                <a:solidFill>
+                  <a:schemeClr val="lt1"/>
+                </a:solidFill>
+                <a:latin typeface="Lato"/>
+                <a:ea typeface="Lato"/>
+                <a:cs typeface="Lato"/>
+                <a:sym typeface="Lato"/>
+              </a:defRPr>
+            </a:lvl5pPr>
+            <a:lvl6pPr marL="2743200" marR="0" lvl="5" indent="-298450" algn="l" rtl="0">
+              <a:lnSpc>
+                <a:spcPct val="115000"/>
+              </a:lnSpc>
+              <a:spcBef>
+                <a:spcPts val="0"/>
+              </a:spcBef>
+              <a:spcAft>
+                <a:spcPts val="0"/>
+              </a:spcAft>
+              <a:buClr>
+                <a:schemeClr val="lt1"/>
+              </a:buClr>
+              <a:buSzPts val="1100"/>
+              <a:buFont typeface="Lato"/>
+              <a:buChar char="■"/>
+              <a:defRPr sz="1100" b="0" i="0" u="none" strike="noStrike" cap="none">
+                <a:solidFill>
+                  <a:schemeClr val="lt1"/>
+                </a:solidFill>
+                <a:latin typeface="Lato"/>
+                <a:ea typeface="Lato"/>
+                <a:cs typeface="Lato"/>
+                <a:sym typeface="Lato"/>
+              </a:defRPr>
+            </a:lvl6pPr>
+            <a:lvl7pPr marL="3200400" marR="0" lvl="6" indent="-298450" algn="l" rtl="0">
+              <a:lnSpc>
+                <a:spcPct val="115000"/>
+              </a:lnSpc>
+              <a:spcBef>
+                <a:spcPts val="0"/>
+              </a:spcBef>
+              <a:spcAft>
+                <a:spcPts val="0"/>
+              </a:spcAft>
+              <a:buClr>
+                <a:schemeClr val="lt1"/>
+              </a:buClr>
+              <a:buSzPts val="1100"/>
+              <a:buFont typeface="Lato"/>
+              <a:buChar char="●"/>
+              <a:defRPr sz="1100" b="0" i="0" u="none" strike="noStrike" cap="none">
+                <a:solidFill>
+                  <a:schemeClr val="lt1"/>
+                </a:solidFill>
+                <a:latin typeface="Lato"/>
+                <a:ea typeface="Lato"/>
+                <a:cs typeface="Lato"/>
+                <a:sym typeface="Lato"/>
+              </a:defRPr>
+            </a:lvl7pPr>
+            <a:lvl8pPr marL="3657600" marR="0" lvl="7" indent="-298450" algn="l" rtl="0">
+              <a:lnSpc>
+                <a:spcPct val="115000"/>
+              </a:lnSpc>
+              <a:spcBef>
+                <a:spcPts val="0"/>
+              </a:spcBef>
+              <a:spcAft>
+                <a:spcPts val="0"/>
+              </a:spcAft>
+              <a:buClr>
+                <a:schemeClr val="lt1"/>
+              </a:buClr>
+              <a:buSzPts val="1100"/>
+              <a:buFont typeface="Lato"/>
+              <a:buChar char="○"/>
+              <a:defRPr sz="1100" b="0" i="0" u="none" strike="noStrike" cap="none">
+                <a:solidFill>
+                  <a:schemeClr val="lt1"/>
+                </a:solidFill>
+                <a:latin typeface="Lato"/>
+                <a:ea typeface="Lato"/>
+                <a:cs typeface="Lato"/>
+                <a:sym typeface="Lato"/>
+              </a:defRPr>
+            </a:lvl8pPr>
+            <a:lvl9pPr marL="4114800" marR="0" lvl="8" indent="-298450" algn="l" rtl="0">
+              <a:lnSpc>
+                <a:spcPct val="115000"/>
+              </a:lnSpc>
+              <a:spcBef>
+                <a:spcPts val="0"/>
+              </a:spcBef>
+              <a:spcAft>
+                <a:spcPts val="0"/>
+              </a:spcAft>
+              <a:buClr>
+                <a:schemeClr val="lt1"/>
+              </a:buClr>
+              <a:buSzPts val="1100"/>
+              <a:buFont typeface="Lato"/>
+              <a:buChar char="■"/>
+              <a:defRPr sz="1100" b="0" i="0" u="none" strike="noStrike" cap="none">
+                <a:solidFill>
+                  <a:schemeClr val="lt1"/>
+                </a:solidFill>
+                <a:latin typeface="Lato"/>
+                <a:ea typeface="Lato"/>
+                <a:cs typeface="Lato"/>
+                <a:sym typeface="Lato"/>
+              </a:defRPr>
+            </a:lvl9pPr>
+          </a:lstStyle>
+          <a:p>
+            <a:pPr marL="0" indent="0">
+              <a:spcAft>
+                <a:spcPts val="1200"/>
+              </a:spcAft>
+              <a:buFont typeface="Lato"/>
+              <a:buNone/>
+            </a:pPr>
+            <a:r>
+              <a:rPr lang="en-US" sz="2400" b="1" dirty="0">
+                <a:solidFill>
+                  <a:schemeClr val="bg1"/>
+                </a:solidFill>
+              </a:rPr>
+              <a:t>Sequences:</a:t>
+            </a:r>
+          </a:p>
+          <a:p>
+            <a:pPr marL="0" indent="0">
+              <a:spcAft>
+                <a:spcPts val="1200"/>
+              </a:spcAft>
+              <a:buFont typeface="Lato"/>
+              <a:buNone/>
+            </a:pPr>
+            <a:endParaRPr lang="en-US" sz="2400" dirty="0"/>
+          </a:p>
+        </p:txBody>
+      </p:sp>
+    </p:spTree>
+    <p:extLst>
+      <p:ext uri="{BB962C8B-B14F-4D97-AF65-F5344CB8AC3E}">
+        <p14:creationId xmlns:p14="http://schemas.microsoft.com/office/powerpoint/2010/main" val="2599865874"/>
+      </p:ext>
+    </p:extLst>
+  </p:cSld>
+  <p:clrMapOvr>
+    <a:masterClrMapping/>
+  </p:clrMapOvr>
+</p:sld>
+</file>
+
+<file path=ppt/slides/slide18.xml><?xml version="1.0" encoding="utf-8"?>
+<p:sld xmlns:a="http://schemas.openxmlformats.org/drawingml/2006/main" xmlns:r="http://schemas.openxmlformats.org/officeDocument/2006/relationships" xmlns:p="http://schemas.openxmlformats.org/presentationml/2006/main">
+  <p:cSld>
+    <p:spTree>
+      <p:nvGrpSpPr>
+        <p:cNvPr id="1" name="Shape 139"/>
+        <p:cNvGrpSpPr/>
+        <p:nvPr/>
+      </p:nvGrpSpPr>
+      <p:grpSpPr>
+        <a:xfrm>
+          <a:off x="0" y="0"/>
+          <a:ext cx="0" cy="0"/>
+          <a:chOff x="0" y="0"/>
+          <a:chExt cx="0" cy="0"/>
+        </a:xfrm>
+      </p:grpSpPr>
+      <p:sp>
+        <p:nvSpPr>
+          <p:cNvPr id="140" name="Google Shape;140;p14"/>
+          <p:cNvSpPr txBox="1">
+            <a:spLocks noGrp="1"/>
+          </p:cNvSpPr>
+          <p:nvPr>
+            <p:ph type="title"/>
+          </p:nvPr>
+        </p:nvSpPr>
+        <p:spPr>
+          <a:xfrm>
+            <a:off x="1153702" y="568961"/>
+            <a:ext cx="7038900" cy="914100"/>
+          </a:xfrm>
+          <a:prstGeom prst="rect">
+            <a:avLst/>
+          </a:prstGeom>
+        </p:spPr>
+        <p:txBody>
+          <a:bodyPr spcFirstLastPara="1" wrap="square" lIns="91425" tIns="91425" rIns="91425" bIns="91425" anchor="t" anchorCtr="0">
+            <a:normAutofit/>
+          </a:bodyPr>
+          <a:lstStyle/>
+          <a:p>
+            <a:pPr marL="0" lvl="0" indent="0" algn="l" rtl="0">
+              <a:spcBef>
+                <a:spcPts val="0"/>
+              </a:spcBef>
+              <a:spcAft>
+                <a:spcPts val="0"/>
+              </a:spcAft>
+              <a:buNone/>
+            </a:pPr>
+            <a:r>
+              <a:rPr lang="en-US" sz="3600" dirty="0">
+                <a:solidFill>
+                  <a:schemeClr val="bg1"/>
+                </a:solidFill>
+              </a:rPr>
+              <a:t>Keyboard Actions:</a:t>
+            </a:r>
+          </a:p>
+        </p:txBody>
+      </p:sp>
+      <p:sp>
+        <p:nvSpPr>
+          <p:cNvPr id="2" name="Slide Number Placeholder 1">
+            <a:extLst>
+              <a:ext uri="{FF2B5EF4-FFF2-40B4-BE49-F238E27FC236}">
+                <a16:creationId xmlns:a16="http://schemas.microsoft.com/office/drawing/2014/main" id="{E210FEB3-249A-48B7-B381-C0C9B9BD4725}"/>
+              </a:ext>
+            </a:extLst>
+          </p:cNvPr>
+          <p:cNvSpPr>
+            <a:spLocks noGrp="1"/>
+          </p:cNvSpPr>
+          <p:nvPr>
+            <p:ph type="sldNum" idx="12"/>
+          </p:nvPr>
+        </p:nvSpPr>
+        <p:spPr>
+          <a:xfrm>
+            <a:off x="8571849" y="4527382"/>
+            <a:ext cx="548700" cy="393600"/>
+          </a:xfrm>
+        </p:spPr>
+        <p:txBody>
+          <a:bodyPr/>
+          <a:lstStyle/>
+          <a:p>
+            <a:pPr marL="0" lvl="0" indent="0" algn="r" rtl="0">
+              <a:spcBef>
+                <a:spcPts val="0"/>
+              </a:spcBef>
+              <a:spcAft>
+                <a:spcPts val="0"/>
+              </a:spcAft>
+              <a:buNone/>
+            </a:pPr>
+            <a:fld id="{00000000-1234-1234-1234-123412341234}" type="slidenum">
+              <a:rPr lang="en" smtClean="0"/>
+              <a:t>18</a:t>
+            </a:fld>
+            <a:endParaRPr lang="en"/>
+          </a:p>
+        </p:txBody>
+      </p:sp>
+      <p:sp>
+        <p:nvSpPr>
+          <p:cNvPr id="11" name="Google Shape;141;p14">
+            <a:extLst>
+              <a:ext uri="{FF2B5EF4-FFF2-40B4-BE49-F238E27FC236}">
+                <a16:creationId xmlns:a16="http://schemas.microsoft.com/office/drawing/2014/main" id="{0E031760-E77B-4213-A6DF-274D9208E79A}"/>
+              </a:ext>
+            </a:extLst>
+          </p:cNvPr>
+          <p:cNvSpPr txBox="1">
+            <a:spLocks/>
+          </p:cNvSpPr>
+          <p:nvPr/>
+        </p:nvSpPr>
+        <p:spPr>
+          <a:xfrm>
+            <a:off x="1229139" y="2521227"/>
+            <a:ext cx="7172739" cy="2202956"/>
+          </a:xfrm>
+          <a:prstGeom prst="rect">
+            <a:avLst/>
+          </a:prstGeom>
+          <a:noFill/>
+          <a:ln>
+            <a:noFill/>
+          </a:ln>
+        </p:spPr>
+        <p:txBody>
+          <a:bodyPr spcFirstLastPara="1" wrap="square" lIns="91425" tIns="91425" rIns="91425" bIns="91425" numCol="1" anchor="t" anchorCtr="0">
+            <a:normAutofit fontScale="85000" lnSpcReduction="20000"/>
+          </a:bodyPr>
+          <a:lstStyle>
+            <a:defPPr marR="0" lvl="0" algn="l" rtl="0">
+              <a:lnSpc>
+                <a:spcPct val="100000"/>
+              </a:lnSpc>
+              <a:spcBef>
+                <a:spcPts val="0"/>
+              </a:spcBef>
+              <a:spcAft>
+                <a:spcPts val="0"/>
+              </a:spcAft>
+            </a:defPPr>
+            <a:lvl1pPr marL="457200" marR="0" lvl="0" indent="-311150" algn="l" rtl="0">
+              <a:lnSpc>
+                <a:spcPct val="115000"/>
+              </a:lnSpc>
+              <a:spcBef>
+                <a:spcPts val="0"/>
+              </a:spcBef>
+              <a:spcAft>
+                <a:spcPts val="0"/>
+              </a:spcAft>
+              <a:buClr>
+                <a:schemeClr val="lt1"/>
+              </a:buClr>
+              <a:buSzPts val="1300"/>
+              <a:buFont typeface="Lato"/>
+              <a:buChar char="●"/>
+              <a:defRPr sz="1300" b="0" i="0" u="none" strike="noStrike" cap="none">
+                <a:solidFill>
+                  <a:schemeClr val="lt1"/>
+                </a:solidFill>
+                <a:latin typeface="Lato"/>
+                <a:ea typeface="Lato"/>
+                <a:cs typeface="Lato"/>
+                <a:sym typeface="Lato"/>
+              </a:defRPr>
+            </a:lvl1pPr>
+            <a:lvl2pPr marL="914400" marR="0" lvl="1" indent="-298450" algn="l" rtl="0">
+              <a:lnSpc>
+                <a:spcPct val="115000"/>
+              </a:lnSpc>
+              <a:spcBef>
+                <a:spcPts val="0"/>
+              </a:spcBef>
+              <a:spcAft>
+                <a:spcPts val="0"/>
+              </a:spcAft>
+              <a:buClr>
+                <a:schemeClr val="lt1"/>
+              </a:buClr>
+              <a:buSzPts val="1100"/>
+              <a:buFont typeface="Lato"/>
+              <a:buChar char="○"/>
+              <a:defRPr sz="1100" b="0" i="0" u="none" strike="noStrike" cap="none">
+                <a:solidFill>
+                  <a:schemeClr val="lt1"/>
+                </a:solidFill>
+                <a:latin typeface="Lato"/>
+                <a:ea typeface="Lato"/>
+                <a:cs typeface="Lato"/>
+                <a:sym typeface="Lato"/>
+              </a:defRPr>
+            </a:lvl2pPr>
+            <a:lvl3pPr marL="1371600" marR="0" lvl="2" indent="-298450" algn="l" rtl="0">
+              <a:lnSpc>
+                <a:spcPct val="115000"/>
+              </a:lnSpc>
+              <a:spcBef>
+                <a:spcPts val="0"/>
+              </a:spcBef>
+              <a:spcAft>
+                <a:spcPts val="0"/>
+              </a:spcAft>
+              <a:buClr>
+                <a:schemeClr val="lt1"/>
+              </a:buClr>
+              <a:buSzPts val="1100"/>
+              <a:buFont typeface="Lato"/>
+              <a:buChar char="■"/>
+              <a:defRPr sz="1100" b="0" i="0" u="none" strike="noStrike" cap="none">
+                <a:solidFill>
+                  <a:schemeClr val="lt1"/>
+                </a:solidFill>
+                <a:latin typeface="Lato"/>
+                <a:ea typeface="Lato"/>
+                <a:cs typeface="Lato"/>
+                <a:sym typeface="Lato"/>
+              </a:defRPr>
+            </a:lvl3pPr>
+            <a:lvl4pPr marL="1828800" marR="0" lvl="3" indent="-298450" algn="l" rtl="0">
+              <a:lnSpc>
+                <a:spcPct val="115000"/>
+              </a:lnSpc>
+              <a:spcBef>
+                <a:spcPts val="0"/>
+              </a:spcBef>
+              <a:spcAft>
+                <a:spcPts val="0"/>
+              </a:spcAft>
+              <a:buClr>
+                <a:schemeClr val="lt1"/>
+              </a:buClr>
+              <a:buSzPts val="1100"/>
+              <a:buFont typeface="Lato"/>
+              <a:buChar char="●"/>
+              <a:defRPr sz="1100" b="0" i="0" u="none" strike="noStrike" cap="none">
+                <a:solidFill>
+                  <a:schemeClr val="lt1"/>
+                </a:solidFill>
+                <a:latin typeface="Lato"/>
+                <a:ea typeface="Lato"/>
+                <a:cs typeface="Lato"/>
+                <a:sym typeface="Lato"/>
+              </a:defRPr>
+            </a:lvl4pPr>
+            <a:lvl5pPr marL="2286000" marR="0" lvl="4" indent="-298450" algn="l" rtl="0">
+              <a:lnSpc>
+                <a:spcPct val="115000"/>
+              </a:lnSpc>
+              <a:spcBef>
+                <a:spcPts val="0"/>
+              </a:spcBef>
+              <a:spcAft>
+                <a:spcPts val="0"/>
+              </a:spcAft>
+              <a:buClr>
+                <a:schemeClr val="lt1"/>
+              </a:buClr>
+              <a:buSzPts val="1100"/>
+              <a:buFont typeface="Lato"/>
+              <a:buChar char="○"/>
+              <a:defRPr sz="1100" b="0" i="0" u="none" strike="noStrike" cap="none">
+                <a:solidFill>
+                  <a:schemeClr val="lt1"/>
+                </a:solidFill>
+                <a:latin typeface="Lato"/>
+                <a:ea typeface="Lato"/>
+                <a:cs typeface="Lato"/>
+                <a:sym typeface="Lato"/>
+              </a:defRPr>
+            </a:lvl5pPr>
+            <a:lvl6pPr marL="2743200" marR="0" lvl="5" indent="-298450" algn="l" rtl="0">
+              <a:lnSpc>
+                <a:spcPct val="115000"/>
+              </a:lnSpc>
+              <a:spcBef>
+                <a:spcPts val="0"/>
+              </a:spcBef>
+              <a:spcAft>
+                <a:spcPts val="0"/>
+              </a:spcAft>
+              <a:buClr>
+                <a:schemeClr val="lt1"/>
+              </a:buClr>
+              <a:buSzPts val="1100"/>
+              <a:buFont typeface="Lato"/>
+              <a:buChar char="■"/>
+              <a:defRPr sz="1100" b="0" i="0" u="none" strike="noStrike" cap="none">
+                <a:solidFill>
+                  <a:schemeClr val="lt1"/>
+                </a:solidFill>
+                <a:latin typeface="Lato"/>
+                <a:ea typeface="Lato"/>
+                <a:cs typeface="Lato"/>
+                <a:sym typeface="Lato"/>
+              </a:defRPr>
+            </a:lvl6pPr>
+            <a:lvl7pPr marL="3200400" marR="0" lvl="6" indent="-298450" algn="l" rtl="0">
+              <a:lnSpc>
+                <a:spcPct val="115000"/>
+              </a:lnSpc>
+              <a:spcBef>
+                <a:spcPts val="0"/>
+              </a:spcBef>
+              <a:spcAft>
+                <a:spcPts val="0"/>
+              </a:spcAft>
+              <a:buClr>
+                <a:schemeClr val="lt1"/>
+              </a:buClr>
+              <a:buSzPts val="1100"/>
+              <a:buFont typeface="Lato"/>
+              <a:buChar char="●"/>
+              <a:defRPr sz="1100" b="0" i="0" u="none" strike="noStrike" cap="none">
+                <a:solidFill>
+                  <a:schemeClr val="lt1"/>
+                </a:solidFill>
+                <a:latin typeface="Lato"/>
+                <a:ea typeface="Lato"/>
+                <a:cs typeface="Lato"/>
+                <a:sym typeface="Lato"/>
+              </a:defRPr>
+            </a:lvl7pPr>
+            <a:lvl8pPr marL="3657600" marR="0" lvl="7" indent="-298450" algn="l" rtl="0">
+              <a:lnSpc>
+                <a:spcPct val="115000"/>
+              </a:lnSpc>
+              <a:spcBef>
+                <a:spcPts val="0"/>
+              </a:spcBef>
+              <a:spcAft>
+                <a:spcPts val="0"/>
+              </a:spcAft>
+              <a:buClr>
+                <a:schemeClr val="lt1"/>
+              </a:buClr>
+              <a:buSzPts val="1100"/>
+              <a:buFont typeface="Lato"/>
+              <a:buChar char="○"/>
+              <a:defRPr sz="1100" b="0" i="0" u="none" strike="noStrike" cap="none">
+                <a:solidFill>
+                  <a:schemeClr val="lt1"/>
+                </a:solidFill>
+                <a:latin typeface="Lato"/>
+                <a:ea typeface="Lato"/>
+                <a:cs typeface="Lato"/>
+                <a:sym typeface="Lato"/>
+              </a:defRPr>
+            </a:lvl8pPr>
+            <a:lvl9pPr marL="4114800" marR="0" lvl="8" indent="-298450" algn="l" rtl="0">
+              <a:lnSpc>
+                <a:spcPct val="115000"/>
+              </a:lnSpc>
+              <a:spcBef>
+                <a:spcPts val="0"/>
+              </a:spcBef>
+              <a:spcAft>
+                <a:spcPts val="0"/>
+              </a:spcAft>
+              <a:buClr>
+                <a:schemeClr val="lt1"/>
+              </a:buClr>
+              <a:buSzPts val="1100"/>
+              <a:buFont typeface="Lato"/>
+              <a:buChar char="■"/>
+              <a:defRPr sz="1100" b="0" i="0" u="none" strike="noStrike" cap="none">
+                <a:solidFill>
+                  <a:schemeClr val="lt1"/>
+                </a:solidFill>
+                <a:latin typeface="Lato"/>
+                <a:ea typeface="Lato"/>
+                <a:cs typeface="Lato"/>
+                <a:sym typeface="Lato"/>
+              </a:defRPr>
+            </a:lvl9pPr>
+          </a:lstStyle>
+          <a:p>
+            <a:pPr marL="0" indent="0">
+              <a:spcAft>
+                <a:spcPts val="1200"/>
+              </a:spcAft>
+              <a:buFont typeface="Lato"/>
+              <a:buNone/>
+            </a:pPr>
+            <a:r>
+              <a:rPr lang="en-US" sz="2800" dirty="0" err="1"/>
+              <a:t>cy.</a:t>
+            </a:r>
+            <a:r>
+              <a:rPr lang="en-US" sz="2800" dirty="0" err="1">
+                <a:solidFill>
+                  <a:schemeClr val="tx2">
+                    <a:lumMod val="75000"/>
+                  </a:schemeClr>
+                </a:solidFill>
+              </a:rPr>
+              <a:t>get</a:t>
+            </a:r>
+            <a:r>
+              <a:rPr lang="en-US" sz="2800" dirty="0"/>
+              <a:t>(</a:t>
+            </a:r>
+            <a:r>
+              <a:rPr lang="en-US" sz="2800" dirty="0">
+                <a:solidFill>
+                  <a:schemeClr val="accent1">
+                    <a:lumMod val="40000"/>
+                    <a:lumOff val="60000"/>
+                  </a:schemeClr>
+                </a:solidFill>
+              </a:rPr>
+              <a:t>selector</a:t>
+            </a:r>
+            <a:r>
+              <a:rPr lang="en-US" sz="2800" dirty="0"/>
+              <a:t>).</a:t>
+            </a:r>
+            <a:r>
+              <a:rPr lang="en-US" sz="2800" dirty="0">
+                <a:solidFill>
+                  <a:srgbClr val="FFFF00"/>
+                </a:solidFill>
+              </a:rPr>
+              <a:t>clear()</a:t>
+            </a:r>
+          </a:p>
+          <a:p>
+            <a:pPr marL="0" indent="0">
+              <a:spcAft>
+                <a:spcPts val="1200"/>
+              </a:spcAft>
+              <a:buNone/>
+            </a:pPr>
+            <a:r>
+              <a:rPr lang="en-US" sz="2800" dirty="0" err="1"/>
+              <a:t>cy.</a:t>
+            </a:r>
+            <a:r>
+              <a:rPr lang="en-US" sz="2800" dirty="0" err="1">
+                <a:solidFill>
+                  <a:schemeClr val="tx2">
+                    <a:lumMod val="75000"/>
+                  </a:schemeClr>
+                </a:solidFill>
+              </a:rPr>
+              <a:t>get</a:t>
+            </a:r>
+            <a:r>
+              <a:rPr lang="en-US" sz="2800" dirty="0"/>
+              <a:t>(</a:t>
+            </a:r>
+            <a:r>
+              <a:rPr lang="en-US" sz="2800" dirty="0">
+                <a:solidFill>
+                  <a:schemeClr val="accent1">
+                    <a:lumMod val="40000"/>
+                    <a:lumOff val="60000"/>
+                  </a:schemeClr>
+                </a:solidFill>
+              </a:rPr>
+              <a:t>selector</a:t>
+            </a:r>
+            <a:r>
+              <a:rPr lang="en-US" sz="2800" dirty="0"/>
+              <a:t>).</a:t>
+            </a:r>
+            <a:r>
+              <a:rPr lang="en-US" sz="2800" dirty="0">
+                <a:solidFill>
+                  <a:srgbClr val="FFFF00"/>
+                </a:solidFill>
+              </a:rPr>
+              <a:t>type(“</a:t>
+            </a:r>
+            <a:r>
+              <a:rPr lang="en-US" sz="2800" dirty="0">
+                <a:solidFill>
+                  <a:schemeClr val="accent1">
+                    <a:lumMod val="40000"/>
+                    <a:lumOff val="60000"/>
+                  </a:schemeClr>
+                </a:solidFill>
+              </a:rPr>
+              <a:t>{</a:t>
+            </a:r>
+            <a:r>
+              <a:rPr lang="en-US" sz="2800" dirty="0" err="1">
+                <a:solidFill>
+                  <a:schemeClr val="accent1">
+                    <a:lumMod val="40000"/>
+                    <a:lumOff val="60000"/>
+                  </a:schemeClr>
+                </a:solidFill>
+              </a:rPr>
+              <a:t>selectall</a:t>
+            </a:r>
+            <a:r>
+              <a:rPr lang="en-US" sz="2800" dirty="0">
+                <a:solidFill>
+                  <a:schemeClr val="accent1">
+                    <a:lumMod val="40000"/>
+                    <a:lumOff val="60000"/>
+                  </a:schemeClr>
+                </a:solidFill>
+              </a:rPr>
+              <a:t>}{del}</a:t>
+            </a:r>
+            <a:r>
+              <a:rPr lang="en-US" sz="2800" dirty="0">
+                <a:solidFill>
+                  <a:srgbClr val="FFFF00"/>
+                </a:solidFill>
+              </a:rPr>
+              <a:t>”)</a:t>
+            </a:r>
+          </a:p>
+          <a:p>
+            <a:pPr marL="0" indent="0">
+              <a:spcAft>
+                <a:spcPts val="1200"/>
+              </a:spcAft>
+              <a:buNone/>
+            </a:pPr>
+            <a:r>
+              <a:rPr lang="en-US" sz="2800" dirty="0" err="1"/>
+              <a:t>cy.</a:t>
+            </a:r>
+            <a:r>
+              <a:rPr lang="en-US" sz="2800" dirty="0" err="1">
+                <a:solidFill>
+                  <a:schemeClr val="tx2">
+                    <a:lumMod val="75000"/>
+                  </a:schemeClr>
+                </a:solidFill>
+              </a:rPr>
+              <a:t>get</a:t>
+            </a:r>
+            <a:r>
+              <a:rPr lang="en-US" sz="2800" dirty="0"/>
+              <a:t>(</a:t>
+            </a:r>
+            <a:r>
+              <a:rPr lang="en-US" sz="2800" dirty="0">
+                <a:solidFill>
+                  <a:schemeClr val="accent1">
+                    <a:lumMod val="40000"/>
+                    <a:lumOff val="60000"/>
+                  </a:schemeClr>
+                </a:solidFill>
+              </a:rPr>
+              <a:t>selector</a:t>
+            </a:r>
+            <a:r>
+              <a:rPr lang="en-US" sz="2800" dirty="0"/>
+              <a:t>).</a:t>
+            </a:r>
+            <a:r>
+              <a:rPr lang="en-US" sz="2800" dirty="0">
+                <a:solidFill>
+                  <a:srgbClr val="FFFF00"/>
+                </a:solidFill>
+              </a:rPr>
+              <a:t>type(“</a:t>
+            </a:r>
+            <a:r>
+              <a:rPr lang="en-US" sz="2800" dirty="0">
+                <a:solidFill>
+                  <a:schemeClr val="accent1">
+                    <a:lumMod val="40000"/>
+                    <a:lumOff val="60000"/>
+                  </a:schemeClr>
+                </a:solidFill>
+              </a:rPr>
+              <a:t>{</a:t>
+            </a:r>
+            <a:r>
+              <a:rPr lang="en-US" sz="2800" dirty="0" err="1">
+                <a:solidFill>
+                  <a:schemeClr val="accent1">
+                    <a:lumMod val="40000"/>
+                    <a:lumOff val="60000"/>
+                  </a:schemeClr>
+                </a:solidFill>
+              </a:rPr>
+              <a:t>selectall</a:t>
+            </a:r>
+            <a:r>
+              <a:rPr lang="en-US" sz="2800" dirty="0">
+                <a:solidFill>
+                  <a:schemeClr val="accent1">
+                    <a:lumMod val="40000"/>
+                    <a:lumOff val="60000"/>
+                  </a:schemeClr>
+                </a:solidFill>
+              </a:rPr>
+              <a:t>}{backspace}</a:t>
+            </a:r>
+            <a:r>
+              <a:rPr lang="en-US" sz="2800" dirty="0">
+                <a:solidFill>
+                  <a:srgbClr val="FFFF00"/>
+                </a:solidFill>
+              </a:rPr>
+              <a:t>”)</a:t>
+            </a:r>
+          </a:p>
+          <a:p>
+            <a:pPr marL="0" indent="0">
+              <a:spcAft>
+                <a:spcPts val="1200"/>
+              </a:spcAft>
+              <a:buNone/>
+            </a:pPr>
+            <a:r>
+              <a:rPr lang="en-US" sz="2800" dirty="0" err="1"/>
+              <a:t>cy.</a:t>
+            </a:r>
+            <a:r>
+              <a:rPr lang="en-US" sz="2800" dirty="0" err="1">
+                <a:solidFill>
+                  <a:schemeClr val="tx2">
+                    <a:lumMod val="75000"/>
+                  </a:schemeClr>
+                </a:solidFill>
+              </a:rPr>
+              <a:t>get</a:t>
+            </a:r>
+            <a:r>
+              <a:rPr lang="en-US" sz="2800" dirty="0"/>
+              <a:t>(</a:t>
+            </a:r>
+            <a:r>
+              <a:rPr lang="en-US" sz="2800" dirty="0">
+                <a:solidFill>
+                  <a:schemeClr val="accent1">
+                    <a:lumMod val="40000"/>
+                    <a:lumOff val="60000"/>
+                  </a:schemeClr>
+                </a:solidFill>
+              </a:rPr>
+              <a:t>selector</a:t>
+            </a:r>
+            <a:r>
+              <a:rPr lang="en-US" sz="2800" dirty="0"/>
+              <a:t>).</a:t>
+            </a:r>
+            <a:r>
+              <a:rPr lang="en-US" sz="2800" dirty="0" err="1">
+                <a:solidFill>
+                  <a:srgbClr val="FFFF00"/>
+                </a:solidFill>
+              </a:rPr>
+              <a:t>realPress</a:t>
+            </a:r>
+            <a:r>
+              <a:rPr lang="en-US" sz="2800" dirty="0">
+                <a:solidFill>
+                  <a:srgbClr val="FFFF00"/>
+                </a:solidFill>
+              </a:rPr>
+              <a:t>(“</a:t>
+            </a:r>
+            <a:r>
+              <a:rPr lang="en-US" sz="2800" dirty="0">
+                <a:solidFill>
+                  <a:schemeClr val="accent1">
+                    <a:lumMod val="40000"/>
+                    <a:lumOff val="60000"/>
+                  </a:schemeClr>
+                </a:solidFill>
+              </a:rPr>
+              <a:t>[‘Control’, ‘A’, ‘Del’]</a:t>
+            </a:r>
+            <a:r>
+              <a:rPr lang="en-US" sz="2800" dirty="0">
+                <a:solidFill>
+                  <a:srgbClr val="FFFF00"/>
+                </a:solidFill>
+              </a:rPr>
+              <a:t>”)</a:t>
+            </a:r>
+          </a:p>
+          <a:p>
+            <a:pPr marL="0" indent="0">
+              <a:spcAft>
+                <a:spcPts val="1200"/>
+              </a:spcAft>
+              <a:buNone/>
+            </a:pPr>
+            <a:endParaRPr lang="en-US" sz="2800" dirty="0">
+              <a:solidFill>
+                <a:srgbClr val="FFFF00"/>
+              </a:solidFill>
+            </a:endParaRPr>
+          </a:p>
+          <a:p>
+            <a:pPr marL="0" indent="0">
+              <a:spcAft>
+                <a:spcPts val="1200"/>
+              </a:spcAft>
+              <a:buNone/>
+            </a:pPr>
+            <a:endParaRPr lang="en-US" sz="2800" dirty="0">
+              <a:solidFill>
+                <a:schemeClr val="bg1">
+                  <a:lumMod val="65000"/>
+                </a:schemeClr>
+              </a:solidFill>
+            </a:endParaRPr>
+          </a:p>
+          <a:p>
+            <a:pPr marL="0" indent="0">
+              <a:spcAft>
+                <a:spcPts val="1200"/>
+              </a:spcAft>
+              <a:buFont typeface="Lato"/>
+              <a:buNone/>
+            </a:pPr>
+            <a:endParaRPr lang="en-US" sz="2800" dirty="0">
+              <a:solidFill>
+                <a:srgbClr val="FFFF00"/>
+              </a:solidFill>
+            </a:endParaRPr>
+          </a:p>
+        </p:txBody>
+      </p:sp>
+      <p:sp>
+        <p:nvSpPr>
+          <p:cNvPr id="14" name="Google Shape;141;p14">
+            <a:extLst>
+              <a:ext uri="{FF2B5EF4-FFF2-40B4-BE49-F238E27FC236}">
+                <a16:creationId xmlns:a16="http://schemas.microsoft.com/office/drawing/2014/main" id="{E4A9282C-A9C1-40B4-82A6-92C2A75FA29E}"/>
+              </a:ext>
+            </a:extLst>
+          </p:cNvPr>
+          <p:cNvSpPr txBox="1">
+            <a:spLocks/>
+          </p:cNvSpPr>
+          <p:nvPr/>
+        </p:nvSpPr>
+        <p:spPr>
+          <a:xfrm>
+            <a:off x="521151" y="1629753"/>
+            <a:ext cx="8503953" cy="945931"/>
+          </a:xfrm>
+          <a:prstGeom prst="rect">
+            <a:avLst/>
+          </a:prstGeom>
+          <a:noFill/>
+          <a:ln>
+            <a:noFill/>
+          </a:ln>
+        </p:spPr>
+        <p:txBody>
+          <a:bodyPr spcFirstLastPara="1" wrap="square" lIns="91425" tIns="91425" rIns="91425" bIns="91425" numCol="1" anchor="t" anchorCtr="0">
+            <a:normAutofit/>
+          </a:bodyPr>
+          <a:lstStyle>
+            <a:defPPr marR="0" lvl="0" algn="l" rtl="0">
+              <a:lnSpc>
+                <a:spcPct val="100000"/>
+              </a:lnSpc>
+              <a:spcBef>
+                <a:spcPts val="0"/>
+              </a:spcBef>
+              <a:spcAft>
+                <a:spcPts val="0"/>
+              </a:spcAft>
+            </a:defPPr>
+            <a:lvl1pPr marL="457200" marR="0" lvl="0" indent="-311150" algn="l" rtl="0">
+              <a:lnSpc>
+                <a:spcPct val="115000"/>
+              </a:lnSpc>
+              <a:spcBef>
+                <a:spcPts val="0"/>
+              </a:spcBef>
+              <a:spcAft>
+                <a:spcPts val="0"/>
+              </a:spcAft>
+              <a:buClr>
+                <a:schemeClr val="lt1"/>
+              </a:buClr>
+              <a:buSzPts val="1300"/>
+              <a:buFont typeface="Lato"/>
+              <a:buChar char="●"/>
+              <a:defRPr sz="1300" b="0" i="0" u="none" strike="noStrike" cap="none">
+                <a:solidFill>
+                  <a:schemeClr val="lt1"/>
+                </a:solidFill>
+                <a:latin typeface="Lato"/>
+                <a:ea typeface="Lato"/>
+                <a:cs typeface="Lato"/>
+                <a:sym typeface="Lato"/>
+              </a:defRPr>
+            </a:lvl1pPr>
+            <a:lvl2pPr marL="914400" marR="0" lvl="1" indent="-298450" algn="l" rtl="0">
+              <a:lnSpc>
+                <a:spcPct val="115000"/>
+              </a:lnSpc>
+              <a:spcBef>
+                <a:spcPts val="0"/>
+              </a:spcBef>
+              <a:spcAft>
+                <a:spcPts val="0"/>
+              </a:spcAft>
+              <a:buClr>
+                <a:schemeClr val="lt1"/>
+              </a:buClr>
+              <a:buSzPts val="1100"/>
+              <a:buFont typeface="Lato"/>
+              <a:buChar char="○"/>
+              <a:defRPr sz="1100" b="0" i="0" u="none" strike="noStrike" cap="none">
+                <a:solidFill>
+                  <a:schemeClr val="lt1"/>
+                </a:solidFill>
+                <a:latin typeface="Lato"/>
+                <a:ea typeface="Lato"/>
+                <a:cs typeface="Lato"/>
+                <a:sym typeface="Lato"/>
+              </a:defRPr>
+            </a:lvl2pPr>
+            <a:lvl3pPr marL="1371600" marR="0" lvl="2" indent="-298450" algn="l" rtl="0">
+              <a:lnSpc>
+                <a:spcPct val="115000"/>
+              </a:lnSpc>
+              <a:spcBef>
+                <a:spcPts val="0"/>
+              </a:spcBef>
+              <a:spcAft>
+                <a:spcPts val="0"/>
+              </a:spcAft>
+              <a:buClr>
+                <a:schemeClr val="lt1"/>
+              </a:buClr>
+              <a:buSzPts val="1100"/>
+              <a:buFont typeface="Lato"/>
+              <a:buChar char="■"/>
+              <a:defRPr sz="1100" b="0" i="0" u="none" strike="noStrike" cap="none">
+                <a:solidFill>
+                  <a:schemeClr val="lt1"/>
+                </a:solidFill>
+                <a:latin typeface="Lato"/>
+                <a:ea typeface="Lato"/>
+                <a:cs typeface="Lato"/>
+                <a:sym typeface="Lato"/>
+              </a:defRPr>
+            </a:lvl3pPr>
+            <a:lvl4pPr marL="1828800" marR="0" lvl="3" indent="-298450" algn="l" rtl="0">
+              <a:lnSpc>
+                <a:spcPct val="115000"/>
+              </a:lnSpc>
+              <a:spcBef>
+                <a:spcPts val="0"/>
+              </a:spcBef>
+              <a:spcAft>
+                <a:spcPts val="0"/>
+              </a:spcAft>
+              <a:buClr>
+                <a:schemeClr val="lt1"/>
+              </a:buClr>
+              <a:buSzPts val="1100"/>
+              <a:buFont typeface="Lato"/>
+              <a:buChar char="●"/>
+              <a:defRPr sz="1100" b="0" i="0" u="none" strike="noStrike" cap="none">
+                <a:solidFill>
+                  <a:schemeClr val="lt1"/>
+                </a:solidFill>
+                <a:latin typeface="Lato"/>
+                <a:ea typeface="Lato"/>
+                <a:cs typeface="Lato"/>
+                <a:sym typeface="Lato"/>
+              </a:defRPr>
+            </a:lvl4pPr>
+            <a:lvl5pPr marL="2286000" marR="0" lvl="4" indent="-298450" algn="l" rtl="0">
+              <a:lnSpc>
+                <a:spcPct val="115000"/>
+              </a:lnSpc>
+              <a:spcBef>
+                <a:spcPts val="0"/>
+              </a:spcBef>
+              <a:spcAft>
+                <a:spcPts val="0"/>
+              </a:spcAft>
+              <a:buClr>
+                <a:schemeClr val="lt1"/>
+              </a:buClr>
+              <a:buSzPts val="1100"/>
+              <a:buFont typeface="Lato"/>
+              <a:buChar char="○"/>
+              <a:defRPr sz="1100" b="0" i="0" u="none" strike="noStrike" cap="none">
+                <a:solidFill>
+                  <a:schemeClr val="lt1"/>
+                </a:solidFill>
+                <a:latin typeface="Lato"/>
+                <a:ea typeface="Lato"/>
+                <a:cs typeface="Lato"/>
+                <a:sym typeface="Lato"/>
+              </a:defRPr>
+            </a:lvl5pPr>
+            <a:lvl6pPr marL="2743200" marR="0" lvl="5" indent="-298450" algn="l" rtl="0">
+              <a:lnSpc>
+                <a:spcPct val="115000"/>
+              </a:lnSpc>
+              <a:spcBef>
+                <a:spcPts val="0"/>
+              </a:spcBef>
+              <a:spcAft>
+                <a:spcPts val="0"/>
+              </a:spcAft>
+              <a:buClr>
+                <a:schemeClr val="lt1"/>
+              </a:buClr>
+              <a:buSzPts val="1100"/>
+              <a:buFont typeface="Lato"/>
+              <a:buChar char="■"/>
+              <a:defRPr sz="1100" b="0" i="0" u="none" strike="noStrike" cap="none">
+                <a:solidFill>
+                  <a:schemeClr val="lt1"/>
+                </a:solidFill>
+                <a:latin typeface="Lato"/>
+                <a:ea typeface="Lato"/>
+                <a:cs typeface="Lato"/>
+                <a:sym typeface="Lato"/>
+              </a:defRPr>
+            </a:lvl6pPr>
+            <a:lvl7pPr marL="3200400" marR="0" lvl="6" indent="-298450" algn="l" rtl="0">
+              <a:lnSpc>
+                <a:spcPct val="115000"/>
+              </a:lnSpc>
+              <a:spcBef>
+                <a:spcPts val="0"/>
+              </a:spcBef>
+              <a:spcAft>
+                <a:spcPts val="0"/>
+              </a:spcAft>
+              <a:buClr>
+                <a:schemeClr val="lt1"/>
+              </a:buClr>
+              <a:buSzPts val="1100"/>
+              <a:buFont typeface="Lato"/>
+              <a:buChar char="●"/>
+              <a:defRPr sz="1100" b="0" i="0" u="none" strike="noStrike" cap="none">
+                <a:solidFill>
+                  <a:schemeClr val="lt1"/>
+                </a:solidFill>
+                <a:latin typeface="Lato"/>
+                <a:ea typeface="Lato"/>
+                <a:cs typeface="Lato"/>
+                <a:sym typeface="Lato"/>
+              </a:defRPr>
+            </a:lvl7pPr>
+            <a:lvl8pPr marL="3657600" marR="0" lvl="7" indent="-298450" algn="l" rtl="0">
+              <a:lnSpc>
+                <a:spcPct val="115000"/>
+              </a:lnSpc>
+              <a:spcBef>
+                <a:spcPts val="0"/>
+              </a:spcBef>
+              <a:spcAft>
+                <a:spcPts val="0"/>
+              </a:spcAft>
+              <a:buClr>
+                <a:schemeClr val="lt1"/>
+              </a:buClr>
+              <a:buSzPts val="1100"/>
+              <a:buFont typeface="Lato"/>
+              <a:buChar char="○"/>
+              <a:defRPr sz="1100" b="0" i="0" u="none" strike="noStrike" cap="none">
+                <a:solidFill>
+                  <a:schemeClr val="lt1"/>
+                </a:solidFill>
+                <a:latin typeface="Lato"/>
+                <a:ea typeface="Lato"/>
+                <a:cs typeface="Lato"/>
+                <a:sym typeface="Lato"/>
+              </a:defRPr>
+            </a:lvl8pPr>
+            <a:lvl9pPr marL="4114800" marR="0" lvl="8" indent="-298450" algn="l" rtl="0">
+              <a:lnSpc>
+                <a:spcPct val="115000"/>
+              </a:lnSpc>
+              <a:spcBef>
+                <a:spcPts val="0"/>
+              </a:spcBef>
+              <a:spcAft>
+                <a:spcPts val="0"/>
+              </a:spcAft>
+              <a:buClr>
+                <a:schemeClr val="lt1"/>
+              </a:buClr>
+              <a:buSzPts val="1100"/>
+              <a:buFont typeface="Lato"/>
+              <a:buChar char="■"/>
+              <a:defRPr sz="1100" b="0" i="0" u="none" strike="noStrike" cap="none">
+                <a:solidFill>
+                  <a:schemeClr val="lt1"/>
+                </a:solidFill>
+                <a:latin typeface="Lato"/>
+                <a:ea typeface="Lato"/>
+                <a:cs typeface="Lato"/>
+                <a:sym typeface="Lato"/>
+              </a:defRPr>
+            </a:lvl9pPr>
+          </a:lstStyle>
+          <a:p>
+            <a:pPr marL="0" indent="0">
+              <a:spcAft>
+                <a:spcPts val="1200"/>
+              </a:spcAft>
+              <a:buFont typeface="Lato"/>
+              <a:buNone/>
+            </a:pPr>
+            <a:r>
+              <a:rPr lang="en-US" sz="2400" b="1" dirty="0">
+                <a:solidFill>
+                  <a:schemeClr val="bg1"/>
+                </a:solidFill>
+              </a:rPr>
+              <a:t>Clear Input:</a:t>
+            </a:r>
+          </a:p>
+          <a:p>
+            <a:pPr marL="0" indent="0">
+              <a:spcAft>
+                <a:spcPts val="1200"/>
+              </a:spcAft>
+              <a:buFont typeface="Lato"/>
+              <a:buNone/>
+            </a:pPr>
+            <a:endParaRPr lang="en-US" sz="2400" dirty="0"/>
+          </a:p>
+        </p:txBody>
+      </p:sp>
+    </p:spTree>
+    <p:extLst>
+      <p:ext uri="{BB962C8B-B14F-4D97-AF65-F5344CB8AC3E}">
+        <p14:creationId xmlns:p14="http://schemas.microsoft.com/office/powerpoint/2010/main" val="3994997715"/>
+      </p:ext>
+    </p:extLst>
+  </p:cSld>
+  <p:clrMapOvr>
+    <a:masterClrMapping/>
+  </p:clrMapOvr>
+</p:sld>
+</file>
+
+<file path=ppt/slides/slide19.xml><?xml version="1.0" encoding="utf-8"?>
+<p:sld xmlns:a="http://schemas.openxmlformats.org/drawingml/2006/main" xmlns:r="http://schemas.openxmlformats.org/officeDocument/2006/relationships" xmlns:p="http://schemas.openxmlformats.org/presentationml/2006/main">
+  <p:cSld>
+    <p:spTree>
+      <p:nvGrpSpPr>
+        <p:cNvPr id="1" name="Shape 139"/>
+        <p:cNvGrpSpPr/>
+        <p:nvPr/>
+      </p:nvGrpSpPr>
+      <p:grpSpPr>
+        <a:xfrm>
+          <a:off x="0" y="0"/>
+          <a:ext cx="0" cy="0"/>
+          <a:chOff x="0" y="0"/>
+          <a:chExt cx="0" cy="0"/>
+        </a:xfrm>
+      </p:grpSpPr>
+      <p:sp>
+        <p:nvSpPr>
+          <p:cNvPr id="140" name="Google Shape;140;p14"/>
+          <p:cNvSpPr txBox="1">
+            <a:spLocks noGrp="1"/>
+          </p:cNvSpPr>
+          <p:nvPr>
+            <p:ph type="title"/>
+          </p:nvPr>
+        </p:nvSpPr>
+        <p:spPr>
+          <a:xfrm>
+            <a:off x="1153702" y="568961"/>
+            <a:ext cx="7038900" cy="914100"/>
+          </a:xfrm>
+          <a:prstGeom prst="rect">
+            <a:avLst/>
+          </a:prstGeom>
+        </p:spPr>
+        <p:txBody>
+          <a:bodyPr spcFirstLastPara="1" wrap="square" lIns="91425" tIns="91425" rIns="91425" bIns="91425" anchor="t" anchorCtr="0">
+            <a:normAutofit/>
+          </a:bodyPr>
+          <a:lstStyle/>
+          <a:p>
+            <a:pPr marL="0" lvl="0" indent="0" algn="l" rtl="0">
+              <a:spcBef>
+                <a:spcPts val="0"/>
+              </a:spcBef>
+              <a:spcAft>
+                <a:spcPts val="0"/>
+              </a:spcAft>
+              <a:buNone/>
+            </a:pPr>
+            <a:r>
+              <a:rPr lang="en-US" sz="3600" dirty="0">
+                <a:solidFill>
+                  <a:schemeClr val="bg1"/>
+                </a:solidFill>
+              </a:rPr>
+              <a:t>Keyboard Actions:</a:t>
+            </a:r>
+          </a:p>
+        </p:txBody>
+      </p:sp>
+      <p:sp>
+        <p:nvSpPr>
+          <p:cNvPr id="2" name="Slide Number Placeholder 1">
+            <a:extLst>
+              <a:ext uri="{FF2B5EF4-FFF2-40B4-BE49-F238E27FC236}">
+                <a16:creationId xmlns:a16="http://schemas.microsoft.com/office/drawing/2014/main" id="{E210FEB3-249A-48B7-B381-C0C9B9BD4725}"/>
+              </a:ext>
+            </a:extLst>
+          </p:cNvPr>
+          <p:cNvSpPr>
+            <a:spLocks noGrp="1"/>
+          </p:cNvSpPr>
+          <p:nvPr>
+            <p:ph type="sldNum" idx="12"/>
+          </p:nvPr>
+        </p:nvSpPr>
+        <p:spPr>
+          <a:xfrm>
+            <a:off x="8571849" y="4527382"/>
+            <a:ext cx="548700" cy="393600"/>
+          </a:xfrm>
+        </p:spPr>
+        <p:txBody>
+          <a:bodyPr/>
+          <a:lstStyle/>
+          <a:p>
+            <a:pPr marL="0" lvl="0" indent="0" algn="r" rtl="0">
+              <a:spcBef>
+                <a:spcPts val="0"/>
+              </a:spcBef>
+              <a:spcAft>
+                <a:spcPts val="0"/>
+              </a:spcAft>
+              <a:buNone/>
+            </a:pPr>
+            <a:fld id="{00000000-1234-1234-1234-123412341234}" type="slidenum">
+              <a:rPr lang="en" smtClean="0"/>
+              <a:t>19</a:t>
+            </a:fld>
+            <a:endParaRPr lang="en"/>
+          </a:p>
+        </p:txBody>
+      </p:sp>
+      <p:sp>
+        <p:nvSpPr>
+          <p:cNvPr id="11" name="Google Shape;141;p14">
+            <a:extLst>
+              <a:ext uri="{FF2B5EF4-FFF2-40B4-BE49-F238E27FC236}">
+                <a16:creationId xmlns:a16="http://schemas.microsoft.com/office/drawing/2014/main" id="{0E031760-E77B-4213-A6DF-274D9208E79A}"/>
+              </a:ext>
+            </a:extLst>
+          </p:cNvPr>
+          <p:cNvSpPr txBox="1">
+            <a:spLocks/>
+          </p:cNvSpPr>
+          <p:nvPr/>
+        </p:nvSpPr>
+        <p:spPr>
+          <a:xfrm>
+            <a:off x="1143207" y="2192407"/>
+            <a:ext cx="7172739" cy="758686"/>
+          </a:xfrm>
+          <a:prstGeom prst="rect">
+            <a:avLst/>
+          </a:prstGeom>
+          <a:noFill/>
+          <a:ln>
+            <a:noFill/>
+          </a:ln>
+        </p:spPr>
+        <p:txBody>
+          <a:bodyPr spcFirstLastPara="1" wrap="square" lIns="91425" tIns="91425" rIns="91425" bIns="91425" numCol="1" anchor="t" anchorCtr="0">
+            <a:normAutofit fontScale="92500" lnSpcReduction="10000"/>
+          </a:bodyPr>
+          <a:lstStyle>
+            <a:defPPr marR="0" lvl="0" algn="l" rtl="0">
+              <a:lnSpc>
+                <a:spcPct val="100000"/>
+              </a:lnSpc>
+              <a:spcBef>
+                <a:spcPts val="0"/>
+              </a:spcBef>
+              <a:spcAft>
+                <a:spcPts val="0"/>
+              </a:spcAft>
+            </a:defPPr>
+            <a:lvl1pPr marL="457200" marR="0" lvl="0" indent="-311150" algn="l" rtl="0">
+              <a:lnSpc>
+                <a:spcPct val="115000"/>
+              </a:lnSpc>
+              <a:spcBef>
+                <a:spcPts val="0"/>
+              </a:spcBef>
+              <a:spcAft>
+                <a:spcPts val="0"/>
+              </a:spcAft>
+              <a:buClr>
+                <a:schemeClr val="lt1"/>
+              </a:buClr>
+              <a:buSzPts val="1300"/>
+              <a:buFont typeface="Lato"/>
+              <a:buChar char="●"/>
+              <a:defRPr sz="1300" b="0" i="0" u="none" strike="noStrike" cap="none">
+                <a:solidFill>
+                  <a:schemeClr val="lt1"/>
+                </a:solidFill>
+                <a:latin typeface="Lato"/>
+                <a:ea typeface="Lato"/>
+                <a:cs typeface="Lato"/>
+                <a:sym typeface="Lato"/>
+              </a:defRPr>
+            </a:lvl1pPr>
+            <a:lvl2pPr marL="914400" marR="0" lvl="1" indent="-298450" algn="l" rtl="0">
+              <a:lnSpc>
+                <a:spcPct val="115000"/>
+              </a:lnSpc>
+              <a:spcBef>
+                <a:spcPts val="0"/>
+              </a:spcBef>
+              <a:spcAft>
+                <a:spcPts val="0"/>
+              </a:spcAft>
+              <a:buClr>
+                <a:schemeClr val="lt1"/>
+              </a:buClr>
+              <a:buSzPts val="1100"/>
+              <a:buFont typeface="Lato"/>
+              <a:buChar char="○"/>
+              <a:defRPr sz="1100" b="0" i="0" u="none" strike="noStrike" cap="none">
+                <a:solidFill>
+                  <a:schemeClr val="lt1"/>
+                </a:solidFill>
+                <a:latin typeface="Lato"/>
+                <a:ea typeface="Lato"/>
+                <a:cs typeface="Lato"/>
+                <a:sym typeface="Lato"/>
+              </a:defRPr>
+            </a:lvl2pPr>
+            <a:lvl3pPr marL="1371600" marR="0" lvl="2" indent="-298450" algn="l" rtl="0">
+              <a:lnSpc>
+                <a:spcPct val="115000"/>
+              </a:lnSpc>
+              <a:spcBef>
+                <a:spcPts val="0"/>
+              </a:spcBef>
+              <a:spcAft>
+                <a:spcPts val="0"/>
+              </a:spcAft>
+              <a:buClr>
+                <a:schemeClr val="lt1"/>
+              </a:buClr>
+              <a:buSzPts val="1100"/>
+              <a:buFont typeface="Lato"/>
+              <a:buChar char="■"/>
+              <a:defRPr sz="1100" b="0" i="0" u="none" strike="noStrike" cap="none">
+                <a:solidFill>
+                  <a:schemeClr val="lt1"/>
+                </a:solidFill>
+                <a:latin typeface="Lato"/>
+                <a:ea typeface="Lato"/>
+                <a:cs typeface="Lato"/>
+                <a:sym typeface="Lato"/>
+              </a:defRPr>
+            </a:lvl3pPr>
+            <a:lvl4pPr marL="1828800" marR="0" lvl="3" indent="-298450" algn="l" rtl="0">
+              <a:lnSpc>
+                <a:spcPct val="115000"/>
+              </a:lnSpc>
+              <a:spcBef>
+                <a:spcPts val="0"/>
+              </a:spcBef>
+              <a:spcAft>
+                <a:spcPts val="0"/>
+              </a:spcAft>
+              <a:buClr>
+                <a:schemeClr val="lt1"/>
+              </a:buClr>
+              <a:buSzPts val="1100"/>
+              <a:buFont typeface="Lato"/>
+              <a:buChar char="●"/>
+              <a:defRPr sz="1100" b="0" i="0" u="none" strike="noStrike" cap="none">
+                <a:solidFill>
+                  <a:schemeClr val="lt1"/>
+                </a:solidFill>
+                <a:latin typeface="Lato"/>
+                <a:ea typeface="Lato"/>
+                <a:cs typeface="Lato"/>
+                <a:sym typeface="Lato"/>
+              </a:defRPr>
+            </a:lvl4pPr>
+            <a:lvl5pPr marL="2286000" marR="0" lvl="4" indent="-298450" algn="l" rtl="0">
+              <a:lnSpc>
+                <a:spcPct val="115000"/>
+              </a:lnSpc>
+              <a:spcBef>
+                <a:spcPts val="0"/>
+              </a:spcBef>
+              <a:spcAft>
+                <a:spcPts val="0"/>
+              </a:spcAft>
+              <a:buClr>
+                <a:schemeClr val="lt1"/>
+              </a:buClr>
+              <a:buSzPts val="1100"/>
+              <a:buFont typeface="Lato"/>
+              <a:buChar char="○"/>
+              <a:defRPr sz="1100" b="0" i="0" u="none" strike="noStrike" cap="none">
+                <a:solidFill>
+                  <a:schemeClr val="lt1"/>
+                </a:solidFill>
+                <a:latin typeface="Lato"/>
+                <a:ea typeface="Lato"/>
+                <a:cs typeface="Lato"/>
+                <a:sym typeface="Lato"/>
+              </a:defRPr>
+            </a:lvl5pPr>
+            <a:lvl6pPr marL="2743200" marR="0" lvl="5" indent="-298450" algn="l" rtl="0">
+              <a:lnSpc>
+                <a:spcPct val="115000"/>
+              </a:lnSpc>
+              <a:spcBef>
+                <a:spcPts val="0"/>
+              </a:spcBef>
+              <a:spcAft>
+                <a:spcPts val="0"/>
+              </a:spcAft>
+              <a:buClr>
+                <a:schemeClr val="lt1"/>
+              </a:buClr>
+              <a:buSzPts val="1100"/>
+              <a:buFont typeface="Lato"/>
+              <a:buChar char="■"/>
+              <a:defRPr sz="1100" b="0" i="0" u="none" strike="noStrike" cap="none">
+                <a:solidFill>
+                  <a:schemeClr val="lt1"/>
+                </a:solidFill>
+                <a:latin typeface="Lato"/>
+                <a:ea typeface="Lato"/>
+                <a:cs typeface="Lato"/>
+                <a:sym typeface="Lato"/>
+              </a:defRPr>
+            </a:lvl6pPr>
+            <a:lvl7pPr marL="3200400" marR="0" lvl="6" indent="-298450" algn="l" rtl="0">
+              <a:lnSpc>
+                <a:spcPct val="115000"/>
+              </a:lnSpc>
+              <a:spcBef>
+                <a:spcPts val="0"/>
+              </a:spcBef>
+              <a:spcAft>
+                <a:spcPts val="0"/>
+              </a:spcAft>
+              <a:buClr>
+                <a:schemeClr val="lt1"/>
+              </a:buClr>
+              <a:buSzPts val="1100"/>
+              <a:buFont typeface="Lato"/>
+              <a:buChar char="●"/>
+              <a:defRPr sz="1100" b="0" i="0" u="none" strike="noStrike" cap="none">
+                <a:solidFill>
+                  <a:schemeClr val="lt1"/>
+                </a:solidFill>
+                <a:latin typeface="Lato"/>
+                <a:ea typeface="Lato"/>
+                <a:cs typeface="Lato"/>
+                <a:sym typeface="Lato"/>
+              </a:defRPr>
+            </a:lvl7pPr>
+            <a:lvl8pPr marL="3657600" marR="0" lvl="7" indent="-298450" algn="l" rtl="0">
+              <a:lnSpc>
+                <a:spcPct val="115000"/>
+              </a:lnSpc>
+              <a:spcBef>
+                <a:spcPts val="0"/>
+              </a:spcBef>
+              <a:spcAft>
+                <a:spcPts val="0"/>
+              </a:spcAft>
+              <a:buClr>
+                <a:schemeClr val="lt1"/>
+              </a:buClr>
+              <a:buSzPts val="1100"/>
+              <a:buFont typeface="Lato"/>
+              <a:buChar char="○"/>
+              <a:defRPr sz="1100" b="0" i="0" u="none" strike="noStrike" cap="none">
+                <a:solidFill>
+                  <a:schemeClr val="lt1"/>
+                </a:solidFill>
+                <a:latin typeface="Lato"/>
+                <a:ea typeface="Lato"/>
+                <a:cs typeface="Lato"/>
+                <a:sym typeface="Lato"/>
+              </a:defRPr>
+            </a:lvl8pPr>
+            <a:lvl9pPr marL="4114800" marR="0" lvl="8" indent="-298450" algn="l" rtl="0">
+              <a:lnSpc>
+                <a:spcPct val="115000"/>
+              </a:lnSpc>
+              <a:spcBef>
+                <a:spcPts val="0"/>
+              </a:spcBef>
+              <a:spcAft>
+                <a:spcPts val="0"/>
+              </a:spcAft>
+              <a:buClr>
+                <a:schemeClr val="lt1"/>
+              </a:buClr>
+              <a:buSzPts val="1100"/>
+              <a:buFont typeface="Lato"/>
+              <a:buChar char="■"/>
+              <a:defRPr sz="1100" b="0" i="0" u="none" strike="noStrike" cap="none">
+                <a:solidFill>
+                  <a:schemeClr val="lt1"/>
+                </a:solidFill>
+                <a:latin typeface="Lato"/>
+                <a:ea typeface="Lato"/>
+                <a:cs typeface="Lato"/>
+                <a:sym typeface="Lato"/>
+              </a:defRPr>
+            </a:lvl9pPr>
+          </a:lstStyle>
+          <a:p>
+            <a:pPr marL="0" indent="0">
+              <a:spcAft>
+                <a:spcPts val="1200"/>
+              </a:spcAft>
+              <a:buFont typeface="Lato"/>
+              <a:buNone/>
+            </a:pPr>
+            <a:r>
+              <a:rPr lang="en-US" sz="2800" dirty="0" err="1"/>
+              <a:t>cy.</a:t>
+            </a:r>
+            <a:r>
+              <a:rPr lang="en-US" sz="2800" dirty="0" err="1">
+                <a:solidFill>
+                  <a:schemeClr val="tx2">
+                    <a:lumMod val="75000"/>
+                  </a:schemeClr>
+                </a:solidFill>
+              </a:rPr>
+              <a:t>get</a:t>
+            </a:r>
+            <a:r>
+              <a:rPr lang="en-US" sz="2800" dirty="0"/>
+              <a:t>(</a:t>
+            </a:r>
+            <a:r>
+              <a:rPr lang="en-US" sz="2800" dirty="0">
+                <a:solidFill>
+                  <a:schemeClr val="accent1">
+                    <a:lumMod val="40000"/>
+                    <a:lumOff val="60000"/>
+                  </a:schemeClr>
+                </a:solidFill>
+              </a:rPr>
+              <a:t>selector</a:t>
+            </a:r>
+            <a:r>
+              <a:rPr lang="en-US" sz="2800" dirty="0"/>
+              <a:t>).</a:t>
+            </a:r>
+            <a:r>
+              <a:rPr lang="en-US" sz="2800" dirty="0">
+                <a:solidFill>
+                  <a:srgbClr val="FFFF00"/>
+                </a:solidFill>
+              </a:rPr>
+              <a:t>type(“TEXT”, </a:t>
+            </a:r>
+            <a:r>
+              <a:rPr lang="en-US" sz="2800" dirty="0">
+                <a:solidFill>
+                  <a:schemeClr val="accent1">
+                    <a:lumMod val="40000"/>
+                    <a:lumOff val="60000"/>
+                  </a:schemeClr>
+                </a:solidFill>
+              </a:rPr>
+              <a:t>{delay: 100}</a:t>
+            </a:r>
+            <a:r>
+              <a:rPr lang="en-US" sz="2800" dirty="0">
+                <a:solidFill>
+                  <a:srgbClr val="FFFF00"/>
+                </a:solidFill>
+              </a:rPr>
+              <a:t>)</a:t>
+            </a:r>
+          </a:p>
+          <a:p>
+            <a:pPr marL="0" indent="0">
+              <a:spcAft>
+                <a:spcPts val="1200"/>
+              </a:spcAft>
+              <a:buNone/>
+            </a:pPr>
+            <a:endParaRPr lang="en-US" sz="2800" dirty="0">
+              <a:solidFill>
+                <a:schemeClr val="bg1">
+                  <a:lumMod val="65000"/>
+                </a:schemeClr>
+              </a:solidFill>
+            </a:endParaRPr>
+          </a:p>
+          <a:p>
+            <a:pPr marL="0" indent="0">
+              <a:spcAft>
+                <a:spcPts val="1200"/>
+              </a:spcAft>
+              <a:buFont typeface="Lato"/>
+              <a:buNone/>
+            </a:pPr>
+            <a:endParaRPr lang="en-US" sz="2800" dirty="0">
+              <a:solidFill>
+                <a:srgbClr val="FFFF00"/>
+              </a:solidFill>
+            </a:endParaRPr>
+          </a:p>
+        </p:txBody>
+      </p:sp>
+      <p:sp>
+        <p:nvSpPr>
+          <p:cNvPr id="14" name="Google Shape;141;p14">
+            <a:extLst>
+              <a:ext uri="{FF2B5EF4-FFF2-40B4-BE49-F238E27FC236}">
+                <a16:creationId xmlns:a16="http://schemas.microsoft.com/office/drawing/2014/main" id="{E4A9282C-A9C1-40B4-82A6-92C2A75FA29E}"/>
+              </a:ext>
+            </a:extLst>
+          </p:cNvPr>
+          <p:cNvSpPr txBox="1">
+            <a:spLocks/>
+          </p:cNvSpPr>
+          <p:nvPr/>
+        </p:nvSpPr>
+        <p:spPr>
+          <a:xfrm>
+            <a:off x="504586" y="1466600"/>
+            <a:ext cx="8503953" cy="945931"/>
+          </a:xfrm>
+          <a:prstGeom prst="rect">
+            <a:avLst/>
+          </a:prstGeom>
+          <a:noFill/>
+          <a:ln>
+            <a:noFill/>
+          </a:ln>
+        </p:spPr>
+        <p:txBody>
+          <a:bodyPr spcFirstLastPara="1" wrap="square" lIns="91425" tIns="91425" rIns="91425" bIns="91425" numCol="1" anchor="t" anchorCtr="0">
+            <a:normAutofit/>
+          </a:bodyPr>
+          <a:lstStyle>
+            <a:defPPr marR="0" lvl="0" algn="l" rtl="0">
+              <a:lnSpc>
+                <a:spcPct val="100000"/>
+              </a:lnSpc>
+              <a:spcBef>
+                <a:spcPts val="0"/>
+              </a:spcBef>
+              <a:spcAft>
+                <a:spcPts val="0"/>
+              </a:spcAft>
+            </a:defPPr>
+            <a:lvl1pPr marL="457200" marR="0" lvl="0" indent="-311150" algn="l" rtl="0">
+              <a:lnSpc>
+                <a:spcPct val="115000"/>
+              </a:lnSpc>
+              <a:spcBef>
+                <a:spcPts val="0"/>
+              </a:spcBef>
+              <a:spcAft>
+                <a:spcPts val="0"/>
+              </a:spcAft>
+              <a:buClr>
+                <a:schemeClr val="lt1"/>
+              </a:buClr>
+              <a:buSzPts val="1300"/>
+              <a:buFont typeface="Lato"/>
+              <a:buChar char="●"/>
+              <a:defRPr sz="1300" b="0" i="0" u="none" strike="noStrike" cap="none">
+                <a:solidFill>
+                  <a:schemeClr val="lt1"/>
+                </a:solidFill>
+                <a:latin typeface="Lato"/>
+                <a:ea typeface="Lato"/>
+                <a:cs typeface="Lato"/>
+                <a:sym typeface="Lato"/>
+              </a:defRPr>
+            </a:lvl1pPr>
+            <a:lvl2pPr marL="914400" marR="0" lvl="1" indent="-298450" algn="l" rtl="0">
+              <a:lnSpc>
+                <a:spcPct val="115000"/>
+              </a:lnSpc>
+              <a:spcBef>
+                <a:spcPts val="0"/>
+              </a:spcBef>
+              <a:spcAft>
+                <a:spcPts val="0"/>
+              </a:spcAft>
+              <a:buClr>
+                <a:schemeClr val="lt1"/>
+              </a:buClr>
+              <a:buSzPts val="1100"/>
+              <a:buFont typeface="Lato"/>
+              <a:buChar char="○"/>
+              <a:defRPr sz="1100" b="0" i="0" u="none" strike="noStrike" cap="none">
+                <a:solidFill>
+                  <a:schemeClr val="lt1"/>
+                </a:solidFill>
+                <a:latin typeface="Lato"/>
+                <a:ea typeface="Lato"/>
+                <a:cs typeface="Lato"/>
+                <a:sym typeface="Lato"/>
+              </a:defRPr>
+            </a:lvl2pPr>
+            <a:lvl3pPr marL="1371600" marR="0" lvl="2" indent="-298450" algn="l" rtl="0">
+              <a:lnSpc>
+                <a:spcPct val="115000"/>
+              </a:lnSpc>
+              <a:spcBef>
+                <a:spcPts val="0"/>
+              </a:spcBef>
+              <a:spcAft>
+                <a:spcPts val="0"/>
+              </a:spcAft>
+              <a:buClr>
+                <a:schemeClr val="lt1"/>
+              </a:buClr>
+              <a:buSzPts val="1100"/>
+              <a:buFont typeface="Lato"/>
+              <a:buChar char="■"/>
+              <a:defRPr sz="1100" b="0" i="0" u="none" strike="noStrike" cap="none">
+                <a:solidFill>
+                  <a:schemeClr val="lt1"/>
+                </a:solidFill>
+                <a:latin typeface="Lato"/>
+                <a:ea typeface="Lato"/>
+                <a:cs typeface="Lato"/>
+                <a:sym typeface="Lato"/>
+              </a:defRPr>
+            </a:lvl3pPr>
+            <a:lvl4pPr marL="1828800" marR="0" lvl="3" indent="-298450" algn="l" rtl="0">
+              <a:lnSpc>
+                <a:spcPct val="115000"/>
+              </a:lnSpc>
+              <a:spcBef>
+                <a:spcPts val="0"/>
+              </a:spcBef>
+              <a:spcAft>
+                <a:spcPts val="0"/>
+              </a:spcAft>
+              <a:buClr>
+                <a:schemeClr val="lt1"/>
+              </a:buClr>
+              <a:buSzPts val="1100"/>
+              <a:buFont typeface="Lato"/>
+              <a:buChar char="●"/>
+              <a:defRPr sz="1100" b="0" i="0" u="none" strike="noStrike" cap="none">
+                <a:solidFill>
+                  <a:schemeClr val="lt1"/>
+                </a:solidFill>
+                <a:latin typeface="Lato"/>
+                <a:ea typeface="Lato"/>
+                <a:cs typeface="Lato"/>
+                <a:sym typeface="Lato"/>
+              </a:defRPr>
+            </a:lvl4pPr>
+            <a:lvl5pPr marL="2286000" marR="0" lvl="4" indent="-298450" algn="l" rtl="0">
+              <a:lnSpc>
+                <a:spcPct val="115000"/>
+              </a:lnSpc>
+              <a:spcBef>
+                <a:spcPts val="0"/>
+              </a:spcBef>
+              <a:spcAft>
+                <a:spcPts val="0"/>
+              </a:spcAft>
+              <a:buClr>
+                <a:schemeClr val="lt1"/>
+              </a:buClr>
+              <a:buSzPts val="1100"/>
+              <a:buFont typeface="Lato"/>
+              <a:buChar char="○"/>
+              <a:defRPr sz="1100" b="0" i="0" u="none" strike="noStrike" cap="none">
+                <a:solidFill>
+                  <a:schemeClr val="lt1"/>
+                </a:solidFill>
+                <a:latin typeface="Lato"/>
+                <a:ea typeface="Lato"/>
+                <a:cs typeface="Lato"/>
+                <a:sym typeface="Lato"/>
+              </a:defRPr>
+            </a:lvl5pPr>
+            <a:lvl6pPr marL="2743200" marR="0" lvl="5" indent="-298450" algn="l" rtl="0">
+              <a:lnSpc>
+                <a:spcPct val="115000"/>
+              </a:lnSpc>
+              <a:spcBef>
+                <a:spcPts val="0"/>
+              </a:spcBef>
+              <a:spcAft>
+                <a:spcPts val="0"/>
+              </a:spcAft>
+              <a:buClr>
+                <a:schemeClr val="lt1"/>
+              </a:buClr>
+              <a:buSzPts val="1100"/>
+              <a:buFont typeface="Lato"/>
+              <a:buChar char="■"/>
+              <a:defRPr sz="1100" b="0" i="0" u="none" strike="noStrike" cap="none">
+                <a:solidFill>
+                  <a:schemeClr val="lt1"/>
+                </a:solidFill>
+                <a:latin typeface="Lato"/>
+                <a:ea typeface="Lato"/>
+                <a:cs typeface="Lato"/>
+                <a:sym typeface="Lato"/>
+              </a:defRPr>
+            </a:lvl6pPr>
+            <a:lvl7pPr marL="3200400" marR="0" lvl="6" indent="-298450" algn="l" rtl="0">
+              <a:lnSpc>
+                <a:spcPct val="115000"/>
+              </a:lnSpc>
+              <a:spcBef>
+                <a:spcPts val="0"/>
+              </a:spcBef>
+              <a:spcAft>
+                <a:spcPts val="0"/>
+              </a:spcAft>
+              <a:buClr>
+                <a:schemeClr val="lt1"/>
+              </a:buClr>
+              <a:buSzPts val="1100"/>
+              <a:buFont typeface="Lato"/>
+              <a:buChar char="●"/>
+              <a:defRPr sz="1100" b="0" i="0" u="none" strike="noStrike" cap="none">
+                <a:solidFill>
+                  <a:schemeClr val="lt1"/>
+                </a:solidFill>
+                <a:latin typeface="Lato"/>
+                <a:ea typeface="Lato"/>
+                <a:cs typeface="Lato"/>
+                <a:sym typeface="Lato"/>
+              </a:defRPr>
+            </a:lvl7pPr>
+            <a:lvl8pPr marL="3657600" marR="0" lvl="7" indent="-298450" algn="l" rtl="0">
+              <a:lnSpc>
+                <a:spcPct val="115000"/>
+              </a:lnSpc>
+              <a:spcBef>
+                <a:spcPts val="0"/>
+              </a:spcBef>
+              <a:spcAft>
+                <a:spcPts val="0"/>
+              </a:spcAft>
+              <a:buClr>
+                <a:schemeClr val="lt1"/>
+              </a:buClr>
+              <a:buSzPts val="1100"/>
+              <a:buFont typeface="Lato"/>
+              <a:buChar char="○"/>
+              <a:defRPr sz="1100" b="0" i="0" u="none" strike="noStrike" cap="none">
+                <a:solidFill>
+                  <a:schemeClr val="lt1"/>
+                </a:solidFill>
+                <a:latin typeface="Lato"/>
+                <a:ea typeface="Lato"/>
+                <a:cs typeface="Lato"/>
+                <a:sym typeface="Lato"/>
+              </a:defRPr>
+            </a:lvl8pPr>
+            <a:lvl9pPr marL="4114800" marR="0" lvl="8" indent="-298450" algn="l" rtl="0">
+              <a:lnSpc>
+                <a:spcPct val="115000"/>
+              </a:lnSpc>
+              <a:spcBef>
+                <a:spcPts val="0"/>
+              </a:spcBef>
+              <a:spcAft>
+                <a:spcPts val="0"/>
+              </a:spcAft>
+              <a:buClr>
+                <a:schemeClr val="lt1"/>
+              </a:buClr>
+              <a:buSzPts val="1100"/>
+              <a:buFont typeface="Lato"/>
+              <a:buChar char="■"/>
+              <a:defRPr sz="1100" b="0" i="0" u="none" strike="noStrike" cap="none">
+                <a:solidFill>
+                  <a:schemeClr val="lt1"/>
+                </a:solidFill>
+                <a:latin typeface="Lato"/>
+                <a:ea typeface="Lato"/>
+                <a:cs typeface="Lato"/>
+                <a:sym typeface="Lato"/>
+              </a:defRPr>
+            </a:lvl9pPr>
+          </a:lstStyle>
+          <a:p>
+            <a:pPr marL="0" indent="0">
+              <a:spcAft>
+                <a:spcPts val="1200"/>
+              </a:spcAft>
+              <a:buFont typeface="Lato"/>
+              <a:buNone/>
+            </a:pPr>
+            <a:r>
+              <a:rPr lang="en-US" sz="2400" b="1" dirty="0">
+                <a:solidFill>
+                  <a:schemeClr val="bg1"/>
+                </a:solidFill>
+              </a:rPr>
+              <a:t>Delay:</a:t>
+            </a:r>
+          </a:p>
+          <a:p>
+            <a:pPr marL="0" indent="0">
+              <a:spcAft>
+                <a:spcPts val="1200"/>
+              </a:spcAft>
+              <a:buFont typeface="Lato"/>
+              <a:buNone/>
+            </a:pPr>
+            <a:endParaRPr lang="en-US" sz="2400" dirty="0"/>
+          </a:p>
+        </p:txBody>
+      </p:sp>
+      <p:sp>
+        <p:nvSpPr>
+          <p:cNvPr id="6" name="Google Shape;141;p14">
+            <a:extLst>
+              <a:ext uri="{FF2B5EF4-FFF2-40B4-BE49-F238E27FC236}">
+                <a16:creationId xmlns:a16="http://schemas.microsoft.com/office/drawing/2014/main" id="{69969C4A-E786-4839-951E-CA1D6B802624}"/>
+              </a:ext>
+            </a:extLst>
+          </p:cNvPr>
+          <p:cNvSpPr txBox="1">
+            <a:spLocks/>
+          </p:cNvSpPr>
+          <p:nvPr/>
+        </p:nvSpPr>
+        <p:spPr>
+          <a:xfrm>
+            <a:off x="1110078" y="3840082"/>
+            <a:ext cx="7172739" cy="758686"/>
+          </a:xfrm>
+          <a:prstGeom prst="rect">
+            <a:avLst/>
+          </a:prstGeom>
+          <a:noFill/>
+          <a:ln>
+            <a:noFill/>
+          </a:ln>
+        </p:spPr>
+        <p:txBody>
+          <a:bodyPr spcFirstLastPara="1" wrap="square" lIns="91425" tIns="91425" rIns="91425" bIns="91425" numCol="1" anchor="t" anchorCtr="0">
+            <a:normAutofit fontScale="92500" lnSpcReduction="10000"/>
+          </a:bodyPr>
+          <a:lstStyle>
+            <a:defPPr marR="0" lvl="0" algn="l" rtl="0">
+              <a:lnSpc>
+                <a:spcPct val="100000"/>
+              </a:lnSpc>
+              <a:spcBef>
+                <a:spcPts val="0"/>
+              </a:spcBef>
+              <a:spcAft>
+                <a:spcPts val="0"/>
+              </a:spcAft>
+            </a:defPPr>
+            <a:lvl1pPr marL="457200" marR="0" lvl="0" indent="-311150" algn="l" rtl="0">
+              <a:lnSpc>
+                <a:spcPct val="115000"/>
+              </a:lnSpc>
+              <a:spcBef>
+                <a:spcPts val="0"/>
+              </a:spcBef>
+              <a:spcAft>
+                <a:spcPts val="0"/>
+              </a:spcAft>
+              <a:buClr>
+                <a:schemeClr val="lt1"/>
+              </a:buClr>
+              <a:buSzPts val="1300"/>
+              <a:buFont typeface="Lato"/>
+              <a:buChar char="●"/>
+              <a:defRPr sz="1300" b="0" i="0" u="none" strike="noStrike" cap="none">
+                <a:solidFill>
+                  <a:schemeClr val="lt1"/>
+                </a:solidFill>
+                <a:latin typeface="Lato"/>
+                <a:ea typeface="Lato"/>
+                <a:cs typeface="Lato"/>
+                <a:sym typeface="Lato"/>
+              </a:defRPr>
+            </a:lvl1pPr>
+            <a:lvl2pPr marL="914400" marR="0" lvl="1" indent="-298450" algn="l" rtl="0">
+              <a:lnSpc>
+                <a:spcPct val="115000"/>
+              </a:lnSpc>
+              <a:spcBef>
+                <a:spcPts val="0"/>
+              </a:spcBef>
+              <a:spcAft>
+                <a:spcPts val="0"/>
+              </a:spcAft>
+              <a:buClr>
+                <a:schemeClr val="lt1"/>
+              </a:buClr>
+              <a:buSzPts val="1100"/>
+              <a:buFont typeface="Lato"/>
+              <a:buChar char="○"/>
+              <a:defRPr sz="1100" b="0" i="0" u="none" strike="noStrike" cap="none">
+                <a:solidFill>
+                  <a:schemeClr val="lt1"/>
+                </a:solidFill>
+                <a:latin typeface="Lato"/>
+                <a:ea typeface="Lato"/>
+                <a:cs typeface="Lato"/>
+                <a:sym typeface="Lato"/>
+              </a:defRPr>
+            </a:lvl2pPr>
+            <a:lvl3pPr marL="1371600" marR="0" lvl="2" indent="-298450" algn="l" rtl="0">
+              <a:lnSpc>
+                <a:spcPct val="115000"/>
+              </a:lnSpc>
+              <a:spcBef>
+                <a:spcPts val="0"/>
+              </a:spcBef>
+              <a:spcAft>
+                <a:spcPts val="0"/>
+              </a:spcAft>
+              <a:buClr>
+                <a:schemeClr val="lt1"/>
+              </a:buClr>
+              <a:buSzPts val="1100"/>
+              <a:buFont typeface="Lato"/>
+              <a:buChar char="■"/>
+              <a:defRPr sz="1100" b="0" i="0" u="none" strike="noStrike" cap="none">
+                <a:solidFill>
+                  <a:schemeClr val="lt1"/>
+                </a:solidFill>
+                <a:latin typeface="Lato"/>
+                <a:ea typeface="Lato"/>
+                <a:cs typeface="Lato"/>
+                <a:sym typeface="Lato"/>
+              </a:defRPr>
+            </a:lvl3pPr>
+            <a:lvl4pPr marL="1828800" marR="0" lvl="3" indent="-298450" algn="l" rtl="0">
+              <a:lnSpc>
+                <a:spcPct val="115000"/>
+              </a:lnSpc>
+              <a:spcBef>
+                <a:spcPts val="0"/>
+              </a:spcBef>
+              <a:spcAft>
+                <a:spcPts val="0"/>
+              </a:spcAft>
+              <a:buClr>
+                <a:schemeClr val="lt1"/>
+              </a:buClr>
+              <a:buSzPts val="1100"/>
+              <a:buFont typeface="Lato"/>
+              <a:buChar char="●"/>
+              <a:defRPr sz="1100" b="0" i="0" u="none" strike="noStrike" cap="none">
+                <a:solidFill>
+                  <a:schemeClr val="lt1"/>
+                </a:solidFill>
+                <a:latin typeface="Lato"/>
+                <a:ea typeface="Lato"/>
+                <a:cs typeface="Lato"/>
+                <a:sym typeface="Lato"/>
+              </a:defRPr>
+            </a:lvl4pPr>
+            <a:lvl5pPr marL="2286000" marR="0" lvl="4" indent="-298450" algn="l" rtl="0">
+              <a:lnSpc>
+                <a:spcPct val="115000"/>
+              </a:lnSpc>
+              <a:spcBef>
+                <a:spcPts val="0"/>
+              </a:spcBef>
+              <a:spcAft>
+                <a:spcPts val="0"/>
+              </a:spcAft>
+              <a:buClr>
+                <a:schemeClr val="lt1"/>
+              </a:buClr>
+              <a:buSzPts val="1100"/>
+              <a:buFont typeface="Lato"/>
+              <a:buChar char="○"/>
+              <a:defRPr sz="1100" b="0" i="0" u="none" strike="noStrike" cap="none">
+                <a:solidFill>
+                  <a:schemeClr val="lt1"/>
+                </a:solidFill>
+                <a:latin typeface="Lato"/>
+                <a:ea typeface="Lato"/>
+                <a:cs typeface="Lato"/>
+                <a:sym typeface="Lato"/>
+              </a:defRPr>
+            </a:lvl5pPr>
+            <a:lvl6pPr marL="2743200" marR="0" lvl="5" indent="-298450" algn="l" rtl="0">
+              <a:lnSpc>
+                <a:spcPct val="115000"/>
+              </a:lnSpc>
+              <a:spcBef>
+                <a:spcPts val="0"/>
+              </a:spcBef>
+              <a:spcAft>
+                <a:spcPts val="0"/>
+              </a:spcAft>
+              <a:buClr>
+                <a:schemeClr val="lt1"/>
+              </a:buClr>
+              <a:buSzPts val="1100"/>
+              <a:buFont typeface="Lato"/>
+              <a:buChar char="■"/>
+              <a:defRPr sz="1100" b="0" i="0" u="none" strike="noStrike" cap="none">
+                <a:solidFill>
+                  <a:schemeClr val="lt1"/>
+                </a:solidFill>
+                <a:latin typeface="Lato"/>
+                <a:ea typeface="Lato"/>
+                <a:cs typeface="Lato"/>
+                <a:sym typeface="Lato"/>
+              </a:defRPr>
+            </a:lvl6pPr>
+            <a:lvl7pPr marL="3200400" marR="0" lvl="6" indent="-298450" algn="l" rtl="0">
+              <a:lnSpc>
+                <a:spcPct val="115000"/>
+              </a:lnSpc>
+              <a:spcBef>
+                <a:spcPts val="0"/>
+              </a:spcBef>
+              <a:spcAft>
+                <a:spcPts val="0"/>
+              </a:spcAft>
+              <a:buClr>
+                <a:schemeClr val="lt1"/>
+              </a:buClr>
+              <a:buSzPts val="1100"/>
+              <a:buFont typeface="Lato"/>
+              <a:buChar char="●"/>
+              <a:defRPr sz="1100" b="0" i="0" u="none" strike="noStrike" cap="none">
+                <a:solidFill>
+                  <a:schemeClr val="lt1"/>
+                </a:solidFill>
+                <a:latin typeface="Lato"/>
+                <a:ea typeface="Lato"/>
+                <a:cs typeface="Lato"/>
+                <a:sym typeface="Lato"/>
+              </a:defRPr>
+            </a:lvl7pPr>
+            <a:lvl8pPr marL="3657600" marR="0" lvl="7" indent="-298450" algn="l" rtl="0">
+              <a:lnSpc>
+                <a:spcPct val="115000"/>
+              </a:lnSpc>
+              <a:spcBef>
+                <a:spcPts val="0"/>
+              </a:spcBef>
+              <a:spcAft>
+                <a:spcPts val="0"/>
+              </a:spcAft>
+              <a:buClr>
+                <a:schemeClr val="lt1"/>
+              </a:buClr>
+              <a:buSzPts val="1100"/>
+              <a:buFont typeface="Lato"/>
+              <a:buChar char="○"/>
+              <a:defRPr sz="1100" b="0" i="0" u="none" strike="noStrike" cap="none">
+                <a:solidFill>
+                  <a:schemeClr val="lt1"/>
+                </a:solidFill>
+                <a:latin typeface="Lato"/>
+                <a:ea typeface="Lato"/>
+                <a:cs typeface="Lato"/>
+                <a:sym typeface="Lato"/>
+              </a:defRPr>
+            </a:lvl8pPr>
+            <a:lvl9pPr marL="4114800" marR="0" lvl="8" indent="-298450" algn="l" rtl="0">
+              <a:lnSpc>
+                <a:spcPct val="115000"/>
+              </a:lnSpc>
+              <a:spcBef>
+                <a:spcPts val="0"/>
+              </a:spcBef>
+              <a:spcAft>
+                <a:spcPts val="0"/>
+              </a:spcAft>
+              <a:buClr>
+                <a:schemeClr val="lt1"/>
+              </a:buClr>
+              <a:buSzPts val="1100"/>
+              <a:buFont typeface="Lato"/>
+              <a:buChar char="■"/>
+              <a:defRPr sz="1100" b="0" i="0" u="none" strike="noStrike" cap="none">
+                <a:solidFill>
+                  <a:schemeClr val="lt1"/>
+                </a:solidFill>
+                <a:latin typeface="Lato"/>
+                <a:ea typeface="Lato"/>
+                <a:cs typeface="Lato"/>
+                <a:sym typeface="Lato"/>
+              </a:defRPr>
+            </a:lvl9pPr>
+          </a:lstStyle>
+          <a:p>
+            <a:pPr marL="0" indent="0">
+              <a:spcAft>
+                <a:spcPts val="1200"/>
+              </a:spcAft>
+              <a:buFont typeface="Lato"/>
+              <a:buNone/>
+            </a:pPr>
+            <a:r>
+              <a:rPr lang="en-US" sz="2800" dirty="0" err="1"/>
+              <a:t>cy.</a:t>
+            </a:r>
+            <a:r>
+              <a:rPr lang="en-US" sz="2800" dirty="0" err="1">
+                <a:solidFill>
+                  <a:schemeClr val="tx2">
+                    <a:lumMod val="75000"/>
+                  </a:schemeClr>
+                </a:solidFill>
+              </a:rPr>
+              <a:t>get</a:t>
+            </a:r>
+            <a:r>
+              <a:rPr lang="en-US" sz="2800" dirty="0"/>
+              <a:t>(</a:t>
+            </a:r>
+            <a:r>
+              <a:rPr lang="en-US" sz="2800" dirty="0">
+                <a:solidFill>
+                  <a:schemeClr val="accent1">
+                    <a:lumMod val="40000"/>
+                    <a:lumOff val="60000"/>
+                  </a:schemeClr>
+                </a:solidFill>
+              </a:rPr>
+              <a:t>selector</a:t>
+            </a:r>
+            <a:r>
+              <a:rPr lang="en-US" sz="2800" dirty="0"/>
+              <a:t>).</a:t>
+            </a:r>
+            <a:r>
+              <a:rPr lang="en-US" sz="2800" dirty="0">
+                <a:solidFill>
+                  <a:srgbClr val="FFFF00"/>
+                </a:solidFill>
+              </a:rPr>
+              <a:t>type(“TEXT”, </a:t>
+            </a:r>
+            <a:r>
+              <a:rPr lang="en-US" sz="2800" dirty="0">
+                <a:solidFill>
+                  <a:schemeClr val="accent1">
+                    <a:lumMod val="40000"/>
+                    <a:lumOff val="60000"/>
+                  </a:schemeClr>
+                </a:solidFill>
+              </a:rPr>
+              <a:t>{repeat(4)}</a:t>
+            </a:r>
+            <a:r>
+              <a:rPr lang="en-US" sz="2800" dirty="0">
+                <a:solidFill>
+                  <a:srgbClr val="FFFF00"/>
+                </a:solidFill>
+              </a:rPr>
+              <a:t>)</a:t>
+            </a:r>
+          </a:p>
+          <a:p>
+            <a:pPr marL="0" indent="0">
+              <a:spcAft>
+                <a:spcPts val="1200"/>
+              </a:spcAft>
+              <a:buNone/>
+            </a:pPr>
+            <a:endParaRPr lang="en-US" sz="2800" dirty="0">
+              <a:solidFill>
+                <a:schemeClr val="bg1">
+                  <a:lumMod val="65000"/>
+                </a:schemeClr>
+              </a:solidFill>
+            </a:endParaRPr>
+          </a:p>
+          <a:p>
+            <a:pPr marL="0" indent="0">
+              <a:spcAft>
+                <a:spcPts val="1200"/>
+              </a:spcAft>
+              <a:buFont typeface="Lato"/>
+              <a:buNone/>
+            </a:pPr>
+            <a:endParaRPr lang="en-US" sz="2800" dirty="0">
+              <a:solidFill>
+                <a:srgbClr val="FFFF00"/>
+              </a:solidFill>
+            </a:endParaRPr>
+          </a:p>
+        </p:txBody>
+      </p:sp>
+      <p:sp>
+        <p:nvSpPr>
+          <p:cNvPr id="7" name="Google Shape;141;p14">
+            <a:extLst>
+              <a:ext uri="{FF2B5EF4-FFF2-40B4-BE49-F238E27FC236}">
+                <a16:creationId xmlns:a16="http://schemas.microsoft.com/office/drawing/2014/main" id="{31912197-B2F9-4C91-BAD5-CE874077D08B}"/>
+              </a:ext>
+            </a:extLst>
+          </p:cNvPr>
+          <p:cNvSpPr txBox="1">
+            <a:spLocks/>
+          </p:cNvSpPr>
+          <p:nvPr/>
+        </p:nvSpPr>
+        <p:spPr>
+          <a:xfrm>
+            <a:off x="504586" y="3124946"/>
+            <a:ext cx="8503953" cy="945931"/>
+          </a:xfrm>
+          <a:prstGeom prst="rect">
+            <a:avLst/>
+          </a:prstGeom>
+          <a:noFill/>
+          <a:ln>
+            <a:noFill/>
+          </a:ln>
+        </p:spPr>
+        <p:txBody>
+          <a:bodyPr spcFirstLastPara="1" wrap="square" lIns="91425" tIns="91425" rIns="91425" bIns="91425" numCol="1" anchor="t" anchorCtr="0">
+            <a:normAutofit/>
+          </a:bodyPr>
+          <a:lstStyle>
+            <a:defPPr marR="0" lvl="0" algn="l" rtl="0">
+              <a:lnSpc>
+                <a:spcPct val="100000"/>
+              </a:lnSpc>
+              <a:spcBef>
+                <a:spcPts val="0"/>
+              </a:spcBef>
+              <a:spcAft>
+                <a:spcPts val="0"/>
+              </a:spcAft>
+            </a:defPPr>
+            <a:lvl1pPr marL="457200" marR="0" lvl="0" indent="-311150" algn="l" rtl="0">
+              <a:lnSpc>
+                <a:spcPct val="115000"/>
+              </a:lnSpc>
+              <a:spcBef>
+                <a:spcPts val="0"/>
+              </a:spcBef>
+              <a:spcAft>
+                <a:spcPts val="0"/>
+              </a:spcAft>
+              <a:buClr>
+                <a:schemeClr val="lt1"/>
+              </a:buClr>
+              <a:buSzPts val="1300"/>
+              <a:buFont typeface="Lato"/>
+              <a:buChar char="●"/>
+              <a:defRPr sz="1300" b="0" i="0" u="none" strike="noStrike" cap="none">
+                <a:solidFill>
+                  <a:schemeClr val="lt1"/>
+                </a:solidFill>
+                <a:latin typeface="Lato"/>
+                <a:ea typeface="Lato"/>
+                <a:cs typeface="Lato"/>
+                <a:sym typeface="Lato"/>
+              </a:defRPr>
+            </a:lvl1pPr>
+            <a:lvl2pPr marL="914400" marR="0" lvl="1" indent="-298450" algn="l" rtl="0">
+              <a:lnSpc>
+                <a:spcPct val="115000"/>
+              </a:lnSpc>
+              <a:spcBef>
+                <a:spcPts val="0"/>
+              </a:spcBef>
+              <a:spcAft>
+                <a:spcPts val="0"/>
+              </a:spcAft>
+              <a:buClr>
+                <a:schemeClr val="lt1"/>
+              </a:buClr>
+              <a:buSzPts val="1100"/>
+              <a:buFont typeface="Lato"/>
+              <a:buChar char="○"/>
+              <a:defRPr sz="1100" b="0" i="0" u="none" strike="noStrike" cap="none">
+                <a:solidFill>
+                  <a:schemeClr val="lt1"/>
+                </a:solidFill>
+                <a:latin typeface="Lato"/>
+                <a:ea typeface="Lato"/>
+                <a:cs typeface="Lato"/>
+                <a:sym typeface="Lato"/>
+              </a:defRPr>
+            </a:lvl2pPr>
+            <a:lvl3pPr marL="1371600" marR="0" lvl="2" indent="-298450" algn="l" rtl="0">
+              <a:lnSpc>
+                <a:spcPct val="115000"/>
+              </a:lnSpc>
+              <a:spcBef>
+                <a:spcPts val="0"/>
+              </a:spcBef>
+              <a:spcAft>
+                <a:spcPts val="0"/>
+              </a:spcAft>
+              <a:buClr>
+                <a:schemeClr val="lt1"/>
+              </a:buClr>
+              <a:buSzPts val="1100"/>
+              <a:buFont typeface="Lato"/>
+              <a:buChar char="■"/>
+              <a:defRPr sz="1100" b="0" i="0" u="none" strike="noStrike" cap="none">
+                <a:solidFill>
+                  <a:schemeClr val="lt1"/>
+                </a:solidFill>
+                <a:latin typeface="Lato"/>
+                <a:ea typeface="Lato"/>
+                <a:cs typeface="Lato"/>
+                <a:sym typeface="Lato"/>
+              </a:defRPr>
+            </a:lvl3pPr>
+            <a:lvl4pPr marL="1828800" marR="0" lvl="3" indent="-298450" algn="l" rtl="0">
+              <a:lnSpc>
+                <a:spcPct val="115000"/>
+              </a:lnSpc>
+              <a:spcBef>
+                <a:spcPts val="0"/>
+              </a:spcBef>
+              <a:spcAft>
+                <a:spcPts val="0"/>
+              </a:spcAft>
+              <a:buClr>
+                <a:schemeClr val="lt1"/>
+              </a:buClr>
+              <a:buSzPts val="1100"/>
+              <a:buFont typeface="Lato"/>
+              <a:buChar char="●"/>
+              <a:defRPr sz="1100" b="0" i="0" u="none" strike="noStrike" cap="none">
+                <a:solidFill>
+                  <a:schemeClr val="lt1"/>
+                </a:solidFill>
+                <a:latin typeface="Lato"/>
+                <a:ea typeface="Lato"/>
+                <a:cs typeface="Lato"/>
+                <a:sym typeface="Lato"/>
+              </a:defRPr>
+            </a:lvl4pPr>
+            <a:lvl5pPr marL="2286000" marR="0" lvl="4" indent="-298450" algn="l" rtl="0">
+              <a:lnSpc>
+                <a:spcPct val="115000"/>
+              </a:lnSpc>
+              <a:spcBef>
+                <a:spcPts val="0"/>
+              </a:spcBef>
+              <a:spcAft>
+                <a:spcPts val="0"/>
+              </a:spcAft>
+              <a:buClr>
+                <a:schemeClr val="lt1"/>
+              </a:buClr>
+              <a:buSzPts val="1100"/>
+              <a:buFont typeface="Lato"/>
+              <a:buChar char="○"/>
+              <a:defRPr sz="1100" b="0" i="0" u="none" strike="noStrike" cap="none">
+                <a:solidFill>
+                  <a:schemeClr val="lt1"/>
+                </a:solidFill>
+                <a:latin typeface="Lato"/>
+                <a:ea typeface="Lato"/>
+                <a:cs typeface="Lato"/>
+                <a:sym typeface="Lato"/>
+              </a:defRPr>
+            </a:lvl5pPr>
+            <a:lvl6pPr marL="2743200" marR="0" lvl="5" indent="-298450" algn="l" rtl="0">
+              <a:lnSpc>
+                <a:spcPct val="115000"/>
+              </a:lnSpc>
+              <a:spcBef>
+                <a:spcPts val="0"/>
+              </a:spcBef>
+              <a:spcAft>
+                <a:spcPts val="0"/>
+              </a:spcAft>
+              <a:buClr>
+                <a:schemeClr val="lt1"/>
+              </a:buClr>
+              <a:buSzPts val="1100"/>
+              <a:buFont typeface="Lato"/>
+              <a:buChar char="■"/>
+              <a:defRPr sz="1100" b="0" i="0" u="none" strike="noStrike" cap="none">
+                <a:solidFill>
+                  <a:schemeClr val="lt1"/>
+                </a:solidFill>
+                <a:latin typeface="Lato"/>
+                <a:ea typeface="Lato"/>
+                <a:cs typeface="Lato"/>
+                <a:sym typeface="Lato"/>
+              </a:defRPr>
+            </a:lvl6pPr>
+            <a:lvl7pPr marL="3200400" marR="0" lvl="6" indent="-298450" algn="l" rtl="0">
+              <a:lnSpc>
+                <a:spcPct val="115000"/>
+              </a:lnSpc>
+              <a:spcBef>
+                <a:spcPts val="0"/>
+              </a:spcBef>
+              <a:spcAft>
+                <a:spcPts val="0"/>
+              </a:spcAft>
+              <a:buClr>
+                <a:schemeClr val="lt1"/>
+              </a:buClr>
+              <a:buSzPts val="1100"/>
+              <a:buFont typeface="Lato"/>
+              <a:buChar char="●"/>
+              <a:defRPr sz="1100" b="0" i="0" u="none" strike="noStrike" cap="none">
+                <a:solidFill>
+                  <a:schemeClr val="lt1"/>
+                </a:solidFill>
+                <a:latin typeface="Lato"/>
+                <a:ea typeface="Lato"/>
+                <a:cs typeface="Lato"/>
+                <a:sym typeface="Lato"/>
+              </a:defRPr>
+            </a:lvl7pPr>
+            <a:lvl8pPr marL="3657600" marR="0" lvl="7" indent="-298450" algn="l" rtl="0">
+              <a:lnSpc>
+                <a:spcPct val="115000"/>
+              </a:lnSpc>
+              <a:spcBef>
+                <a:spcPts val="0"/>
+              </a:spcBef>
+              <a:spcAft>
+                <a:spcPts val="0"/>
+              </a:spcAft>
+              <a:buClr>
+                <a:schemeClr val="lt1"/>
+              </a:buClr>
+              <a:buSzPts val="1100"/>
+              <a:buFont typeface="Lato"/>
+              <a:buChar char="○"/>
+              <a:defRPr sz="1100" b="0" i="0" u="none" strike="noStrike" cap="none">
+                <a:solidFill>
+                  <a:schemeClr val="lt1"/>
+                </a:solidFill>
+                <a:latin typeface="Lato"/>
+                <a:ea typeface="Lato"/>
+                <a:cs typeface="Lato"/>
+                <a:sym typeface="Lato"/>
+              </a:defRPr>
+            </a:lvl8pPr>
+            <a:lvl9pPr marL="4114800" marR="0" lvl="8" indent="-298450" algn="l" rtl="0">
+              <a:lnSpc>
+                <a:spcPct val="115000"/>
+              </a:lnSpc>
+              <a:spcBef>
+                <a:spcPts val="0"/>
+              </a:spcBef>
+              <a:spcAft>
+                <a:spcPts val="0"/>
+              </a:spcAft>
+              <a:buClr>
+                <a:schemeClr val="lt1"/>
+              </a:buClr>
+              <a:buSzPts val="1100"/>
+              <a:buFont typeface="Lato"/>
+              <a:buChar char="■"/>
+              <a:defRPr sz="1100" b="0" i="0" u="none" strike="noStrike" cap="none">
+                <a:solidFill>
+                  <a:schemeClr val="lt1"/>
+                </a:solidFill>
+                <a:latin typeface="Lato"/>
+                <a:ea typeface="Lato"/>
+                <a:cs typeface="Lato"/>
+                <a:sym typeface="Lato"/>
+              </a:defRPr>
+            </a:lvl9pPr>
+          </a:lstStyle>
+          <a:p>
+            <a:pPr marL="0" indent="0">
+              <a:spcAft>
+                <a:spcPts val="1200"/>
+              </a:spcAft>
+              <a:buFont typeface="Lato"/>
+              <a:buNone/>
+            </a:pPr>
+            <a:r>
+              <a:rPr lang="en-US" sz="2400" b="1" dirty="0">
+                <a:solidFill>
+                  <a:schemeClr val="bg1"/>
+                </a:solidFill>
+              </a:rPr>
+              <a:t>Repeat:</a:t>
+            </a:r>
+          </a:p>
+          <a:p>
+            <a:pPr marL="0" indent="0">
+              <a:spcAft>
+                <a:spcPts val="1200"/>
+              </a:spcAft>
+              <a:buFont typeface="Lato"/>
+              <a:buNone/>
+            </a:pPr>
+            <a:endParaRPr lang="en-US" sz="2400" dirty="0"/>
+          </a:p>
+        </p:txBody>
+      </p:sp>
+    </p:spTree>
+    <p:extLst>
+      <p:ext uri="{BB962C8B-B14F-4D97-AF65-F5344CB8AC3E}">
+        <p14:creationId xmlns:p14="http://schemas.microsoft.com/office/powerpoint/2010/main" val="1596611593"/>
+      </p:ext>
+    </p:extLst>
+  </p:cSld>
+  <p:clrMapOvr>
+    <a:masterClrMapping/>
+  </p:clrMapOvr>
+</p:sld>
+</file>
+
 <file path=ppt/slides/slide2.xml><?xml version="1.0" encoding="utf-8"?>
 <p:sld xmlns:a="http://schemas.openxmlformats.org/drawingml/2006/main" xmlns:r="http://schemas.openxmlformats.org/officeDocument/2006/relationships" xmlns:p="http://schemas.openxmlformats.org/presentationml/2006/main">
   <p:cSld>
@@ -17398,6 +22475,1226 @@
         </p:txBody>
       </p:sp>
     </p:spTree>
+  </p:cSld>
+  <p:clrMapOvr>
+    <a:masterClrMapping/>
+  </p:clrMapOvr>
+</p:sld>
+</file>
+
+<file path=ppt/slides/slide20.xml><?xml version="1.0" encoding="utf-8"?>
+<p:sld xmlns:a="http://schemas.openxmlformats.org/drawingml/2006/main" xmlns:r="http://schemas.openxmlformats.org/officeDocument/2006/relationships" xmlns:p="http://schemas.openxmlformats.org/presentationml/2006/main">
+  <p:cSld>
+    <p:spTree>
+      <p:nvGrpSpPr>
+        <p:cNvPr id="1" name="Shape 139"/>
+        <p:cNvGrpSpPr/>
+        <p:nvPr/>
+      </p:nvGrpSpPr>
+      <p:grpSpPr>
+        <a:xfrm>
+          <a:off x="0" y="0"/>
+          <a:ext cx="0" cy="0"/>
+          <a:chOff x="0" y="0"/>
+          <a:chExt cx="0" cy="0"/>
+        </a:xfrm>
+      </p:grpSpPr>
+      <p:sp>
+        <p:nvSpPr>
+          <p:cNvPr id="140" name="Google Shape;140;p14"/>
+          <p:cNvSpPr txBox="1">
+            <a:spLocks noGrp="1"/>
+          </p:cNvSpPr>
+          <p:nvPr>
+            <p:ph type="title"/>
+          </p:nvPr>
+        </p:nvSpPr>
+        <p:spPr>
+          <a:xfrm>
+            <a:off x="1100694" y="386743"/>
+            <a:ext cx="7038900" cy="914100"/>
+          </a:xfrm>
+          <a:prstGeom prst="rect">
+            <a:avLst/>
+          </a:prstGeom>
+        </p:spPr>
+        <p:txBody>
+          <a:bodyPr spcFirstLastPara="1" wrap="square" lIns="91425" tIns="91425" rIns="91425" bIns="91425" anchor="t" anchorCtr="0">
+            <a:normAutofit/>
+          </a:bodyPr>
+          <a:lstStyle/>
+          <a:p>
+            <a:pPr marL="0" lvl="0" indent="0" algn="l" rtl="0">
+              <a:spcBef>
+                <a:spcPts val="0"/>
+              </a:spcBef>
+              <a:spcAft>
+                <a:spcPts val="0"/>
+              </a:spcAft>
+              <a:buNone/>
+            </a:pPr>
+            <a:r>
+              <a:rPr lang="en-US" sz="3600" dirty="0">
+                <a:solidFill>
+                  <a:schemeClr val="bg1"/>
+                </a:solidFill>
+              </a:rPr>
+              <a:t>Mouse Actions:</a:t>
+            </a:r>
+          </a:p>
+        </p:txBody>
+      </p:sp>
+      <p:sp>
+        <p:nvSpPr>
+          <p:cNvPr id="2" name="Slide Number Placeholder 1">
+            <a:extLst>
+              <a:ext uri="{FF2B5EF4-FFF2-40B4-BE49-F238E27FC236}">
+                <a16:creationId xmlns:a16="http://schemas.microsoft.com/office/drawing/2014/main" id="{E210FEB3-249A-48B7-B381-C0C9B9BD4725}"/>
+              </a:ext>
+            </a:extLst>
+          </p:cNvPr>
+          <p:cNvSpPr>
+            <a:spLocks noGrp="1"/>
+          </p:cNvSpPr>
+          <p:nvPr>
+            <p:ph type="sldNum" idx="12"/>
+          </p:nvPr>
+        </p:nvSpPr>
+        <p:spPr/>
+        <p:txBody>
+          <a:bodyPr/>
+          <a:lstStyle/>
+          <a:p>
+            <a:pPr marL="0" lvl="0" indent="0" algn="r" rtl="0">
+              <a:spcBef>
+                <a:spcPts val="0"/>
+              </a:spcBef>
+              <a:spcAft>
+                <a:spcPts val="0"/>
+              </a:spcAft>
+              <a:buNone/>
+            </a:pPr>
+            <a:fld id="{00000000-1234-1234-1234-123412341234}" type="slidenum">
+              <a:rPr lang="en" smtClean="0"/>
+              <a:t>20</a:t>
+            </a:fld>
+            <a:endParaRPr lang="en"/>
+          </a:p>
+        </p:txBody>
+      </p:sp>
+      <p:sp>
+        <p:nvSpPr>
+          <p:cNvPr id="8" name="Google Shape;141;p14">
+            <a:extLst>
+              <a:ext uri="{FF2B5EF4-FFF2-40B4-BE49-F238E27FC236}">
+                <a16:creationId xmlns:a16="http://schemas.microsoft.com/office/drawing/2014/main" id="{06404D6D-4D87-4780-92E6-5209374E476B}"/>
+              </a:ext>
+            </a:extLst>
+          </p:cNvPr>
+          <p:cNvSpPr txBox="1">
+            <a:spLocks/>
+          </p:cNvSpPr>
+          <p:nvPr/>
+        </p:nvSpPr>
+        <p:spPr>
+          <a:xfrm>
+            <a:off x="813103" y="3413221"/>
+            <a:ext cx="8503953" cy="1488919"/>
+          </a:xfrm>
+          <a:prstGeom prst="rect">
+            <a:avLst/>
+          </a:prstGeom>
+          <a:noFill/>
+          <a:ln>
+            <a:noFill/>
+          </a:ln>
+        </p:spPr>
+        <p:txBody>
+          <a:bodyPr spcFirstLastPara="1" wrap="square" lIns="91425" tIns="91425" rIns="91425" bIns="91425" numCol="1" anchor="t" anchorCtr="0">
+            <a:normAutofit/>
+          </a:bodyPr>
+          <a:lstStyle>
+            <a:defPPr marR="0" lvl="0" algn="l" rtl="0">
+              <a:lnSpc>
+                <a:spcPct val="100000"/>
+              </a:lnSpc>
+              <a:spcBef>
+                <a:spcPts val="0"/>
+              </a:spcBef>
+              <a:spcAft>
+                <a:spcPts val="0"/>
+              </a:spcAft>
+            </a:defPPr>
+            <a:lvl1pPr marL="457200" marR="0" lvl="0" indent="-311150" algn="l" rtl="0">
+              <a:lnSpc>
+                <a:spcPct val="115000"/>
+              </a:lnSpc>
+              <a:spcBef>
+                <a:spcPts val="0"/>
+              </a:spcBef>
+              <a:spcAft>
+                <a:spcPts val="0"/>
+              </a:spcAft>
+              <a:buClr>
+                <a:schemeClr val="lt1"/>
+              </a:buClr>
+              <a:buSzPts val="1300"/>
+              <a:buFont typeface="Lato"/>
+              <a:buChar char="●"/>
+              <a:defRPr sz="1300" b="0" i="0" u="none" strike="noStrike" cap="none">
+                <a:solidFill>
+                  <a:schemeClr val="lt1"/>
+                </a:solidFill>
+                <a:latin typeface="Lato"/>
+                <a:ea typeface="Lato"/>
+                <a:cs typeface="Lato"/>
+                <a:sym typeface="Lato"/>
+              </a:defRPr>
+            </a:lvl1pPr>
+            <a:lvl2pPr marL="914400" marR="0" lvl="1" indent="-298450" algn="l" rtl="0">
+              <a:lnSpc>
+                <a:spcPct val="115000"/>
+              </a:lnSpc>
+              <a:spcBef>
+                <a:spcPts val="0"/>
+              </a:spcBef>
+              <a:spcAft>
+                <a:spcPts val="0"/>
+              </a:spcAft>
+              <a:buClr>
+                <a:schemeClr val="lt1"/>
+              </a:buClr>
+              <a:buSzPts val="1100"/>
+              <a:buFont typeface="Lato"/>
+              <a:buChar char="○"/>
+              <a:defRPr sz="1100" b="0" i="0" u="none" strike="noStrike" cap="none">
+                <a:solidFill>
+                  <a:schemeClr val="lt1"/>
+                </a:solidFill>
+                <a:latin typeface="Lato"/>
+                <a:ea typeface="Lato"/>
+                <a:cs typeface="Lato"/>
+                <a:sym typeface="Lato"/>
+              </a:defRPr>
+            </a:lvl2pPr>
+            <a:lvl3pPr marL="1371600" marR="0" lvl="2" indent="-298450" algn="l" rtl="0">
+              <a:lnSpc>
+                <a:spcPct val="115000"/>
+              </a:lnSpc>
+              <a:spcBef>
+                <a:spcPts val="0"/>
+              </a:spcBef>
+              <a:spcAft>
+                <a:spcPts val="0"/>
+              </a:spcAft>
+              <a:buClr>
+                <a:schemeClr val="lt1"/>
+              </a:buClr>
+              <a:buSzPts val="1100"/>
+              <a:buFont typeface="Lato"/>
+              <a:buChar char="■"/>
+              <a:defRPr sz="1100" b="0" i="0" u="none" strike="noStrike" cap="none">
+                <a:solidFill>
+                  <a:schemeClr val="lt1"/>
+                </a:solidFill>
+                <a:latin typeface="Lato"/>
+                <a:ea typeface="Lato"/>
+                <a:cs typeface="Lato"/>
+                <a:sym typeface="Lato"/>
+              </a:defRPr>
+            </a:lvl3pPr>
+            <a:lvl4pPr marL="1828800" marR="0" lvl="3" indent="-298450" algn="l" rtl="0">
+              <a:lnSpc>
+                <a:spcPct val="115000"/>
+              </a:lnSpc>
+              <a:spcBef>
+                <a:spcPts val="0"/>
+              </a:spcBef>
+              <a:spcAft>
+                <a:spcPts val="0"/>
+              </a:spcAft>
+              <a:buClr>
+                <a:schemeClr val="lt1"/>
+              </a:buClr>
+              <a:buSzPts val="1100"/>
+              <a:buFont typeface="Lato"/>
+              <a:buChar char="●"/>
+              <a:defRPr sz="1100" b="0" i="0" u="none" strike="noStrike" cap="none">
+                <a:solidFill>
+                  <a:schemeClr val="lt1"/>
+                </a:solidFill>
+                <a:latin typeface="Lato"/>
+                <a:ea typeface="Lato"/>
+                <a:cs typeface="Lato"/>
+                <a:sym typeface="Lato"/>
+              </a:defRPr>
+            </a:lvl4pPr>
+            <a:lvl5pPr marL="2286000" marR="0" lvl="4" indent="-298450" algn="l" rtl="0">
+              <a:lnSpc>
+                <a:spcPct val="115000"/>
+              </a:lnSpc>
+              <a:spcBef>
+                <a:spcPts val="0"/>
+              </a:spcBef>
+              <a:spcAft>
+                <a:spcPts val="0"/>
+              </a:spcAft>
+              <a:buClr>
+                <a:schemeClr val="lt1"/>
+              </a:buClr>
+              <a:buSzPts val="1100"/>
+              <a:buFont typeface="Lato"/>
+              <a:buChar char="○"/>
+              <a:defRPr sz="1100" b="0" i="0" u="none" strike="noStrike" cap="none">
+                <a:solidFill>
+                  <a:schemeClr val="lt1"/>
+                </a:solidFill>
+                <a:latin typeface="Lato"/>
+                <a:ea typeface="Lato"/>
+                <a:cs typeface="Lato"/>
+                <a:sym typeface="Lato"/>
+              </a:defRPr>
+            </a:lvl5pPr>
+            <a:lvl6pPr marL="2743200" marR="0" lvl="5" indent="-298450" algn="l" rtl="0">
+              <a:lnSpc>
+                <a:spcPct val="115000"/>
+              </a:lnSpc>
+              <a:spcBef>
+                <a:spcPts val="0"/>
+              </a:spcBef>
+              <a:spcAft>
+                <a:spcPts val="0"/>
+              </a:spcAft>
+              <a:buClr>
+                <a:schemeClr val="lt1"/>
+              </a:buClr>
+              <a:buSzPts val="1100"/>
+              <a:buFont typeface="Lato"/>
+              <a:buChar char="■"/>
+              <a:defRPr sz="1100" b="0" i="0" u="none" strike="noStrike" cap="none">
+                <a:solidFill>
+                  <a:schemeClr val="lt1"/>
+                </a:solidFill>
+                <a:latin typeface="Lato"/>
+                <a:ea typeface="Lato"/>
+                <a:cs typeface="Lato"/>
+                <a:sym typeface="Lato"/>
+              </a:defRPr>
+            </a:lvl6pPr>
+            <a:lvl7pPr marL="3200400" marR="0" lvl="6" indent="-298450" algn="l" rtl="0">
+              <a:lnSpc>
+                <a:spcPct val="115000"/>
+              </a:lnSpc>
+              <a:spcBef>
+                <a:spcPts val="0"/>
+              </a:spcBef>
+              <a:spcAft>
+                <a:spcPts val="0"/>
+              </a:spcAft>
+              <a:buClr>
+                <a:schemeClr val="lt1"/>
+              </a:buClr>
+              <a:buSzPts val="1100"/>
+              <a:buFont typeface="Lato"/>
+              <a:buChar char="●"/>
+              <a:defRPr sz="1100" b="0" i="0" u="none" strike="noStrike" cap="none">
+                <a:solidFill>
+                  <a:schemeClr val="lt1"/>
+                </a:solidFill>
+                <a:latin typeface="Lato"/>
+                <a:ea typeface="Lato"/>
+                <a:cs typeface="Lato"/>
+                <a:sym typeface="Lato"/>
+              </a:defRPr>
+            </a:lvl7pPr>
+            <a:lvl8pPr marL="3657600" marR="0" lvl="7" indent="-298450" algn="l" rtl="0">
+              <a:lnSpc>
+                <a:spcPct val="115000"/>
+              </a:lnSpc>
+              <a:spcBef>
+                <a:spcPts val="0"/>
+              </a:spcBef>
+              <a:spcAft>
+                <a:spcPts val="0"/>
+              </a:spcAft>
+              <a:buClr>
+                <a:schemeClr val="lt1"/>
+              </a:buClr>
+              <a:buSzPts val="1100"/>
+              <a:buFont typeface="Lato"/>
+              <a:buChar char="○"/>
+              <a:defRPr sz="1100" b="0" i="0" u="none" strike="noStrike" cap="none">
+                <a:solidFill>
+                  <a:schemeClr val="lt1"/>
+                </a:solidFill>
+                <a:latin typeface="Lato"/>
+                <a:ea typeface="Lato"/>
+                <a:cs typeface="Lato"/>
+                <a:sym typeface="Lato"/>
+              </a:defRPr>
+            </a:lvl8pPr>
+            <a:lvl9pPr marL="4114800" marR="0" lvl="8" indent="-298450" algn="l" rtl="0">
+              <a:lnSpc>
+                <a:spcPct val="115000"/>
+              </a:lnSpc>
+              <a:spcBef>
+                <a:spcPts val="0"/>
+              </a:spcBef>
+              <a:spcAft>
+                <a:spcPts val="0"/>
+              </a:spcAft>
+              <a:buClr>
+                <a:schemeClr val="lt1"/>
+              </a:buClr>
+              <a:buSzPts val="1100"/>
+              <a:buFont typeface="Lato"/>
+              <a:buChar char="■"/>
+              <a:defRPr sz="1100" b="0" i="0" u="none" strike="noStrike" cap="none">
+                <a:solidFill>
+                  <a:schemeClr val="lt1"/>
+                </a:solidFill>
+                <a:latin typeface="Lato"/>
+                <a:ea typeface="Lato"/>
+                <a:cs typeface="Lato"/>
+                <a:sym typeface="Lato"/>
+              </a:defRPr>
+            </a:lvl9pPr>
+          </a:lstStyle>
+          <a:p>
+            <a:pPr marL="0" indent="0">
+              <a:spcAft>
+                <a:spcPts val="1200"/>
+              </a:spcAft>
+              <a:buFont typeface="Lato"/>
+              <a:buNone/>
+            </a:pPr>
+            <a:endParaRPr lang="en-US" sz="2400" dirty="0">
+              <a:solidFill>
+                <a:srgbClr val="FFFF00"/>
+              </a:solidFill>
+            </a:endParaRPr>
+          </a:p>
+        </p:txBody>
+      </p:sp>
+      <p:sp>
+        <p:nvSpPr>
+          <p:cNvPr id="10" name="Google Shape;141;p14">
+            <a:extLst>
+              <a:ext uri="{FF2B5EF4-FFF2-40B4-BE49-F238E27FC236}">
+                <a16:creationId xmlns:a16="http://schemas.microsoft.com/office/drawing/2014/main" id="{6478443B-A5A4-4741-B6EF-0E713CE94B06}"/>
+              </a:ext>
+            </a:extLst>
+          </p:cNvPr>
+          <p:cNvSpPr txBox="1">
+            <a:spLocks/>
+          </p:cNvSpPr>
+          <p:nvPr/>
+        </p:nvSpPr>
+        <p:spPr>
+          <a:xfrm>
+            <a:off x="338138" y="1506673"/>
+            <a:ext cx="3703775" cy="3609777"/>
+          </a:xfrm>
+          <a:prstGeom prst="rect">
+            <a:avLst/>
+          </a:prstGeom>
+          <a:noFill/>
+          <a:ln>
+            <a:noFill/>
+          </a:ln>
+        </p:spPr>
+        <p:txBody>
+          <a:bodyPr spcFirstLastPara="1" wrap="square" lIns="91425" tIns="91425" rIns="91425" bIns="91425" numCol="1" anchor="t" anchorCtr="0">
+            <a:normAutofit/>
+          </a:bodyPr>
+          <a:lstStyle>
+            <a:defPPr marR="0" lvl="0" algn="l" rtl="0">
+              <a:lnSpc>
+                <a:spcPct val="100000"/>
+              </a:lnSpc>
+              <a:spcBef>
+                <a:spcPts val="0"/>
+              </a:spcBef>
+              <a:spcAft>
+                <a:spcPts val="0"/>
+              </a:spcAft>
+            </a:defPPr>
+            <a:lvl1pPr marL="457200" marR="0" lvl="0" indent="-311150" algn="l" rtl="0">
+              <a:lnSpc>
+                <a:spcPct val="115000"/>
+              </a:lnSpc>
+              <a:spcBef>
+                <a:spcPts val="0"/>
+              </a:spcBef>
+              <a:spcAft>
+                <a:spcPts val="0"/>
+              </a:spcAft>
+              <a:buClr>
+                <a:schemeClr val="lt1"/>
+              </a:buClr>
+              <a:buSzPts val="1300"/>
+              <a:buFont typeface="Lato"/>
+              <a:buChar char="●"/>
+              <a:defRPr sz="1300" b="0" i="0" u="none" strike="noStrike" cap="none">
+                <a:solidFill>
+                  <a:schemeClr val="lt1"/>
+                </a:solidFill>
+                <a:latin typeface="Lato"/>
+                <a:ea typeface="Lato"/>
+                <a:cs typeface="Lato"/>
+                <a:sym typeface="Lato"/>
+              </a:defRPr>
+            </a:lvl1pPr>
+            <a:lvl2pPr marL="914400" marR="0" lvl="1" indent="-298450" algn="l" rtl="0">
+              <a:lnSpc>
+                <a:spcPct val="115000"/>
+              </a:lnSpc>
+              <a:spcBef>
+                <a:spcPts val="0"/>
+              </a:spcBef>
+              <a:spcAft>
+                <a:spcPts val="0"/>
+              </a:spcAft>
+              <a:buClr>
+                <a:schemeClr val="lt1"/>
+              </a:buClr>
+              <a:buSzPts val="1100"/>
+              <a:buFont typeface="Lato"/>
+              <a:buChar char="○"/>
+              <a:defRPr sz="1100" b="0" i="0" u="none" strike="noStrike" cap="none">
+                <a:solidFill>
+                  <a:schemeClr val="lt1"/>
+                </a:solidFill>
+                <a:latin typeface="Lato"/>
+                <a:ea typeface="Lato"/>
+                <a:cs typeface="Lato"/>
+                <a:sym typeface="Lato"/>
+              </a:defRPr>
+            </a:lvl2pPr>
+            <a:lvl3pPr marL="1371600" marR="0" lvl="2" indent="-298450" algn="l" rtl="0">
+              <a:lnSpc>
+                <a:spcPct val="115000"/>
+              </a:lnSpc>
+              <a:spcBef>
+                <a:spcPts val="0"/>
+              </a:spcBef>
+              <a:spcAft>
+                <a:spcPts val="0"/>
+              </a:spcAft>
+              <a:buClr>
+                <a:schemeClr val="lt1"/>
+              </a:buClr>
+              <a:buSzPts val="1100"/>
+              <a:buFont typeface="Lato"/>
+              <a:buChar char="■"/>
+              <a:defRPr sz="1100" b="0" i="0" u="none" strike="noStrike" cap="none">
+                <a:solidFill>
+                  <a:schemeClr val="lt1"/>
+                </a:solidFill>
+                <a:latin typeface="Lato"/>
+                <a:ea typeface="Lato"/>
+                <a:cs typeface="Lato"/>
+                <a:sym typeface="Lato"/>
+              </a:defRPr>
+            </a:lvl3pPr>
+            <a:lvl4pPr marL="1828800" marR="0" lvl="3" indent="-298450" algn="l" rtl="0">
+              <a:lnSpc>
+                <a:spcPct val="115000"/>
+              </a:lnSpc>
+              <a:spcBef>
+                <a:spcPts val="0"/>
+              </a:spcBef>
+              <a:spcAft>
+                <a:spcPts val="0"/>
+              </a:spcAft>
+              <a:buClr>
+                <a:schemeClr val="lt1"/>
+              </a:buClr>
+              <a:buSzPts val="1100"/>
+              <a:buFont typeface="Lato"/>
+              <a:buChar char="●"/>
+              <a:defRPr sz="1100" b="0" i="0" u="none" strike="noStrike" cap="none">
+                <a:solidFill>
+                  <a:schemeClr val="lt1"/>
+                </a:solidFill>
+                <a:latin typeface="Lato"/>
+                <a:ea typeface="Lato"/>
+                <a:cs typeface="Lato"/>
+                <a:sym typeface="Lato"/>
+              </a:defRPr>
+            </a:lvl4pPr>
+            <a:lvl5pPr marL="2286000" marR="0" lvl="4" indent="-298450" algn="l" rtl="0">
+              <a:lnSpc>
+                <a:spcPct val="115000"/>
+              </a:lnSpc>
+              <a:spcBef>
+                <a:spcPts val="0"/>
+              </a:spcBef>
+              <a:spcAft>
+                <a:spcPts val="0"/>
+              </a:spcAft>
+              <a:buClr>
+                <a:schemeClr val="lt1"/>
+              </a:buClr>
+              <a:buSzPts val="1100"/>
+              <a:buFont typeface="Lato"/>
+              <a:buChar char="○"/>
+              <a:defRPr sz="1100" b="0" i="0" u="none" strike="noStrike" cap="none">
+                <a:solidFill>
+                  <a:schemeClr val="lt1"/>
+                </a:solidFill>
+                <a:latin typeface="Lato"/>
+                <a:ea typeface="Lato"/>
+                <a:cs typeface="Lato"/>
+                <a:sym typeface="Lato"/>
+              </a:defRPr>
+            </a:lvl5pPr>
+            <a:lvl6pPr marL="2743200" marR="0" lvl="5" indent="-298450" algn="l" rtl="0">
+              <a:lnSpc>
+                <a:spcPct val="115000"/>
+              </a:lnSpc>
+              <a:spcBef>
+                <a:spcPts val="0"/>
+              </a:spcBef>
+              <a:spcAft>
+                <a:spcPts val="0"/>
+              </a:spcAft>
+              <a:buClr>
+                <a:schemeClr val="lt1"/>
+              </a:buClr>
+              <a:buSzPts val="1100"/>
+              <a:buFont typeface="Lato"/>
+              <a:buChar char="■"/>
+              <a:defRPr sz="1100" b="0" i="0" u="none" strike="noStrike" cap="none">
+                <a:solidFill>
+                  <a:schemeClr val="lt1"/>
+                </a:solidFill>
+                <a:latin typeface="Lato"/>
+                <a:ea typeface="Lato"/>
+                <a:cs typeface="Lato"/>
+                <a:sym typeface="Lato"/>
+              </a:defRPr>
+            </a:lvl6pPr>
+            <a:lvl7pPr marL="3200400" marR="0" lvl="6" indent="-298450" algn="l" rtl="0">
+              <a:lnSpc>
+                <a:spcPct val="115000"/>
+              </a:lnSpc>
+              <a:spcBef>
+                <a:spcPts val="0"/>
+              </a:spcBef>
+              <a:spcAft>
+                <a:spcPts val="0"/>
+              </a:spcAft>
+              <a:buClr>
+                <a:schemeClr val="lt1"/>
+              </a:buClr>
+              <a:buSzPts val="1100"/>
+              <a:buFont typeface="Lato"/>
+              <a:buChar char="●"/>
+              <a:defRPr sz="1100" b="0" i="0" u="none" strike="noStrike" cap="none">
+                <a:solidFill>
+                  <a:schemeClr val="lt1"/>
+                </a:solidFill>
+                <a:latin typeface="Lato"/>
+                <a:ea typeface="Lato"/>
+                <a:cs typeface="Lato"/>
+                <a:sym typeface="Lato"/>
+              </a:defRPr>
+            </a:lvl7pPr>
+            <a:lvl8pPr marL="3657600" marR="0" lvl="7" indent="-298450" algn="l" rtl="0">
+              <a:lnSpc>
+                <a:spcPct val="115000"/>
+              </a:lnSpc>
+              <a:spcBef>
+                <a:spcPts val="0"/>
+              </a:spcBef>
+              <a:spcAft>
+                <a:spcPts val="0"/>
+              </a:spcAft>
+              <a:buClr>
+                <a:schemeClr val="lt1"/>
+              </a:buClr>
+              <a:buSzPts val="1100"/>
+              <a:buFont typeface="Lato"/>
+              <a:buChar char="○"/>
+              <a:defRPr sz="1100" b="0" i="0" u="none" strike="noStrike" cap="none">
+                <a:solidFill>
+                  <a:schemeClr val="lt1"/>
+                </a:solidFill>
+                <a:latin typeface="Lato"/>
+                <a:ea typeface="Lato"/>
+                <a:cs typeface="Lato"/>
+                <a:sym typeface="Lato"/>
+              </a:defRPr>
+            </a:lvl8pPr>
+            <a:lvl9pPr marL="4114800" marR="0" lvl="8" indent="-298450" algn="l" rtl="0">
+              <a:lnSpc>
+                <a:spcPct val="115000"/>
+              </a:lnSpc>
+              <a:spcBef>
+                <a:spcPts val="0"/>
+              </a:spcBef>
+              <a:spcAft>
+                <a:spcPts val="0"/>
+              </a:spcAft>
+              <a:buClr>
+                <a:schemeClr val="lt1"/>
+              </a:buClr>
+              <a:buSzPts val="1100"/>
+              <a:buFont typeface="Lato"/>
+              <a:buChar char="■"/>
+              <a:defRPr sz="1100" b="0" i="0" u="none" strike="noStrike" cap="none">
+                <a:solidFill>
+                  <a:schemeClr val="lt1"/>
+                </a:solidFill>
+                <a:latin typeface="Lato"/>
+                <a:ea typeface="Lato"/>
+                <a:cs typeface="Lato"/>
+                <a:sym typeface="Lato"/>
+              </a:defRPr>
+            </a:lvl9pPr>
+          </a:lstStyle>
+          <a:p>
+            <a:pPr marL="0" indent="0">
+              <a:spcAft>
+                <a:spcPts val="1200"/>
+              </a:spcAft>
+              <a:buNone/>
+            </a:pPr>
+            <a:r>
+              <a:rPr lang="en-US" sz="2400" b="1" dirty="0">
+                <a:solidFill>
+                  <a:schemeClr val="bg1"/>
+                </a:solidFill>
+              </a:rPr>
+              <a:t>1-  </a:t>
+            </a:r>
+            <a:r>
+              <a:rPr lang="en-US" sz="2400" b="1" dirty="0">
+                <a:solidFill>
+                  <a:srgbClr val="FFFF00"/>
+                </a:solidFill>
+              </a:rPr>
+              <a:t>Click</a:t>
+            </a:r>
+          </a:p>
+          <a:p>
+            <a:pPr marL="0" indent="0">
+              <a:spcAft>
+                <a:spcPts val="1200"/>
+              </a:spcAft>
+              <a:buNone/>
+            </a:pPr>
+            <a:r>
+              <a:rPr lang="en-US" sz="2400" b="1" dirty="0">
+                <a:solidFill>
+                  <a:schemeClr val="bg1"/>
+                </a:solidFill>
+              </a:rPr>
+              <a:t>2-  </a:t>
+            </a:r>
+            <a:r>
+              <a:rPr lang="en-US" sz="2400" b="1" dirty="0">
+                <a:solidFill>
+                  <a:srgbClr val="FFFF00"/>
+                </a:solidFill>
+              </a:rPr>
+              <a:t>Double Click</a:t>
+            </a:r>
+          </a:p>
+          <a:p>
+            <a:pPr marL="0" indent="0">
+              <a:spcAft>
+                <a:spcPts val="1200"/>
+              </a:spcAft>
+              <a:buNone/>
+            </a:pPr>
+            <a:r>
+              <a:rPr lang="en-US" sz="2400" b="1" dirty="0">
+                <a:solidFill>
+                  <a:schemeClr val="bg1"/>
+                </a:solidFill>
+              </a:rPr>
+              <a:t>3-  </a:t>
+            </a:r>
+            <a:r>
+              <a:rPr lang="en-US" sz="2400" b="1" dirty="0">
+                <a:solidFill>
+                  <a:srgbClr val="FFFF00"/>
+                </a:solidFill>
+              </a:rPr>
+              <a:t>Right Click</a:t>
+            </a:r>
+          </a:p>
+          <a:p>
+            <a:pPr marL="0" indent="0">
+              <a:spcAft>
+                <a:spcPts val="1200"/>
+              </a:spcAft>
+              <a:buNone/>
+            </a:pPr>
+            <a:r>
+              <a:rPr lang="en-US" sz="2400" b="1" dirty="0">
+                <a:solidFill>
+                  <a:schemeClr val="bg1"/>
+                </a:solidFill>
+              </a:rPr>
+              <a:t>4-  </a:t>
+            </a:r>
+            <a:r>
+              <a:rPr lang="en-US" sz="2400" b="1" dirty="0">
+                <a:solidFill>
+                  <a:srgbClr val="FFFF00"/>
+                </a:solidFill>
+              </a:rPr>
+              <a:t>Hover</a:t>
+            </a:r>
+          </a:p>
+          <a:p>
+            <a:pPr marL="0" indent="0">
+              <a:spcAft>
+                <a:spcPts val="1200"/>
+              </a:spcAft>
+              <a:buFont typeface="Lato"/>
+              <a:buNone/>
+            </a:pPr>
+            <a:endParaRPr lang="en-US" sz="2400" b="1" dirty="0">
+              <a:solidFill>
+                <a:srgbClr val="FFFF00"/>
+              </a:solidFill>
+            </a:endParaRPr>
+          </a:p>
+          <a:p>
+            <a:pPr marL="0" indent="0">
+              <a:spcAft>
+                <a:spcPts val="1200"/>
+              </a:spcAft>
+              <a:buFont typeface="Lato"/>
+              <a:buNone/>
+            </a:pPr>
+            <a:endParaRPr lang="en-US" sz="2400" dirty="0"/>
+          </a:p>
+        </p:txBody>
+      </p:sp>
+      <p:sp>
+        <p:nvSpPr>
+          <p:cNvPr id="11" name="Google Shape;141;p14">
+            <a:extLst>
+              <a:ext uri="{FF2B5EF4-FFF2-40B4-BE49-F238E27FC236}">
+                <a16:creationId xmlns:a16="http://schemas.microsoft.com/office/drawing/2014/main" id="{689BF6F8-05FD-436E-9C29-186F17BD2645}"/>
+              </a:ext>
+            </a:extLst>
+          </p:cNvPr>
+          <p:cNvSpPr txBox="1">
+            <a:spLocks/>
+          </p:cNvSpPr>
+          <p:nvPr/>
+        </p:nvSpPr>
+        <p:spPr>
+          <a:xfrm>
+            <a:off x="3656048" y="1533723"/>
+            <a:ext cx="4520512" cy="3609777"/>
+          </a:xfrm>
+          <a:prstGeom prst="rect">
+            <a:avLst/>
+          </a:prstGeom>
+          <a:noFill/>
+          <a:ln>
+            <a:noFill/>
+          </a:ln>
+        </p:spPr>
+        <p:txBody>
+          <a:bodyPr spcFirstLastPara="1" wrap="square" lIns="91425" tIns="91425" rIns="91425" bIns="91425" numCol="1" anchor="t" anchorCtr="0">
+            <a:normAutofit/>
+          </a:bodyPr>
+          <a:lstStyle>
+            <a:defPPr marR="0" lvl="0" algn="l" rtl="0">
+              <a:lnSpc>
+                <a:spcPct val="100000"/>
+              </a:lnSpc>
+              <a:spcBef>
+                <a:spcPts val="0"/>
+              </a:spcBef>
+              <a:spcAft>
+                <a:spcPts val="0"/>
+              </a:spcAft>
+            </a:defPPr>
+            <a:lvl1pPr marL="457200" marR="0" lvl="0" indent="-311150" algn="l" rtl="0">
+              <a:lnSpc>
+                <a:spcPct val="115000"/>
+              </a:lnSpc>
+              <a:spcBef>
+                <a:spcPts val="0"/>
+              </a:spcBef>
+              <a:spcAft>
+                <a:spcPts val="0"/>
+              </a:spcAft>
+              <a:buClr>
+                <a:schemeClr val="lt1"/>
+              </a:buClr>
+              <a:buSzPts val="1300"/>
+              <a:buFont typeface="Lato"/>
+              <a:buChar char="●"/>
+              <a:defRPr sz="1300" b="0" i="0" u="none" strike="noStrike" cap="none">
+                <a:solidFill>
+                  <a:schemeClr val="lt1"/>
+                </a:solidFill>
+                <a:latin typeface="Lato"/>
+                <a:ea typeface="Lato"/>
+                <a:cs typeface="Lato"/>
+                <a:sym typeface="Lato"/>
+              </a:defRPr>
+            </a:lvl1pPr>
+            <a:lvl2pPr marL="914400" marR="0" lvl="1" indent="-298450" algn="l" rtl="0">
+              <a:lnSpc>
+                <a:spcPct val="115000"/>
+              </a:lnSpc>
+              <a:spcBef>
+                <a:spcPts val="0"/>
+              </a:spcBef>
+              <a:spcAft>
+                <a:spcPts val="0"/>
+              </a:spcAft>
+              <a:buClr>
+                <a:schemeClr val="lt1"/>
+              </a:buClr>
+              <a:buSzPts val="1100"/>
+              <a:buFont typeface="Lato"/>
+              <a:buChar char="○"/>
+              <a:defRPr sz="1100" b="0" i="0" u="none" strike="noStrike" cap="none">
+                <a:solidFill>
+                  <a:schemeClr val="lt1"/>
+                </a:solidFill>
+                <a:latin typeface="Lato"/>
+                <a:ea typeface="Lato"/>
+                <a:cs typeface="Lato"/>
+                <a:sym typeface="Lato"/>
+              </a:defRPr>
+            </a:lvl2pPr>
+            <a:lvl3pPr marL="1371600" marR="0" lvl="2" indent="-298450" algn="l" rtl="0">
+              <a:lnSpc>
+                <a:spcPct val="115000"/>
+              </a:lnSpc>
+              <a:spcBef>
+                <a:spcPts val="0"/>
+              </a:spcBef>
+              <a:spcAft>
+                <a:spcPts val="0"/>
+              </a:spcAft>
+              <a:buClr>
+                <a:schemeClr val="lt1"/>
+              </a:buClr>
+              <a:buSzPts val="1100"/>
+              <a:buFont typeface="Lato"/>
+              <a:buChar char="■"/>
+              <a:defRPr sz="1100" b="0" i="0" u="none" strike="noStrike" cap="none">
+                <a:solidFill>
+                  <a:schemeClr val="lt1"/>
+                </a:solidFill>
+                <a:latin typeface="Lato"/>
+                <a:ea typeface="Lato"/>
+                <a:cs typeface="Lato"/>
+                <a:sym typeface="Lato"/>
+              </a:defRPr>
+            </a:lvl3pPr>
+            <a:lvl4pPr marL="1828800" marR="0" lvl="3" indent="-298450" algn="l" rtl="0">
+              <a:lnSpc>
+                <a:spcPct val="115000"/>
+              </a:lnSpc>
+              <a:spcBef>
+                <a:spcPts val="0"/>
+              </a:spcBef>
+              <a:spcAft>
+                <a:spcPts val="0"/>
+              </a:spcAft>
+              <a:buClr>
+                <a:schemeClr val="lt1"/>
+              </a:buClr>
+              <a:buSzPts val="1100"/>
+              <a:buFont typeface="Lato"/>
+              <a:buChar char="●"/>
+              <a:defRPr sz="1100" b="0" i="0" u="none" strike="noStrike" cap="none">
+                <a:solidFill>
+                  <a:schemeClr val="lt1"/>
+                </a:solidFill>
+                <a:latin typeface="Lato"/>
+                <a:ea typeface="Lato"/>
+                <a:cs typeface="Lato"/>
+                <a:sym typeface="Lato"/>
+              </a:defRPr>
+            </a:lvl4pPr>
+            <a:lvl5pPr marL="2286000" marR="0" lvl="4" indent="-298450" algn="l" rtl="0">
+              <a:lnSpc>
+                <a:spcPct val="115000"/>
+              </a:lnSpc>
+              <a:spcBef>
+                <a:spcPts val="0"/>
+              </a:spcBef>
+              <a:spcAft>
+                <a:spcPts val="0"/>
+              </a:spcAft>
+              <a:buClr>
+                <a:schemeClr val="lt1"/>
+              </a:buClr>
+              <a:buSzPts val="1100"/>
+              <a:buFont typeface="Lato"/>
+              <a:buChar char="○"/>
+              <a:defRPr sz="1100" b="0" i="0" u="none" strike="noStrike" cap="none">
+                <a:solidFill>
+                  <a:schemeClr val="lt1"/>
+                </a:solidFill>
+                <a:latin typeface="Lato"/>
+                <a:ea typeface="Lato"/>
+                <a:cs typeface="Lato"/>
+                <a:sym typeface="Lato"/>
+              </a:defRPr>
+            </a:lvl5pPr>
+            <a:lvl6pPr marL="2743200" marR="0" lvl="5" indent="-298450" algn="l" rtl="0">
+              <a:lnSpc>
+                <a:spcPct val="115000"/>
+              </a:lnSpc>
+              <a:spcBef>
+                <a:spcPts val="0"/>
+              </a:spcBef>
+              <a:spcAft>
+                <a:spcPts val="0"/>
+              </a:spcAft>
+              <a:buClr>
+                <a:schemeClr val="lt1"/>
+              </a:buClr>
+              <a:buSzPts val="1100"/>
+              <a:buFont typeface="Lato"/>
+              <a:buChar char="■"/>
+              <a:defRPr sz="1100" b="0" i="0" u="none" strike="noStrike" cap="none">
+                <a:solidFill>
+                  <a:schemeClr val="lt1"/>
+                </a:solidFill>
+                <a:latin typeface="Lato"/>
+                <a:ea typeface="Lato"/>
+                <a:cs typeface="Lato"/>
+                <a:sym typeface="Lato"/>
+              </a:defRPr>
+            </a:lvl6pPr>
+            <a:lvl7pPr marL="3200400" marR="0" lvl="6" indent="-298450" algn="l" rtl="0">
+              <a:lnSpc>
+                <a:spcPct val="115000"/>
+              </a:lnSpc>
+              <a:spcBef>
+                <a:spcPts val="0"/>
+              </a:spcBef>
+              <a:spcAft>
+                <a:spcPts val="0"/>
+              </a:spcAft>
+              <a:buClr>
+                <a:schemeClr val="lt1"/>
+              </a:buClr>
+              <a:buSzPts val="1100"/>
+              <a:buFont typeface="Lato"/>
+              <a:buChar char="●"/>
+              <a:defRPr sz="1100" b="0" i="0" u="none" strike="noStrike" cap="none">
+                <a:solidFill>
+                  <a:schemeClr val="lt1"/>
+                </a:solidFill>
+                <a:latin typeface="Lato"/>
+                <a:ea typeface="Lato"/>
+                <a:cs typeface="Lato"/>
+                <a:sym typeface="Lato"/>
+              </a:defRPr>
+            </a:lvl7pPr>
+            <a:lvl8pPr marL="3657600" marR="0" lvl="7" indent="-298450" algn="l" rtl="0">
+              <a:lnSpc>
+                <a:spcPct val="115000"/>
+              </a:lnSpc>
+              <a:spcBef>
+                <a:spcPts val="0"/>
+              </a:spcBef>
+              <a:spcAft>
+                <a:spcPts val="0"/>
+              </a:spcAft>
+              <a:buClr>
+                <a:schemeClr val="lt1"/>
+              </a:buClr>
+              <a:buSzPts val="1100"/>
+              <a:buFont typeface="Lato"/>
+              <a:buChar char="○"/>
+              <a:defRPr sz="1100" b="0" i="0" u="none" strike="noStrike" cap="none">
+                <a:solidFill>
+                  <a:schemeClr val="lt1"/>
+                </a:solidFill>
+                <a:latin typeface="Lato"/>
+                <a:ea typeface="Lato"/>
+                <a:cs typeface="Lato"/>
+                <a:sym typeface="Lato"/>
+              </a:defRPr>
+            </a:lvl8pPr>
+            <a:lvl9pPr marL="4114800" marR="0" lvl="8" indent="-298450" algn="l" rtl="0">
+              <a:lnSpc>
+                <a:spcPct val="115000"/>
+              </a:lnSpc>
+              <a:spcBef>
+                <a:spcPts val="0"/>
+              </a:spcBef>
+              <a:spcAft>
+                <a:spcPts val="0"/>
+              </a:spcAft>
+              <a:buClr>
+                <a:schemeClr val="lt1"/>
+              </a:buClr>
+              <a:buSzPts val="1100"/>
+              <a:buFont typeface="Lato"/>
+              <a:buChar char="■"/>
+              <a:defRPr sz="1100" b="0" i="0" u="none" strike="noStrike" cap="none">
+                <a:solidFill>
+                  <a:schemeClr val="lt1"/>
+                </a:solidFill>
+                <a:latin typeface="Lato"/>
+                <a:ea typeface="Lato"/>
+                <a:cs typeface="Lato"/>
+                <a:sym typeface="Lato"/>
+              </a:defRPr>
+            </a:lvl9pPr>
+          </a:lstStyle>
+          <a:p>
+            <a:pPr marL="0" indent="0">
+              <a:spcAft>
+                <a:spcPts val="1200"/>
+              </a:spcAft>
+              <a:buNone/>
+            </a:pPr>
+            <a:r>
+              <a:rPr lang="en-US" sz="2400" b="1" dirty="0">
+                <a:solidFill>
+                  <a:schemeClr val="bg1"/>
+                </a:solidFill>
+              </a:rPr>
+              <a:t>5-  </a:t>
+            </a:r>
+            <a:r>
+              <a:rPr lang="en-US" sz="2400" b="1" dirty="0">
+                <a:solidFill>
+                  <a:srgbClr val="FFFF00"/>
+                </a:solidFill>
+              </a:rPr>
+              <a:t>Long Press (Click and Hold)</a:t>
+            </a:r>
+          </a:p>
+          <a:p>
+            <a:pPr marL="0" indent="0">
+              <a:spcAft>
+                <a:spcPts val="1200"/>
+              </a:spcAft>
+              <a:buNone/>
+            </a:pPr>
+            <a:r>
+              <a:rPr lang="en-US" sz="2400" b="1" dirty="0">
+                <a:solidFill>
+                  <a:schemeClr val="bg1"/>
+                </a:solidFill>
+              </a:rPr>
+              <a:t>6-  </a:t>
+            </a:r>
+            <a:r>
+              <a:rPr lang="en-US" sz="2400" b="1" dirty="0">
+                <a:solidFill>
+                  <a:srgbClr val="FFFF00"/>
+                </a:solidFill>
+              </a:rPr>
+              <a:t>Drag &amp; Drop</a:t>
+            </a:r>
+          </a:p>
+          <a:p>
+            <a:pPr marL="0" indent="0">
+              <a:spcAft>
+                <a:spcPts val="1200"/>
+              </a:spcAft>
+              <a:buNone/>
+            </a:pPr>
+            <a:r>
+              <a:rPr lang="en-US" sz="2400" b="1" dirty="0">
+                <a:solidFill>
+                  <a:schemeClr val="bg1"/>
+                </a:solidFill>
+              </a:rPr>
+              <a:t>7-  </a:t>
+            </a:r>
+            <a:r>
+              <a:rPr lang="en-US" sz="2400" b="1" dirty="0">
+                <a:solidFill>
+                  <a:srgbClr val="FFFF00"/>
+                </a:solidFill>
+              </a:rPr>
+              <a:t>Drag &amp; Drop by offset</a:t>
+            </a:r>
+          </a:p>
+          <a:p>
+            <a:pPr marL="0" indent="0">
+              <a:spcAft>
+                <a:spcPts val="1200"/>
+              </a:spcAft>
+              <a:buNone/>
+            </a:pPr>
+            <a:r>
+              <a:rPr lang="en-US" sz="2400" b="1" dirty="0">
+                <a:solidFill>
+                  <a:schemeClr val="bg1"/>
+                </a:solidFill>
+              </a:rPr>
+              <a:t>8-  </a:t>
+            </a:r>
+            <a:r>
+              <a:rPr lang="en-US" sz="2400" b="1" dirty="0">
+                <a:solidFill>
+                  <a:srgbClr val="FFFF00"/>
+                </a:solidFill>
+              </a:rPr>
+              <a:t>Scroll</a:t>
+            </a:r>
+          </a:p>
+          <a:p>
+            <a:pPr marL="0" indent="0">
+              <a:spcAft>
+                <a:spcPts val="1200"/>
+              </a:spcAft>
+              <a:buNone/>
+            </a:pPr>
+            <a:endParaRPr lang="en-US" sz="2400" b="1" dirty="0">
+              <a:solidFill>
+                <a:srgbClr val="FFFF00"/>
+              </a:solidFill>
+            </a:endParaRPr>
+          </a:p>
+          <a:p>
+            <a:pPr marL="0" indent="0">
+              <a:spcAft>
+                <a:spcPts val="1200"/>
+              </a:spcAft>
+              <a:buFont typeface="Lato"/>
+              <a:buNone/>
+            </a:pPr>
+            <a:endParaRPr lang="en-US" sz="2400" b="1" dirty="0">
+              <a:solidFill>
+                <a:srgbClr val="FFFF00"/>
+              </a:solidFill>
+            </a:endParaRPr>
+          </a:p>
+          <a:p>
+            <a:pPr marL="0" indent="0">
+              <a:spcAft>
+                <a:spcPts val="1200"/>
+              </a:spcAft>
+              <a:buFont typeface="Lato"/>
+              <a:buNone/>
+            </a:pPr>
+            <a:endParaRPr lang="en-US" sz="2400" dirty="0"/>
+          </a:p>
+        </p:txBody>
+      </p:sp>
+    </p:spTree>
+    <p:extLst>
+      <p:ext uri="{BB962C8B-B14F-4D97-AF65-F5344CB8AC3E}">
+        <p14:creationId xmlns:p14="http://schemas.microsoft.com/office/powerpoint/2010/main" val="3284122163"/>
+      </p:ext>
+    </p:extLst>
   </p:cSld>
   <p:clrMapOvr>
     <a:masterClrMapping/>
